--- a/Informatik/Dynamische Datenstrukturen.pptx
+++ b/Informatik/Dynamische Datenstrukturen.pptx
@@ -5,7 +5,7 @@
     <p:sldMasterId id="2147483648" r:id="rId1"/>
   </p:sldMasterIdLst>
   <p:notesMasterIdLst>
-    <p:notesMasterId r:id="rId25"/>
+    <p:notesMasterId r:id="rId27"/>
   </p:notesMasterIdLst>
   <p:sldIdLst>
     <p:sldId id="256" r:id="rId2"/>
@@ -31,6 +31,8 @@
     <p:sldId id="276" r:id="rId22"/>
     <p:sldId id="277" r:id="rId23"/>
     <p:sldId id="279" r:id="rId24"/>
+    <p:sldId id="280" r:id="rId25"/>
+    <p:sldId id="281" r:id="rId26"/>
   </p:sldIdLst>
   <p:sldSz cx="12192000" cy="6858000"/>
   <p:notesSz cx="6858000" cy="9144000"/>
@@ -219,7 +221,7 @@
           <a:p>
             <a:fld id="{956BC06E-4695-4D92-BAA8-C1984B21E568}" type="datetimeFigureOut">
               <a:rPr lang="de-DE" smtClean="0"/>
-              <a:t>26.01.2024</a:t>
+              <a:t>30.01.2024</a:t>
             </a:fld>
             <a:endParaRPr lang="de-DE"/>
           </a:p>
@@ -633,7 +635,7 @@
           <a:p>
             <a:fld id="{1C0C3597-A09E-44A0-A4B9-9253CC0B43A8}" type="datetimeFigureOut">
               <a:rPr lang="de-DE" smtClean="0"/>
-              <a:t>26.01.2024</a:t>
+              <a:t>30.01.2024</a:t>
             </a:fld>
             <a:endParaRPr lang="de-DE"/>
           </a:p>
@@ -831,7 +833,7 @@
           <a:p>
             <a:fld id="{1C0C3597-A09E-44A0-A4B9-9253CC0B43A8}" type="datetimeFigureOut">
               <a:rPr lang="de-DE" smtClean="0"/>
-              <a:t>26.01.2024</a:t>
+              <a:t>30.01.2024</a:t>
             </a:fld>
             <a:endParaRPr lang="de-DE"/>
           </a:p>
@@ -1039,7 +1041,7 @@
           <a:p>
             <a:fld id="{1C0C3597-A09E-44A0-A4B9-9253CC0B43A8}" type="datetimeFigureOut">
               <a:rPr lang="de-DE" smtClean="0"/>
-              <a:t>26.01.2024</a:t>
+              <a:t>30.01.2024</a:t>
             </a:fld>
             <a:endParaRPr lang="de-DE"/>
           </a:p>
@@ -1237,7 +1239,7 @@
           <a:p>
             <a:fld id="{1C0C3597-A09E-44A0-A4B9-9253CC0B43A8}" type="datetimeFigureOut">
               <a:rPr lang="de-DE" smtClean="0"/>
-              <a:t>26.01.2024</a:t>
+              <a:t>30.01.2024</a:t>
             </a:fld>
             <a:endParaRPr lang="de-DE"/>
           </a:p>
@@ -1512,7 +1514,7 @@
           <a:p>
             <a:fld id="{1C0C3597-A09E-44A0-A4B9-9253CC0B43A8}" type="datetimeFigureOut">
               <a:rPr lang="de-DE" smtClean="0"/>
-              <a:t>26.01.2024</a:t>
+              <a:t>30.01.2024</a:t>
             </a:fld>
             <a:endParaRPr lang="de-DE"/>
           </a:p>
@@ -1777,7 +1779,7 @@
           <a:p>
             <a:fld id="{1C0C3597-A09E-44A0-A4B9-9253CC0B43A8}" type="datetimeFigureOut">
               <a:rPr lang="de-DE" smtClean="0"/>
-              <a:t>26.01.2024</a:t>
+              <a:t>30.01.2024</a:t>
             </a:fld>
             <a:endParaRPr lang="de-DE"/>
           </a:p>
@@ -2189,7 +2191,7 @@
           <a:p>
             <a:fld id="{1C0C3597-A09E-44A0-A4B9-9253CC0B43A8}" type="datetimeFigureOut">
               <a:rPr lang="de-DE" smtClean="0"/>
-              <a:t>26.01.2024</a:t>
+              <a:t>30.01.2024</a:t>
             </a:fld>
             <a:endParaRPr lang="de-DE"/>
           </a:p>
@@ -2330,7 +2332,7 @@
           <a:p>
             <a:fld id="{1C0C3597-A09E-44A0-A4B9-9253CC0B43A8}" type="datetimeFigureOut">
               <a:rPr lang="de-DE" smtClean="0"/>
-              <a:t>26.01.2024</a:t>
+              <a:t>30.01.2024</a:t>
             </a:fld>
             <a:endParaRPr lang="de-DE"/>
           </a:p>
@@ -2443,7 +2445,7 @@
           <a:p>
             <a:fld id="{1C0C3597-A09E-44A0-A4B9-9253CC0B43A8}" type="datetimeFigureOut">
               <a:rPr lang="de-DE" smtClean="0"/>
-              <a:t>26.01.2024</a:t>
+              <a:t>30.01.2024</a:t>
             </a:fld>
             <a:endParaRPr lang="de-DE"/>
           </a:p>
@@ -2754,7 +2756,7 @@
           <a:p>
             <a:fld id="{1C0C3597-A09E-44A0-A4B9-9253CC0B43A8}" type="datetimeFigureOut">
               <a:rPr lang="de-DE" smtClean="0"/>
-              <a:t>26.01.2024</a:t>
+              <a:t>30.01.2024</a:t>
             </a:fld>
             <a:endParaRPr lang="de-DE"/>
           </a:p>
@@ -3042,7 +3044,7 @@
           <a:p>
             <a:fld id="{1C0C3597-A09E-44A0-A4B9-9253CC0B43A8}" type="datetimeFigureOut">
               <a:rPr lang="de-DE" smtClean="0"/>
-              <a:t>26.01.2024</a:t>
+              <a:t>30.01.2024</a:t>
             </a:fld>
             <a:endParaRPr lang="de-DE"/>
           </a:p>
@@ -3283,7 +3285,7 @@
           <a:p>
             <a:fld id="{1C0C3597-A09E-44A0-A4B9-9253CC0B43A8}" type="datetimeFigureOut">
               <a:rPr lang="de-DE" smtClean="0"/>
-              <a:t>26.01.2024</a:t>
+              <a:t>30.01.2024</a:t>
             </a:fld>
             <a:endParaRPr lang="de-DE"/>
           </a:p>
@@ -4438,8 +4440,8 @@
           <a:chExt cx="0" cy="0"/>
         </a:xfrm>
       </p:grpSpPr>
-      <mc:AlternateContent xmlns:mc="http://schemas.openxmlformats.org/markup-compatibility/2006">
-        <mc:Choice xmlns:a14="http://schemas.microsoft.com/office/drawing/2010/main" Requires="a14">
+      <mc:AlternateContent xmlns:mc="http://schemas.openxmlformats.org/markup-compatibility/2006" xmlns:a14="http://schemas.microsoft.com/office/drawing/2010/main">
+        <mc:Choice Requires="a14">
           <p:sp>
             <p:nvSpPr>
               <p:cNvPr id="7" name="Textfeld 6">
@@ -4700,7 +4702,7 @@
             </p:txBody>
           </p:sp>
         </mc:Choice>
-        <mc:Fallback>
+        <mc:Fallback xmlns="">
           <p:sp>
             <p:nvSpPr>
               <p:cNvPr id="7" name="Textfeld 6">
@@ -18909,6 +18911,3344 @@
     <p:extLst>
       <p:ext uri="{BB962C8B-B14F-4D97-AF65-F5344CB8AC3E}">
         <p14:creationId xmlns:p14="http://schemas.microsoft.com/office/powerpoint/2010/main" val="50655915"/>
+      </p:ext>
+    </p:extLst>
+  </p:cSld>
+  <p:clrMapOvr>
+    <a:masterClrMapping/>
+  </p:clrMapOvr>
+  <p:transition spd="slow">
+    <p:cover/>
+  </p:transition>
+</p:sld>
+</file>
+
+<file path=ppt/slides/slide24.xml><?xml version="1.0" encoding="utf-8"?>
+<p:sld xmlns:a="http://schemas.openxmlformats.org/drawingml/2006/main" xmlns:r="http://schemas.openxmlformats.org/officeDocument/2006/relationships" xmlns:p="http://schemas.openxmlformats.org/presentationml/2006/main">
+  <p:cSld>
+    <p:bg>
+      <p:bgPr>
+        <a:solidFill>
+          <a:schemeClr val="tx1">
+            <a:lumMod val="75000"/>
+            <a:lumOff val="25000"/>
+          </a:schemeClr>
+        </a:solidFill>
+        <a:effectLst/>
+      </p:bgPr>
+    </p:bg>
+    <p:spTree>
+      <p:nvGrpSpPr>
+        <p:cNvPr id="1" name=""/>
+        <p:cNvGrpSpPr/>
+        <p:nvPr/>
+      </p:nvGrpSpPr>
+      <p:grpSpPr>
+        <a:xfrm>
+          <a:off x="0" y="0"/>
+          <a:ext cx="0" cy="0"/>
+          <a:chOff x="0" y="0"/>
+          <a:chExt cx="0" cy="0"/>
+        </a:xfrm>
+      </p:grpSpPr>
+      <p:pic>
+        <p:nvPicPr>
+          <p:cNvPr id="3" name="Grafik 2">
+            <a:extLst>
+              <a:ext uri="{FF2B5EF4-FFF2-40B4-BE49-F238E27FC236}">
+                <a16:creationId xmlns:a16="http://schemas.microsoft.com/office/drawing/2014/main" id="{E46CFFCD-3636-8CEE-53EC-ED1BF27D9ED5}"/>
+              </a:ext>
+            </a:extLst>
+          </p:cNvPr>
+          <p:cNvPicPr>
+            <a:picLocks noChangeAspect="1"/>
+          </p:cNvPicPr>
+          <p:nvPr/>
+        </p:nvPicPr>
+        <p:blipFill>
+          <a:blip r:embed="rId2"/>
+          <a:stretch>
+            <a:fillRect/>
+          </a:stretch>
+        </p:blipFill>
+        <p:spPr>
+          <a:xfrm>
+            <a:off x="179852" y="272472"/>
+            <a:ext cx="5008406" cy="6313055"/>
+          </a:xfrm>
+          <a:prstGeom prst="rect">
+            <a:avLst/>
+          </a:prstGeom>
+          <a:ln w="25400">
+            <a:solidFill>
+              <a:schemeClr val="bg1"/>
+            </a:solidFill>
+          </a:ln>
+          <a:effectLst>
+            <a:reflection blurRad="6350" stA="52000" endA="300" endPos="35000" dir="5400000" sy="-100000" algn="bl" rotWithShape="0"/>
+          </a:effectLst>
+        </p:spPr>
+      </p:pic>
+      <p:cxnSp>
+        <p:nvCxnSpPr>
+          <p:cNvPr id="8" name="Gerader Verbinder 7">
+            <a:extLst>
+              <a:ext uri="{FF2B5EF4-FFF2-40B4-BE49-F238E27FC236}">
+                <a16:creationId xmlns:a16="http://schemas.microsoft.com/office/drawing/2014/main" id="{82C75EA5-39D5-FAFB-05E0-10EB817E7F3E}"/>
+              </a:ext>
+            </a:extLst>
+          </p:cNvPr>
+          <p:cNvCxnSpPr>
+            <a:cxnSpLocks noGrp="1" noRot="1" noMove="1" noResize="1" noEditPoints="1" noAdjustHandles="1" noChangeArrowheads="1" noChangeShapeType="1"/>
+            <a:stCxn id="11" idx="3"/>
+            <a:endCxn id="10" idx="1"/>
+          </p:cNvCxnSpPr>
+          <p:nvPr/>
+        </p:nvCxnSpPr>
+        <p:spPr>
+          <a:xfrm flipV="1">
+            <a:off x="8451068" y="1789050"/>
+            <a:ext cx="1120440" cy="6841"/>
+          </a:xfrm>
+          <a:prstGeom prst="line">
+            <a:avLst/>
+          </a:prstGeom>
+          <a:ln w="25400">
+            <a:solidFill>
+              <a:schemeClr val="tx1"/>
+            </a:solidFill>
+          </a:ln>
+        </p:spPr>
+        <p:style>
+          <a:lnRef idx="2">
+            <a:schemeClr val="accent1"/>
+          </a:lnRef>
+          <a:fillRef idx="0">
+            <a:schemeClr val="accent1"/>
+          </a:fillRef>
+          <a:effectRef idx="1">
+            <a:schemeClr val="accent1"/>
+          </a:effectRef>
+          <a:fontRef idx="minor">
+            <a:schemeClr val="tx1"/>
+          </a:fontRef>
+        </p:style>
+      </p:cxnSp>
+      <p:sp>
+        <p:nvSpPr>
+          <p:cNvPr id="9" name="Rechteck 8">
+            <a:extLst>
+              <a:ext uri="{FF2B5EF4-FFF2-40B4-BE49-F238E27FC236}">
+                <a16:creationId xmlns:a16="http://schemas.microsoft.com/office/drawing/2014/main" id="{7B071CBF-2882-E209-6E6D-3AE162C3B83B}"/>
+              </a:ext>
+            </a:extLst>
+          </p:cNvPr>
+          <p:cNvSpPr>
+            <a:spLocks noGrp="1" noRot="1" noMove="1" noResize="1" noEditPoints="1" noAdjustHandles="1" noChangeArrowheads="1" noChangeShapeType="1"/>
+          </p:cNvSpPr>
+          <p:nvPr/>
+        </p:nvSpPr>
+        <p:spPr>
+          <a:xfrm>
+            <a:off x="6185333" y="1549617"/>
+            <a:ext cx="572647" cy="492548"/>
+          </a:xfrm>
+          <a:prstGeom prst="rect">
+            <a:avLst/>
+          </a:prstGeom>
+          <a:solidFill>
+            <a:schemeClr val="bg1"/>
+          </a:solidFill>
+          <a:ln w="25400">
+            <a:solidFill>
+              <a:schemeClr val="tx1"/>
+            </a:solidFill>
+          </a:ln>
+        </p:spPr>
+        <p:style>
+          <a:lnRef idx="2">
+            <a:schemeClr val="accent1">
+              <a:shade val="15000"/>
+            </a:schemeClr>
+          </a:lnRef>
+          <a:fillRef idx="1">
+            <a:schemeClr val="accent1"/>
+          </a:fillRef>
+          <a:effectRef idx="0">
+            <a:schemeClr val="accent1"/>
+          </a:effectRef>
+          <a:fontRef idx="minor">
+            <a:schemeClr val="lt1"/>
+          </a:fontRef>
+        </p:style>
+        <p:txBody>
+          <a:bodyPr rtlCol="0" anchor="ctr"/>
+          <a:lstStyle/>
+          <a:p>
+            <a:pPr algn="ctr"/>
+            <a:r>
+              <a:rPr lang="en-US" dirty="0">
+                <a:solidFill>
+                  <a:schemeClr val="tx1"/>
+                </a:solidFill>
+              </a:rPr>
+              <a:t>0</a:t>
+            </a:r>
+            <a:endParaRPr lang="de-DE" dirty="0">
+              <a:solidFill>
+                <a:schemeClr val="tx1"/>
+              </a:solidFill>
+            </a:endParaRPr>
+          </a:p>
+        </p:txBody>
+      </p:sp>
+      <p:sp>
+        <p:nvSpPr>
+          <p:cNvPr id="10" name="Rechteck 9">
+            <a:extLst>
+              <a:ext uri="{FF2B5EF4-FFF2-40B4-BE49-F238E27FC236}">
+                <a16:creationId xmlns:a16="http://schemas.microsoft.com/office/drawing/2014/main" id="{7132ABA5-ED60-E519-A485-CA7FB34E2F90}"/>
+              </a:ext>
+            </a:extLst>
+          </p:cNvPr>
+          <p:cNvSpPr>
+            <a:spLocks noGrp="1" noRot="1" noMove="1" noResize="1" noEditPoints="1" noAdjustHandles="1" noChangeArrowheads="1" noChangeShapeType="1"/>
+          </p:cNvSpPr>
+          <p:nvPr/>
+        </p:nvSpPr>
+        <p:spPr>
+          <a:xfrm>
+            <a:off x="9571508" y="1542776"/>
+            <a:ext cx="572647" cy="492548"/>
+          </a:xfrm>
+          <a:prstGeom prst="rect">
+            <a:avLst/>
+          </a:prstGeom>
+          <a:solidFill>
+            <a:schemeClr val="bg1"/>
+          </a:solidFill>
+          <a:ln w="25400">
+            <a:solidFill>
+              <a:schemeClr val="tx1"/>
+            </a:solidFill>
+          </a:ln>
+        </p:spPr>
+        <p:style>
+          <a:lnRef idx="2">
+            <a:schemeClr val="accent1">
+              <a:shade val="15000"/>
+            </a:schemeClr>
+          </a:lnRef>
+          <a:fillRef idx="1">
+            <a:schemeClr val="accent1"/>
+          </a:fillRef>
+          <a:effectRef idx="0">
+            <a:schemeClr val="accent1"/>
+          </a:effectRef>
+          <a:fontRef idx="minor">
+            <a:schemeClr val="lt1"/>
+          </a:fontRef>
+        </p:style>
+        <p:txBody>
+          <a:bodyPr rtlCol="0" anchor="ctr"/>
+          <a:lstStyle/>
+          <a:p>
+            <a:pPr algn="ctr"/>
+            <a:r>
+              <a:rPr lang="en-US" dirty="0">
+                <a:solidFill>
+                  <a:schemeClr val="tx1"/>
+                </a:solidFill>
+              </a:rPr>
+              <a:t>2</a:t>
+            </a:r>
+            <a:endParaRPr lang="de-DE" dirty="0">
+              <a:solidFill>
+                <a:schemeClr val="tx1"/>
+              </a:solidFill>
+            </a:endParaRPr>
+          </a:p>
+        </p:txBody>
+      </p:sp>
+      <p:sp>
+        <p:nvSpPr>
+          <p:cNvPr id="11" name="Rechteck 10">
+            <a:extLst>
+              <a:ext uri="{FF2B5EF4-FFF2-40B4-BE49-F238E27FC236}">
+                <a16:creationId xmlns:a16="http://schemas.microsoft.com/office/drawing/2014/main" id="{C9804F0B-4FCC-CE5C-6B64-8880F3DFAE9F}"/>
+              </a:ext>
+            </a:extLst>
+          </p:cNvPr>
+          <p:cNvSpPr>
+            <a:spLocks noGrp="1" noRot="1" noMove="1" noResize="1" noEditPoints="1" noAdjustHandles="1" noChangeArrowheads="1" noChangeShapeType="1"/>
+          </p:cNvSpPr>
+          <p:nvPr/>
+        </p:nvSpPr>
+        <p:spPr>
+          <a:xfrm>
+            <a:off x="7878421" y="1549617"/>
+            <a:ext cx="572647" cy="492548"/>
+          </a:xfrm>
+          <a:prstGeom prst="rect">
+            <a:avLst/>
+          </a:prstGeom>
+          <a:solidFill>
+            <a:schemeClr val="bg1"/>
+          </a:solidFill>
+          <a:ln w="25400">
+            <a:solidFill>
+              <a:schemeClr val="tx1"/>
+            </a:solidFill>
+          </a:ln>
+        </p:spPr>
+        <p:style>
+          <a:lnRef idx="2">
+            <a:schemeClr val="accent1">
+              <a:shade val="15000"/>
+            </a:schemeClr>
+          </a:lnRef>
+          <a:fillRef idx="1">
+            <a:schemeClr val="accent1"/>
+          </a:fillRef>
+          <a:effectRef idx="0">
+            <a:schemeClr val="accent1"/>
+          </a:effectRef>
+          <a:fontRef idx="minor">
+            <a:schemeClr val="lt1"/>
+          </a:fontRef>
+        </p:style>
+        <p:txBody>
+          <a:bodyPr rtlCol="0" anchor="ctr"/>
+          <a:lstStyle/>
+          <a:p>
+            <a:pPr algn="ctr"/>
+            <a:r>
+              <a:rPr lang="en-US" dirty="0">
+                <a:solidFill>
+                  <a:schemeClr val="tx1"/>
+                </a:solidFill>
+              </a:rPr>
+              <a:t>1</a:t>
+            </a:r>
+            <a:endParaRPr lang="de-DE" dirty="0">
+              <a:solidFill>
+                <a:schemeClr val="tx1"/>
+              </a:solidFill>
+            </a:endParaRPr>
+          </a:p>
+        </p:txBody>
+      </p:sp>
+      <p:sp>
+        <p:nvSpPr>
+          <p:cNvPr id="12" name="Pfeil: nach rechts 11">
+            <a:extLst>
+              <a:ext uri="{FF2B5EF4-FFF2-40B4-BE49-F238E27FC236}">
+                <a16:creationId xmlns:a16="http://schemas.microsoft.com/office/drawing/2014/main" id="{F5B2C4D9-9775-F108-DD1B-8389A98F7B71}"/>
+              </a:ext>
+            </a:extLst>
+          </p:cNvPr>
+          <p:cNvSpPr>
+            <a:spLocks noGrp="1" noRot="1" noMove="1" noResize="1" noEditPoints="1" noAdjustHandles="1" noChangeArrowheads="1" noChangeShapeType="1"/>
+          </p:cNvSpPr>
+          <p:nvPr/>
+        </p:nvSpPr>
+        <p:spPr>
+          <a:xfrm>
+            <a:off x="9357760" y="1695843"/>
+            <a:ext cx="213749" cy="186413"/>
+          </a:xfrm>
+          <a:prstGeom prst="rightArrow">
+            <a:avLst/>
+          </a:prstGeom>
+          <a:solidFill>
+            <a:schemeClr val="bg1"/>
+          </a:solidFill>
+          <a:ln w="25400">
+            <a:solidFill>
+              <a:schemeClr val="tx1"/>
+            </a:solidFill>
+          </a:ln>
+        </p:spPr>
+        <p:style>
+          <a:lnRef idx="2">
+            <a:schemeClr val="accent1">
+              <a:shade val="15000"/>
+            </a:schemeClr>
+          </a:lnRef>
+          <a:fillRef idx="1">
+            <a:schemeClr val="accent1"/>
+          </a:fillRef>
+          <a:effectRef idx="0">
+            <a:schemeClr val="accent1"/>
+          </a:effectRef>
+          <a:fontRef idx="minor">
+            <a:schemeClr val="lt1"/>
+          </a:fontRef>
+        </p:style>
+        <p:txBody>
+          <a:bodyPr rtlCol="0" anchor="ctr"/>
+          <a:lstStyle/>
+          <a:p>
+            <a:pPr algn="ctr"/>
+            <a:endParaRPr lang="de-DE" dirty="0"/>
+          </a:p>
+        </p:txBody>
+      </p:sp>
+      <p:grpSp>
+        <p:nvGrpSpPr>
+          <p:cNvPr id="32" name="Gruppieren 31">
+            <a:extLst>
+              <a:ext uri="{FF2B5EF4-FFF2-40B4-BE49-F238E27FC236}">
+                <a16:creationId xmlns:a16="http://schemas.microsoft.com/office/drawing/2014/main" id="{41FB5A97-601F-1541-E975-C8AA33125B9C}"/>
+              </a:ext>
+            </a:extLst>
+          </p:cNvPr>
+          <p:cNvGrpSpPr>
+            <a:grpSpLocks noGrp="1" noUngrp="1" noRot="1" noMove="1" noResize="1"/>
+          </p:cNvGrpSpPr>
+          <p:nvPr/>
+        </p:nvGrpSpPr>
+        <p:grpSpPr>
+          <a:xfrm>
+            <a:off x="6757980" y="1692397"/>
+            <a:ext cx="1129618" cy="186413"/>
+            <a:chOff x="6603902" y="1658815"/>
+            <a:chExt cx="1129618" cy="186413"/>
+          </a:xfrm>
+        </p:grpSpPr>
+        <p:cxnSp>
+          <p:nvCxnSpPr>
+            <p:cNvPr id="6" name="Gerader Verbinder 5">
+              <a:extLst>
+                <a:ext uri="{FF2B5EF4-FFF2-40B4-BE49-F238E27FC236}">
+                  <a16:creationId xmlns:a16="http://schemas.microsoft.com/office/drawing/2014/main" id="{C0BF15B2-FCC8-1FC6-59A0-DED7A9A22571}"/>
+                </a:ext>
+              </a:extLst>
+            </p:cNvPr>
+            <p:cNvCxnSpPr>
+              <a:cxnSpLocks noGrp="1" noRot="1" noMove="1" noResize="1" noEditPoints="1" noAdjustHandles="1" noChangeArrowheads="1" noChangeShapeType="1"/>
+            </p:cNvCxnSpPr>
+            <p:nvPr/>
+          </p:nvCxnSpPr>
+          <p:spPr>
+            <a:xfrm>
+              <a:off x="6603902" y="1755467"/>
+              <a:ext cx="1120441" cy="0"/>
+            </a:xfrm>
+            <a:prstGeom prst="line">
+              <a:avLst/>
+            </a:prstGeom>
+            <a:ln w="25400">
+              <a:solidFill>
+                <a:schemeClr val="tx1"/>
+              </a:solidFill>
+            </a:ln>
+          </p:spPr>
+          <p:style>
+            <a:lnRef idx="2">
+              <a:schemeClr val="accent1"/>
+            </a:lnRef>
+            <a:fillRef idx="0">
+              <a:schemeClr val="accent1"/>
+            </a:fillRef>
+            <a:effectRef idx="1">
+              <a:schemeClr val="accent1"/>
+            </a:effectRef>
+            <a:fontRef idx="minor">
+              <a:schemeClr val="tx1"/>
+            </a:fontRef>
+          </p:style>
+        </p:cxnSp>
+        <p:sp>
+          <p:nvSpPr>
+            <p:cNvPr id="13" name="Pfeil: nach rechts 12">
+              <a:extLst>
+                <a:ext uri="{FF2B5EF4-FFF2-40B4-BE49-F238E27FC236}">
+                  <a16:creationId xmlns:a16="http://schemas.microsoft.com/office/drawing/2014/main" id="{54053D66-0FFE-10B5-27E2-7535552B4445}"/>
+                </a:ext>
+              </a:extLst>
+            </p:cNvPr>
+            <p:cNvSpPr>
+              <a:spLocks noGrp="1" noRot="1" noMove="1" noResize="1" noEditPoints="1" noAdjustHandles="1" noChangeArrowheads="1" noChangeShapeType="1"/>
+            </p:cNvSpPr>
+            <p:nvPr/>
+          </p:nvSpPr>
+          <p:spPr>
+            <a:xfrm>
+              <a:off x="7519771" y="1658815"/>
+              <a:ext cx="213749" cy="186413"/>
+            </a:xfrm>
+            <a:prstGeom prst="rightArrow">
+              <a:avLst/>
+            </a:prstGeom>
+            <a:solidFill>
+              <a:schemeClr val="bg1"/>
+            </a:solidFill>
+            <a:ln w="25400">
+              <a:solidFill>
+                <a:schemeClr val="tx1"/>
+              </a:solidFill>
+            </a:ln>
+          </p:spPr>
+          <p:style>
+            <a:lnRef idx="2">
+              <a:schemeClr val="accent1">
+                <a:shade val="15000"/>
+              </a:schemeClr>
+            </a:lnRef>
+            <a:fillRef idx="1">
+              <a:schemeClr val="accent1"/>
+            </a:fillRef>
+            <a:effectRef idx="0">
+              <a:schemeClr val="accent1"/>
+            </a:effectRef>
+            <a:fontRef idx="minor">
+              <a:schemeClr val="lt1"/>
+            </a:fontRef>
+          </p:style>
+          <p:txBody>
+            <a:bodyPr rtlCol="0" anchor="ctr"/>
+            <a:lstStyle/>
+            <a:p>
+              <a:pPr algn="ctr"/>
+              <a:endParaRPr lang="de-DE" dirty="0"/>
+            </a:p>
+          </p:txBody>
+        </p:sp>
+      </p:grpSp>
+      <p:sp>
+        <p:nvSpPr>
+          <p:cNvPr id="14" name="Rechteck 13">
+            <a:extLst>
+              <a:ext uri="{FF2B5EF4-FFF2-40B4-BE49-F238E27FC236}">
+                <a16:creationId xmlns:a16="http://schemas.microsoft.com/office/drawing/2014/main" id="{41C9922A-089C-D7E3-30BB-B4CC8D3A0523}"/>
+              </a:ext>
+            </a:extLst>
+          </p:cNvPr>
+          <p:cNvSpPr>
+            <a:spLocks noGrp="1" noRot="1" noMove="1" noResize="1" noEditPoints="1" noAdjustHandles="1" noChangeArrowheads="1" noChangeShapeType="1"/>
+          </p:cNvSpPr>
+          <p:nvPr/>
+        </p:nvSpPr>
+        <p:spPr>
+          <a:xfrm>
+            <a:off x="11264596" y="1542775"/>
+            <a:ext cx="572647" cy="492548"/>
+          </a:xfrm>
+          <a:prstGeom prst="rect">
+            <a:avLst/>
+          </a:prstGeom>
+          <a:solidFill>
+            <a:schemeClr val="bg1"/>
+          </a:solidFill>
+          <a:ln w="25400">
+            <a:solidFill>
+              <a:schemeClr val="tx1"/>
+            </a:solidFill>
+          </a:ln>
+        </p:spPr>
+        <p:style>
+          <a:lnRef idx="2">
+            <a:schemeClr val="accent1">
+              <a:shade val="15000"/>
+            </a:schemeClr>
+          </a:lnRef>
+          <a:fillRef idx="1">
+            <a:schemeClr val="accent1"/>
+          </a:fillRef>
+          <a:effectRef idx="0">
+            <a:schemeClr val="accent1"/>
+          </a:effectRef>
+          <a:fontRef idx="minor">
+            <a:schemeClr val="lt1"/>
+          </a:fontRef>
+        </p:style>
+        <p:txBody>
+          <a:bodyPr rtlCol="0" anchor="ctr"/>
+          <a:lstStyle/>
+          <a:p>
+            <a:pPr algn="ctr"/>
+            <a:r>
+              <a:rPr lang="en-US" dirty="0">
+                <a:solidFill>
+                  <a:schemeClr val="tx1"/>
+                </a:solidFill>
+              </a:rPr>
+              <a:t>3</a:t>
+            </a:r>
+            <a:endParaRPr lang="de-DE" dirty="0">
+              <a:solidFill>
+                <a:schemeClr val="tx1"/>
+              </a:solidFill>
+            </a:endParaRPr>
+          </a:p>
+        </p:txBody>
+      </p:sp>
+      <p:cxnSp>
+        <p:nvCxnSpPr>
+          <p:cNvPr id="15" name="Gerader Verbinder 14">
+            <a:extLst>
+              <a:ext uri="{FF2B5EF4-FFF2-40B4-BE49-F238E27FC236}">
+                <a16:creationId xmlns:a16="http://schemas.microsoft.com/office/drawing/2014/main" id="{831734E4-70F1-6BFB-6617-B53A197B2CAC}"/>
+              </a:ext>
+            </a:extLst>
+          </p:cNvPr>
+          <p:cNvCxnSpPr>
+            <a:cxnSpLocks noGrp="1" noRot="1" noMove="1" noResize="1" noEditPoints="1" noAdjustHandles="1" noChangeArrowheads="1" noChangeShapeType="1"/>
+            <a:stCxn id="10" idx="3"/>
+            <a:endCxn id="14" idx="1"/>
+          </p:cNvCxnSpPr>
+          <p:nvPr/>
+        </p:nvCxnSpPr>
+        <p:spPr>
+          <a:xfrm flipV="1">
+            <a:off x="10144156" y="1789049"/>
+            <a:ext cx="1120440" cy="1"/>
+          </a:xfrm>
+          <a:prstGeom prst="line">
+            <a:avLst/>
+          </a:prstGeom>
+          <a:ln w="25400">
+            <a:solidFill>
+              <a:schemeClr val="tx1"/>
+            </a:solidFill>
+          </a:ln>
+        </p:spPr>
+        <p:style>
+          <a:lnRef idx="2">
+            <a:schemeClr val="accent1"/>
+          </a:lnRef>
+          <a:fillRef idx="0">
+            <a:schemeClr val="accent1"/>
+          </a:fillRef>
+          <a:effectRef idx="1">
+            <a:schemeClr val="accent1"/>
+          </a:effectRef>
+          <a:fontRef idx="minor">
+            <a:schemeClr val="tx1"/>
+          </a:fontRef>
+        </p:style>
+      </p:cxnSp>
+      <p:sp>
+        <p:nvSpPr>
+          <p:cNvPr id="16" name="Pfeil: nach rechts 15">
+            <a:extLst>
+              <a:ext uri="{FF2B5EF4-FFF2-40B4-BE49-F238E27FC236}">
+                <a16:creationId xmlns:a16="http://schemas.microsoft.com/office/drawing/2014/main" id="{63E1F39F-6FDE-2FC6-BD14-0A761D82FCC5}"/>
+              </a:ext>
+            </a:extLst>
+          </p:cNvPr>
+          <p:cNvSpPr>
+            <a:spLocks noGrp="1" noRot="1" noMove="1" noResize="1" noEditPoints="1" noAdjustHandles="1" noChangeArrowheads="1" noChangeShapeType="1"/>
+          </p:cNvSpPr>
+          <p:nvPr/>
+        </p:nvSpPr>
+        <p:spPr>
+          <a:xfrm>
+            <a:off x="11050847" y="1695843"/>
+            <a:ext cx="213749" cy="186413"/>
+          </a:xfrm>
+          <a:prstGeom prst="rightArrow">
+            <a:avLst/>
+          </a:prstGeom>
+          <a:solidFill>
+            <a:schemeClr val="bg1"/>
+          </a:solidFill>
+          <a:ln w="25400">
+            <a:solidFill>
+              <a:schemeClr val="tx1"/>
+            </a:solidFill>
+          </a:ln>
+        </p:spPr>
+        <p:style>
+          <a:lnRef idx="2">
+            <a:schemeClr val="accent1">
+              <a:shade val="15000"/>
+            </a:schemeClr>
+          </a:lnRef>
+          <a:fillRef idx="1">
+            <a:schemeClr val="accent1"/>
+          </a:fillRef>
+          <a:effectRef idx="0">
+            <a:schemeClr val="accent1"/>
+          </a:effectRef>
+          <a:fontRef idx="minor">
+            <a:schemeClr val="lt1"/>
+          </a:fontRef>
+        </p:style>
+        <p:txBody>
+          <a:bodyPr rtlCol="0" anchor="ctr"/>
+          <a:lstStyle/>
+          <a:p>
+            <a:pPr algn="ctr"/>
+            <a:endParaRPr lang="de-DE" dirty="0"/>
+          </a:p>
+        </p:txBody>
+      </p:sp>
+      <p:grpSp>
+        <p:nvGrpSpPr>
+          <p:cNvPr id="17" name="Gruppieren 16">
+            <a:extLst>
+              <a:ext uri="{FF2B5EF4-FFF2-40B4-BE49-F238E27FC236}">
+                <a16:creationId xmlns:a16="http://schemas.microsoft.com/office/drawing/2014/main" id="{749D84A6-5894-A47C-50D3-5F5798AEB70E}"/>
+              </a:ext>
+            </a:extLst>
+          </p:cNvPr>
+          <p:cNvGrpSpPr>
+            <a:grpSpLocks noGrp="1" noUngrp="1" noRot="1" noMove="1" noResize="1"/>
+          </p:cNvGrpSpPr>
+          <p:nvPr/>
+        </p:nvGrpSpPr>
+        <p:grpSpPr>
+          <a:xfrm>
+            <a:off x="6096000" y="957874"/>
+            <a:ext cx="687191" cy="554051"/>
+            <a:chOff x="1763795" y="1687710"/>
+            <a:chExt cx="1097304" cy="1028577"/>
+          </a:xfrm>
+        </p:grpSpPr>
+        <p:cxnSp>
+          <p:nvCxnSpPr>
+            <p:cNvPr id="24" name="Gerade Verbindung mit Pfeil 23">
+              <a:extLst>
+                <a:ext uri="{FF2B5EF4-FFF2-40B4-BE49-F238E27FC236}">
+                  <a16:creationId xmlns:a16="http://schemas.microsoft.com/office/drawing/2014/main" id="{0F38B27B-7C90-8D1D-513C-53AEC2B6B7C5}"/>
+                </a:ext>
+              </a:extLst>
+            </p:cNvPr>
+            <p:cNvCxnSpPr>
+              <a:cxnSpLocks noGrp="1" noRot="1" noMove="1" noResize="1" noEditPoints="1" noAdjustHandles="1" noChangeArrowheads="1" noChangeShapeType="1"/>
+              <a:stCxn id="25" idx="2"/>
+            </p:cNvCxnSpPr>
+            <p:nvPr/>
+          </p:nvCxnSpPr>
+          <p:spPr>
+            <a:xfrm flipH="1">
+              <a:off x="2312446" y="2144909"/>
+              <a:ext cx="2" cy="571378"/>
+            </a:xfrm>
+            <a:prstGeom prst="straightConnector1">
+              <a:avLst/>
+            </a:prstGeom>
+            <a:ln w="31750">
+              <a:solidFill>
+                <a:schemeClr val="tx1"/>
+              </a:solidFill>
+              <a:tailEnd type="triangle"/>
+            </a:ln>
+          </p:spPr>
+          <p:style>
+            <a:lnRef idx="2">
+              <a:schemeClr val="accent1"/>
+            </a:lnRef>
+            <a:fillRef idx="0">
+              <a:schemeClr val="accent1"/>
+            </a:fillRef>
+            <a:effectRef idx="1">
+              <a:schemeClr val="accent1"/>
+            </a:effectRef>
+            <a:fontRef idx="minor">
+              <a:schemeClr val="tx1"/>
+            </a:fontRef>
+          </p:style>
+        </p:cxnSp>
+        <p:sp>
+          <p:nvSpPr>
+            <p:cNvPr id="25" name="Rechteck: abgerundete Ecken 24">
+              <a:extLst>
+                <a:ext uri="{FF2B5EF4-FFF2-40B4-BE49-F238E27FC236}">
+                  <a16:creationId xmlns:a16="http://schemas.microsoft.com/office/drawing/2014/main" id="{51635CE7-565C-957B-06AD-88AEE10EF898}"/>
+                </a:ext>
+              </a:extLst>
+            </p:cNvPr>
+            <p:cNvSpPr>
+              <a:spLocks noGrp="1" noRot="1" noMove="1" noResize="1" noEditPoints="1" noAdjustHandles="1" noChangeArrowheads="1" noChangeShapeType="1"/>
+            </p:cNvSpPr>
+            <p:nvPr/>
+          </p:nvSpPr>
+          <p:spPr>
+            <a:xfrm>
+              <a:off x="1763795" y="1687710"/>
+              <a:ext cx="1097304" cy="457199"/>
+            </a:xfrm>
+            <a:prstGeom prst="roundRect">
+              <a:avLst/>
+            </a:prstGeom>
+            <a:solidFill>
+              <a:schemeClr val="bg1"/>
+            </a:solidFill>
+            <a:ln w="25400">
+              <a:solidFill>
+                <a:schemeClr val="tx1"/>
+              </a:solidFill>
+            </a:ln>
+          </p:spPr>
+          <p:style>
+            <a:lnRef idx="2">
+              <a:schemeClr val="accent1">
+                <a:shade val="15000"/>
+              </a:schemeClr>
+            </a:lnRef>
+            <a:fillRef idx="1">
+              <a:schemeClr val="accent1"/>
+            </a:fillRef>
+            <a:effectRef idx="0">
+              <a:schemeClr val="accent1"/>
+            </a:effectRef>
+            <a:fontRef idx="minor">
+              <a:schemeClr val="lt1"/>
+            </a:fontRef>
+          </p:style>
+          <p:txBody>
+            <a:bodyPr rtlCol="0" anchor="ctr"/>
+            <a:lstStyle/>
+            <a:p>
+              <a:pPr algn="ctr"/>
+              <a:r>
+                <a:rPr lang="en-US" sz="1000" dirty="0">
+                  <a:solidFill>
+                    <a:schemeClr val="tx1"/>
+                  </a:solidFill>
+                </a:rPr>
+                <a:t>current</a:t>
+              </a:r>
+              <a:endParaRPr lang="de-DE" sz="1000" dirty="0">
+                <a:solidFill>
+                  <a:schemeClr val="tx1"/>
+                </a:solidFill>
+              </a:endParaRPr>
+            </a:p>
+          </p:txBody>
+        </p:sp>
+      </p:grpSp>
+      <p:grpSp>
+        <p:nvGrpSpPr>
+          <p:cNvPr id="31" name="Gruppieren 30">
+            <a:extLst>
+              <a:ext uri="{FF2B5EF4-FFF2-40B4-BE49-F238E27FC236}">
+                <a16:creationId xmlns:a16="http://schemas.microsoft.com/office/drawing/2014/main" id="{DBA08E75-FAD8-0734-5BF0-F73C82126885}"/>
+              </a:ext>
+            </a:extLst>
+          </p:cNvPr>
+          <p:cNvGrpSpPr>
+            <a:grpSpLocks noGrp="1" noUngrp="1" noRot="1" noMove="1" noResize="1"/>
+          </p:cNvGrpSpPr>
+          <p:nvPr/>
+        </p:nvGrpSpPr>
+        <p:grpSpPr>
+          <a:xfrm>
+            <a:off x="8007274" y="927123"/>
+            <a:ext cx="572647" cy="571245"/>
+            <a:chOff x="7461631" y="674007"/>
+            <a:chExt cx="572647" cy="571245"/>
+          </a:xfrm>
+        </p:grpSpPr>
+        <p:grpSp>
+          <p:nvGrpSpPr>
+            <p:cNvPr id="19" name="Gruppieren 18">
+              <a:extLst>
+                <a:ext uri="{FF2B5EF4-FFF2-40B4-BE49-F238E27FC236}">
+                  <a16:creationId xmlns:a16="http://schemas.microsoft.com/office/drawing/2014/main" id="{915CDBCB-C8FD-EDC5-0FE2-B9B4232C56B4}"/>
+                </a:ext>
+              </a:extLst>
+            </p:cNvPr>
+            <p:cNvGrpSpPr>
+              <a:grpSpLocks noGrp="1" noUngrp="1" noRot="1" noMove="1" noResize="1"/>
+            </p:cNvGrpSpPr>
+            <p:nvPr/>
+          </p:nvGrpSpPr>
+          <p:grpSpPr>
+            <a:xfrm>
+              <a:off x="7461631" y="704758"/>
+              <a:ext cx="286324" cy="540494"/>
+              <a:chOff x="1881187" y="1687710"/>
+              <a:chExt cx="457200" cy="1003409"/>
+            </a:xfrm>
+          </p:grpSpPr>
+          <p:cxnSp>
+            <p:nvCxnSpPr>
+              <p:cNvPr id="20" name="Gerade Verbindung mit Pfeil 19">
+                <a:extLst>
+                  <a:ext uri="{FF2B5EF4-FFF2-40B4-BE49-F238E27FC236}">
+                    <a16:creationId xmlns:a16="http://schemas.microsoft.com/office/drawing/2014/main" id="{6D028EA8-B75C-431B-89BB-379256F87778}"/>
+                  </a:ext>
+                </a:extLst>
+              </p:cNvPr>
+              <p:cNvCxnSpPr>
+                <a:cxnSpLocks noGrp="1" noRot="1" noMove="1" noResize="1" noEditPoints="1" noAdjustHandles="1" noChangeArrowheads="1" noChangeShapeType="1"/>
+                <a:stCxn id="21" idx="2"/>
+              </p:cNvCxnSpPr>
+              <p:nvPr/>
+            </p:nvCxnSpPr>
+            <p:spPr>
+              <a:xfrm>
+                <a:off x="2109787" y="2144910"/>
+                <a:ext cx="0" cy="546209"/>
+              </a:xfrm>
+              <a:prstGeom prst="straightConnector1">
+                <a:avLst/>
+              </a:prstGeom>
+              <a:ln w="31750">
+                <a:solidFill>
+                  <a:schemeClr val="tx1"/>
+                </a:solidFill>
+                <a:tailEnd type="triangle"/>
+              </a:ln>
+            </p:spPr>
+            <p:style>
+              <a:lnRef idx="2">
+                <a:schemeClr val="accent1"/>
+              </a:lnRef>
+              <a:fillRef idx="0">
+                <a:schemeClr val="accent1"/>
+              </a:fillRef>
+              <a:effectRef idx="1">
+                <a:schemeClr val="accent1"/>
+              </a:effectRef>
+              <a:fontRef idx="minor">
+                <a:schemeClr val="tx1"/>
+              </a:fontRef>
+            </p:style>
+          </p:cxnSp>
+          <p:sp>
+            <p:nvSpPr>
+              <p:cNvPr id="21" name="Rechteck: abgerundete Ecken 20">
+                <a:extLst>
+                  <a:ext uri="{FF2B5EF4-FFF2-40B4-BE49-F238E27FC236}">
+                    <a16:creationId xmlns:a16="http://schemas.microsoft.com/office/drawing/2014/main" id="{38EDEDBA-08C8-FC89-D105-1EEDFEAC3764}"/>
+                  </a:ext>
+                </a:extLst>
+              </p:cNvPr>
+              <p:cNvSpPr>
+                <a:spLocks noGrp="1" noRot="1" noMove="1" noResize="1" noEditPoints="1" noAdjustHandles="1" noChangeArrowheads="1" noChangeShapeType="1"/>
+              </p:cNvSpPr>
+              <p:nvPr/>
+            </p:nvSpPr>
+            <p:spPr>
+              <a:xfrm>
+                <a:off x="1881187" y="1687710"/>
+                <a:ext cx="457200" cy="457200"/>
+              </a:xfrm>
+              <a:prstGeom prst="roundRect">
+                <a:avLst/>
+              </a:prstGeom>
+              <a:solidFill>
+                <a:schemeClr val="bg1"/>
+              </a:solidFill>
+              <a:ln w="25400">
+                <a:solidFill>
+                  <a:schemeClr val="tx1"/>
+                </a:solidFill>
+              </a:ln>
+            </p:spPr>
+            <p:style>
+              <a:lnRef idx="2">
+                <a:schemeClr val="accent1">
+                  <a:shade val="15000"/>
+                </a:schemeClr>
+              </a:lnRef>
+              <a:fillRef idx="1">
+                <a:schemeClr val="accent1"/>
+              </a:fillRef>
+              <a:effectRef idx="0">
+                <a:schemeClr val="accent1"/>
+              </a:effectRef>
+              <a:fontRef idx="minor">
+                <a:schemeClr val="lt1"/>
+              </a:fontRef>
+            </p:style>
+            <p:txBody>
+              <a:bodyPr rtlCol="0" anchor="ctr"/>
+              <a:lstStyle/>
+              <a:p>
+                <a:pPr algn="ctr"/>
+                <a:endParaRPr lang="de-DE" sz="800" dirty="0">
+                  <a:solidFill>
+                    <a:schemeClr val="tx1"/>
+                  </a:solidFill>
+                </a:endParaRPr>
+              </a:p>
+            </p:txBody>
+          </p:sp>
+        </p:grpSp>
+        <p:sp>
+          <p:nvSpPr>
+            <p:cNvPr id="26" name="Textfeld 25">
+              <a:extLst>
+                <a:ext uri="{FF2B5EF4-FFF2-40B4-BE49-F238E27FC236}">
+                  <a16:creationId xmlns:a16="http://schemas.microsoft.com/office/drawing/2014/main" id="{ACA899A6-C486-91AA-57EA-552F57443F21}"/>
+                </a:ext>
+              </a:extLst>
+            </p:cNvPr>
+            <p:cNvSpPr txBox="1">
+              <a:spLocks noGrp="1" noRot="1" noMove="1" noResize="1" noEditPoints="1" noAdjustHandles="1" noChangeArrowheads="1" noChangeShapeType="1"/>
+            </p:cNvSpPr>
+            <p:nvPr/>
+          </p:nvSpPr>
+          <p:spPr>
+            <a:xfrm>
+              <a:off x="7461631" y="674007"/>
+              <a:ext cx="572647" cy="307777"/>
+            </a:xfrm>
+            <a:prstGeom prst="rect">
+              <a:avLst/>
+            </a:prstGeom>
+            <a:noFill/>
+          </p:spPr>
+          <p:txBody>
+            <a:bodyPr wrap="square" rtlCol="0">
+              <a:spAutoFit/>
+            </a:bodyPr>
+            <a:lstStyle/>
+            <a:p>
+              <a:r>
+                <a:rPr lang="en-US" sz="1400" dirty="0"/>
+                <a:t>it</a:t>
+              </a:r>
+              <a:endParaRPr lang="de-DE" sz="1400" dirty="0"/>
+            </a:p>
+          </p:txBody>
+        </p:sp>
+      </p:grpSp>
+      <p:sp>
+        <p:nvSpPr>
+          <p:cNvPr id="29" name="Rechteck 28">
+            <a:extLst>
+              <a:ext uri="{FF2B5EF4-FFF2-40B4-BE49-F238E27FC236}">
+                <a16:creationId xmlns:a16="http://schemas.microsoft.com/office/drawing/2014/main" id="{685C75F7-E22C-EFEB-FBAE-AA49882E7A18}"/>
+              </a:ext>
+            </a:extLst>
+          </p:cNvPr>
+          <p:cNvSpPr>
+            <a:spLocks noGrp="1" noRot="1" noMove="1" noResize="1" noEditPoints="1" noAdjustHandles="1" noChangeArrowheads="1" noChangeShapeType="1"/>
+          </p:cNvSpPr>
+          <p:nvPr/>
+        </p:nvSpPr>
+        <p:spPr>
+          <a:xfrm>
+            <a:off x="9581792" y="1560449"/>
+            <a:ext cx="548640" cy="457200"/>
+          </a:xfrm>
+          <a:prstGeom prst="rect">
+            <a:avLst/>
+          </a:prstGeom>
+          <a:solidFill>
+            <a:srgbClr val="C00000">
+              <a:alpha val="0"/>
+            </a:srgbClr>
+          </a:solidFill>
+          <a:ln w="50800">
+            <a:solidFill>
+              <a:srgbClr val="C00000"/>
+            </a:solidFill>
+          </a:ln>
+        </p:spPr>
+        <p:style>
+          <a:lnRef idx="2">
+            <a:schemeClr val="accent1">
+              <a:shade val="15000"/>
+            </a:schemeClr>
+          </a:lnRef>
+          <a:fillRef idx="1">
+            <a:schemeClr val="accent1"/>
+          </a:fillRef>
+          <a:effectRef idx="0">
+            <a:schemeClr val="accent1"/>
+          </a:effectRef>
+          <a:fontRef idx="minor">
+            <a:schemeClr val="lt1"/>
+          </a:fontRef>
+        </p:style>
+        <p:txBody>
+          <a:bodyPr rtlCol="0" anchor="ctr"/>
+          <a:lstStyle/>
+          <a:p>
+            <a:pPr algn="ctr"/>
+            <a:endParaRPr lang="de-DE" dirty="0"/>
+          </a:p>
+        </p:txBody>
+      </p:sp>
+      <p:sp>
+        <p:nvSpPr>
+          <p:cNvPr id="30" name="Pfeil: nach oben gekrümmt 29">
+            <a:extLst>
+              <a:ext uri="{FF2B5EF4-FFF2-40B4-BE49-F238E27FC236}">
+                <a16:creationId xmlns:a16="http://schemas.microsoft.com/office/drawing/2014/main" id="{3EE42F59-D72A-75D4-7409-5F1F6FB579DF}"/>
+              </a:ext>
+            </a:extLst>
+          </p:cNvPr>
+          <p:cNvSpPr>
+            <a:spLocks noGrp="1" noRot="1" noMove="1" noResize="1" noEditPoints="1" noAdjustHandles="1" noChangeArrowheads="1" noChangeShapeType="1"/>
+          </p:cNvSpPr>
+          <p:nvPr/>
+        </p:nvSpPr>
+        <p:spPr>
+          <a:xfrm>
+            <a:off x="6337669" y="2138565"/>
+            <a:ext cx="3721430" cy="731520"/>
+          </a:xfrm>
+          <a:prstGeom prst="curvedUpArrow">
+            <a:avLst/>
+          </a:prstGeom>
+          <a:solidFill>
+            <a:schemeClr val="bg1"/>
+          </a:solidFill>
+          <a:ln w="25400">
+            <a:solidFill>
+              <a:schemeClr val="tx1"/>
+            </a:solidFill>
+          </a:ln>
+        </p:spPr>
+        <p:style>
+          <a:lnRef idx="2">
+            <a:schemeClr val="accent1">
+              <a:shade val="15000"/>
+            </a:schemeClr>
+          </a:lnRef>
+          <a:fillRef idx="1">
+            <a:schemeClr val="accent1"/>
+          </a:fillRef>
+          <a:effectRef idx="0">
+            <a:schemeClr val="accent1"/>
+          </a:effectRef>
+          <a:fontRef idx="minor">
+            <a:schemeClr val="lt1"/>
+          </a:fontRef>
+        </p:style>
+        <p:txBody>
+          <a:bodyPr rtlCol="0" anchor="ctr"/>
+          <a:lstStyle/>
+          <a:p>
+            <a:pPr algn="ctr"/>
+            <a:endParaRPr lang="de-DE">
+              <a:solidFill>
+                <a:schemeClr val="tx1"/>
+              </a:solidFill>
+            </a:endParaRPr>
+          </a:p>
+        </p:txBody>
+      </p:sp>
+      <p:cxnSp>
+        <p:nvCxnSpPr>
+          <p:cNvPr id="35" name="Gerader Verbinder 34">
+            <a:extLst>
+              <a:ext uri="{FF2B5EF4-FFF2-40B4-BE49-F238E27FC236}">
+                <a16:creationId xmlns:a16="http://schemas.microsoft.com/office/drawing/2014/main" id="{A41CDCC8-74E3-E920-17BE-82BA16A27CFE}"/>
+              </a:ext>
+            </a:extLst>
+          </p:cNvPr>
+          <p:cNvCxnSpPr>
+            <a:cxnSpLocks noGrp="1" noRot="1" noMove="1" noResize="1" noEditPoints="1" noAdjustHandles="1" noChangeArrowheads="1" noChangeShapeType="1"/>
+            <a:stCxn id="38" idx="3"/>
+            <a:endCxn id="37" idx="1"/>
+          </p:cNvCxnSpPr>
+          <p:nvPr/>
+        </p:nvCxnSpPr>
+        <p:spPr>
+          <a:xfrm flipV="1">
+            <a:off x="8451068" y="4748991"/>
+            <a:ext cx="1120440" cy="6841"/>
+          </a:xfrm>
+          <a:prstGeom prst="line">
+            <a:avLst/>
+          </a:prstGeom>
+          <a:ln w="25400">
+            <a:solidFill>
+              <a:schemeClr val="tx1"/>
+            </a:solidFill>
+          </a:ln>
+        </p:spPr>
+        <p:style>
+          <a:lnRef idx="2">
+            <a:schemeClr val="accent1"/>
+          </a:lnRef>
+          <a:fillRef idx="0">
+            <a:schemeClr val="accent1"/>
+          </a:fillRef>
+          <a:effectRef idx="1">
+            <a:schemeClr val="accent1"/>
+          </a:effectRef>
+          <a:fontRef idx="minor">
+            <a:schemeClr val="tx1"/>
+          </a:fontRef>
+        </p:style>
+      </p:cxnSp>
+      <p:sp>
+        <p:nvSpPr>
+          <p:cNvPr id="36" name="Rechteck 35">
+            <a:extLst>
+              <a:ext uri="{FF2B5EF4-FFF2-40B4-BE49-F238E27FC236}">
+                <a16:creationId xmlns:a16="http://schemas.microsoft.com/office/drawing/2014/main" id="{5CBAE6EF-F69A-94CE-C1A0-F9DDBE058CDA}"/>
+              </a:ext>
+            </a:extLst>
+          </p:cNvPr>
+          <p:cNvSpPr>
+            <a:spLocks noGrp="1" noRot="1" noMove="1" noResize="1" noEditPoints="1" noAdjustHandles="1" noChangeArrowheads="1" noChangeShapeType="1"/>
+          </p:cNvSpPr>
+          <p:nvPr/>
+        </p:nvSpPr>
+        <p:spPr>
+          <a:xfrm>
+            <a:off x="6185333" y="4509558"/>
+            <a:ext cx="572647" cy="492548"/>
+          </a:xfrm>
+          <a:prstGeom prst="rect">
+            <a:avLst/>
+          </a:prstGeom>
+          <a:solidFill>
+            <a:schemeClr val="bg1"/>
+          </a:solidFill>
+          <a:ln w="25400">
+            <a:solidFill>
+              <a:schemeClr val="tx1"/>
+            </a:solidFill>
+          </a:ln>
+        </p:spPr>
+        <p:style>
+          <a:lnRef idx="2">
+            <a:schemeClr val="accent1">
+              <a:shade val="15000"/>
+            </a:schemeClr>
+          </a:lnRef>
+          <a:fillRef idx="1">
+            <a:schemeClr val="accent1"/>
+          </a:fillRef>
+          <a:effectRef idx="0">
+            <a:schemeClr val="accent1"/>
+          </a:effectRef>
+          <a:fontRef idx="minor">
+            <a:schemeClr val="lt1"/>
+          </a:fontRef>
+        </p:style>
+        <p:txBody>
+          <a:bodyPr rtlCol="0" anchor="ctr"/>
+          <a:lstStyle/>
+          <a:p>
+            <a:pPr algn="ctr"/>
+            <a:r>
+              <a:rPr lang="en-US" dirty="0">
+                <a:solidFill>
+                  <a:schemeClr val="tx1"/>
+                </a:solidFill>
+              </a:rPr>
+              <a:t>0</a:t>
+            </a:r>
+            <a:endParaRPr lang="de-DE" dirty="0">
+              <a:solidFill>
+                <a:schemeClr val="tx1"/>
+              </a:solidFill>
+            </a:endParaRPr>
+          </a:p>
+        </p:txBody>
+      </p:sp>
+      <p:sp>
+        <p:nvSpPr>
+          <p:cNvPr id="37" name="Rechteck 36">
+            <a:extLst>
+              <a:ext uri="{FF2B5EF4-FFF2-40B4-BE49-F238E27FC236}">
+                <a16:creationId xmlns:a16="http://schemas.microsoft.com/office/drawing/2014/main" id="{81074C2E-8E80-A52D-1473-0062BF40D02C}"/>
+              </a:ext>
+            </a:extLst>
+          </p:cNvPr>
+          <p:cNvSpPr>
+            <a:spLocks noGrp="1" noRot="1" noMove="1" noResize="1" noEditPoints="1" noAdjustHandles="1" noChangeArrowheads="1" noChangeShapeType="1"/>
+          </p:cNvSpPr>
+          <p:nvPr/>
+        </p:nvSpPr>
+        <p:spPr>
+          <a:xfrm>
+            <a:off x="9571508" y="4502717"/>
+            <a:ext cx="572647" cy="492548"/>
+          </a:xfrm>
+          <a:prstGeom prst="rect">
+            <a:avLst/>
+          </a:prstGeom>
+          <a:solidFill>
+            <a:schemeClr val="bg1"/>
+          </a:solidFill>
+          <a:ln w="25400">
+            <a:solidFill>
+              <a:schemeClr val="tx1"/>
+            </a:solidFill>
+          </a:ln>
+        </p:spPr>
+        <p:style>
+          <a:lnRef idx="2">
+            <a:schemeClr val="accent1">
+              <a:shade val="15000"/>
+            </a:schemeClr>
+          </a:lnRef>
+          <a:fillRef idx="1">
+            <a:schemeClr val="accent1"/>
+          </a:fillRef>
+          <a:effectRef idx="0">
+            <a:schemeClr val="accent1"/>
+          </a:effectRef>
+          <a:fontRef idx="minor">
+            <a:schemeClr val="lt1"/>
+          </a:fontRef>
+        </p:style>
+        <p:txBody>
+          <a:bodyPr rtlCol="0" anchor="ctr"/>
+          <a:lstStyle/>
+          <a:p>
+            <a:pPr algn="ctr"/>
+            <a:r>
+              <a:rPr lang="en-US" dirty="0">
+                <a:solidFill>
+                  <a:schemeClr val="tx1"/>
+                </a:solidFill>
+              </a:rPr>
+              <a:t>null</a:t>
+            </a:r>
+            <a:endParaRPr lang="de-DE" dirty="0">
+              <a:solidFill>
+                <a:schemeClr val="tx1"/>
+              </a:solidFill>
+            </a:endParaRPr>
+          </a:p>
+        </p:txBody>
+      </p:sp>
+      <p:sp>
+        <p:nvSpPr>
+          <p:cNvPr id="38" name="Rechteck 37">
+            <a:extLst>
+              <a:ext uri="{FF2B5EF4-FFF2-40B4-BE49-F238E27FC236}">
+                <a16:creationId xmlns:a16="http://schemas.microsoft.com/office/drawing/2014/main" id="{29BB965A-F3BD-2208-1EF4-5A45B0D27A31}"/>
+              </a:ext>
+            </a:extLst>
+          </p:cNvPr>
+          <p:cNvSpPr>
+            <a:spLocks noGrp="1" noRot="1" noMove="1" noResize="1" noEditPoints="1" noAdjustHandles="1" noChangeArrowheads="1" noChangeShapeType="1"/>
+          </p:cNvSpPr>
+          <p:nvPr/>
+        </p:nvSpPr>
+        <p:spPr>
+          <a:xfrm>
+            <a:off x="7878421" y="4509558"/>
+            <a:ext cx="572647" cy="492548"/>
+          </a:xfrm>
+          <a:prstGeom prst="rect">
+            <a:avLst/>
+          </a:prstGeom>
+          <a:solidFill>
+            <a:schemeClr val="bg1"/>
+          </a:solidFill>
+          <a:ln w="25400">
+            <a:solidFill>
+              <a:schemeClr val="tx1"/>
+            </a:solidFill>
+          </a:ln>
+        </p:spPr>
+        <p:style>
+          <a:lnRef idx="2">
+            <a:schemeClr val="accent1">
+              <a:shade val="15000"/>
+            </a:schemeClr>
+          </a:lnRef>
+          <a:fillRef idx="1">
+            <a:schemeClr val="accent1"/>
+          </a:fillRef>
+          <a:effectRef idx="0">
+            <a:schemeClr val="accent1"/>
+          </a:effectRef>
+          <a:fontRef idx="minor">
+            <a:schemeClr val="lt1"/>
+          </a:fontRef>
+        </p:style>
+        <p:txBody>
+          <a:bodyPr rtlCol="0" anchor="ctr"/>
+          <a:lstStyle/>
+          <a:p>
+            <a:pPr algn="ctr"/>
+            <a:r>
+              <a:rPr lang="en-US" dirty="0">
+                <a:solidFill>
+                  <a:schemeClr val="tx1"/>
+                </a:solidFill>
+              </a:rPr>
+              <a:t>1</a:t>
+            </a:r>
+            <a:endParaRPr lang="de-DE" dirty="0">
+              <a:solidFill>
+                <a:schemeClr val="tx1"/>
+              </a:solidFill>
+            </a:endParaRPr>
+          </a:p>
+        </p:txBody>
+      </p:sp>
+      <p:sp>
+        <p:nvSpPr>
+          <p:cNvPr id="39" name="Pfeil: nach rechts 38">
+            <a:extLst>
+              <a:ext uri="{FF2B5EF4-FFF2-40B4-BE49-F238E27FC236}">
+                <a16:creationId xmlns:a16="http://schemas.microsoft.com/office/drawing/2014/main" id="{E402C546-0AEC-273E-15EF-DA670195FD6F}"/>
+              </a:ext>
+            </a:extLst>
+          </p:cNvPr>
+          <p:cNvSpPr>
+            <a:spLocks noGrp="1" noRot="1" noMove="1" noResize="1" noEditPoints="1" noAdjustHandles="1" noChangeArrowheads="1" noChangeShapeType="1"/>
+          </p:cNvSpPr>
+          <p:nvPr/>
+        </p:nvSpPr>
+        <p:spPr>
+          <a:xfrm>
+            <a:off x="9357760" y="4655784"/>
+            <a:ext cx="213749" cy="186413"/>
+          </a:xfrm>
+          <a:prstGeom prst="rightArrow">
+            <a:avLst/>
+          </a:prstGeom>
+          <a:solidFill>
+            <a:schemeClr val="bg1"/>
+          </a:solidFill>
+          <a:ln w="25400">
+            <a:solidFill>
+              <a:schemeClr val="tx1"/>
+            </a:solidFill>
+          </a:ln>
+        </p:spPr>
+        <p:style>
+          <a:lnRef idx="2">
+            <a:schemeClr val="accent1">
+              <a:shade val="15000"/>
+            </a:schemeClr>
+          </a:lnRef>
+          <a:fillRef idx="1">
+            <a:schemeClr val="accent1"/>
+          </a:fillRef>
+          <a:effectRef idx="0">
+            <a:schemeClr val="accent1"/>
+          </a:effectRef>
+          <a:fontRef idx="minor">
+            <a:schemeClr val="lt1"/>
+          </a:fontRef>
+        </p:style>
+        <p:txBody>
+          <a:bodyPr rtlCol="0" anchor="ctr"/>
+          <a:lstStyle/>
+          <a:p>
+            <a:pPr algn="ctr"/>
+            <a:endParaRPr lang="de-DE" dirty="0"/>
+          </a:p>
+        </p:txBody>
+      </p:sp>
+      <p:grpSp>
+        <p:nvGrpSpPr>
+          <p:cNvPr id="46" name="Gruppieren 45">
+            <a:extLst>
+              <a:ext uri="{FF2B5EF4-FFF2-40B4-BE49-F238E27FC236}">
+                <a16:creationId xmlns:a16="http://schemas.microsoft.com/office/drawing/2014/main" id="{A569AEE4-32DC-B410-B3E7-839BCB7E57B2}"/>
+              </a:ext>
+            </a:extLst>
+          </p:cNvPr>
+          <p:cNvGrpSpPr>
+            <a:grpSpLocks noGrp="1" noUngrp="1" noRot="1" noMove="1" noResize="1"/>
+          </p:cNvGrpSpPr>
+          <p:nvPr/>
+        </p:nvGrpSpPr>
+        <p:grpSpPr>
+          <a:xfrm>
+            <a:off x="6096000" y="3917815"/>
+            <a:ext cx="687191" cy="554051"/>
+            <a:chOff x="1763795" y="1687710"/>
+            <a:chExt cx="1097304" cy="1028577"/>
+          </a:xfrm>
+        </p:grpSpPr>
+        <p:cxnSp>
+          <p:nvCxnSpPr>
+            <p:cNvPr id="47" name="Gerade Verbindung mit Pfeil 46">
+              <a:extLst>
+                <a:ext uri="{FF2B5EF4-FFF2-40B4-BE49-F238E27FC236}">
+                  <a16:creationId xmlns:a16="http://schemas.microsoft.com/office/drawing/2014/main" id="{E06A85BF-E1D5-0832-F662-CCDA58DF1322}"/>
+                </a:ext>
+              </a:extLst>
+            </p:cNvPr>
+            <p:cNvCxnSpPr>
+              <a:cxnSpLocks noGrp="1" noRot="1" noMove="1" noResize="1" noEditPoints="1" noAdjustHandles="1" noChangeArrowheads="1" noChangeShapeType="1"/>
+              <a:stCxn id="48" idx="2"/>
+            </p:cNvCxnSpPr>
+            <p:nvPr/>
+          </p:nvCxnSpPr>
+          <p:spPr>
+            <a:xfrm flipH="1">
+              <a:off x="2312446" y="2144909"/>
+              <a:ext cx="2" cy="571378"/>
+            </a:xfrm>
+            <a:prstGeom prst="straightConnector1">
+              <a:avLst/>
+            </a:prstGeom>
+            <a:ln w="31750">
+              <a:solidFill>
+                <a:schemeClr val="tx1"/>
+              </a:solidFill>
+              <a:tailEnd type="triangle"/>
+            </a:ln>
+          </p:spPr>
+          <p:style>
+            <a:lnRef idx="2">
+              <a:schemeClr val="accent1"/>
+            </a:lnRef>
+            <a:fillRef idx="0">
+              <a:schemeClr val="accent1"/>
+            </a:fillRef>
+            <a:effectRef idx="1">
+              <a:schemeClr val="accent1"/>
+            </a:effectRef>
+            <a:fontRef idx="minor">
+              <a:schemeClr val="tx1"/>
+            </a:fontRef>
+          </p:style>
+        </p:cxnSp>
+        <p:sp>
+          <p:nvSpPr>
+            <p:cNvPr id="48" name="Rechteck: abgerundete Ecken 47">
+              <a:extLst>
+                <a:ext uri="{FF2B5EF4-FFF2-40B4-BE49-F238E27FC236}">
+                  <a16:creationId xmlns:a16="http://schemas.microsoft.com/office/drawing/2014/main" id="{C9F220F1-E2CB-82B8-F683-3FE81205B571}"/>
+                </a:ext>
+              </a:extLst>
+            </p:cNvPr>
+            <p:cNvSpPr>
+              <a:spLocks noGrp="1" noRot="1" noMove="1" noResize="1" noEditPoints="1" noAdjustHandles="1" noChangeArrowheads="1" noChangeShapeType="1"/>
+            </p:cNvSpPr>
+            <p:nvPr/>
+          </p:nvSpPr>
+          <p:spPr>
+            <a:xfrm>
+              <a:off x="1763795" y="1687710"/>
+              <a:ext cx="1097304" cy="457199"/>
+            </a:xfrm>
+            <a:prstGeom prst="roundRect">
+              <a:avLst/>
+            </a:prstGeom>
+            <a:solidFill>
+              <a:schemeClr val="bg1"/>
+            </a:solidFill>
+            <a:ln w="25400">
+              <a:solidFill>
+                <a:schemeClr val="tx1"/>
+              </a:solidFill>
+            </a:ln>
+          </p:spPr>
+          <p:style>
+            <a:lnRef idx="2">
+              <a:schemeClr val="accent1">
+                <a:shade val="15000"/>
+              </a:schemeClr>
+            </a:lnRef>
+            <a:fillRef idx="1">
+              <a:schemeClr val="accent1"/>
+            </a:fillRef>
+            <a:effectRef idx="0">
+              <a:schemeClr val="accent1"/>
+            </a:effectRef>
+            <a:fontRef idx="minor">
+              <a:schemeClr val="lt1"/>
+            </a:fontRef>
+          </p:style>
+          <p:txBody>
+            <a:bodyPr rtlCol="0" anchor="ctr"/>
+            <a:lstStyle/>
+            <a:p>
+              <a:pPr algn="ctr"/>
+              <a:r>
+                <a:rPr lang="en-US" sz="1000" dirty="0">
+                  <a:solidFill>
+                    <a:schemeClr val="tx1"/>
+                  </a:solidFill>
+                </a:rPr>
+                <a:t>current</a:t>
+              </a:r>
+              <a:endParaRPr lang="de-DE" sz="1000" dirty="0">
+                <a:solidFill>
+                  <a:schemeClr val="tx1"/>
+                </a:solidFill>
+              </a:endParaRPr>
+            </a:p>
+          </p:txBody>
+        </p:sp>
+      </p:grpSp>
+      <p:grpSp>
+        <p:nvGrpSpPr>
+          <p:cNvPr id="49" name="Gruppieren 48">
+            <a:extLst>
+              <a:ext uri="{FF2B5EF4-FFF2-40B4-BE49-F238E27FC236}">
+                <a16:creationId xmlns:a16="http://schemas.microsoft.com/office/drawing/2014/main" id="{DEC89F01-3355-766A-751F-6928CFF65818}"/>
+              </a:ext>
+            </a:extLst>
+          </p:cNvPr>
+          <p:cNvGrpSpPr>
+            <a:grpSpLocks noGrp="1" noUngrp="1" noRot="1" noMove="1" noResize="1"/>
+          </p:cNvGrpSpPr>
+          <p:nvPr/>
+        </p:nvGrpSpPr>
+        <p:grpSpPr>
+          <a:xfrm>
+            <a:off x="8007274" y="3887064"/>
+            <a:ext cx="572647" cy="571245"/>
+            <a:chOff x="7461631" y="674007"/>
+            <a:chExt cx="572647" cy="571245"/>
+          </a:xfrm>
+        </p:grpSpPr>
+        <p:grpSp>
+          <p:nvGrpSpPr>
+            <p:cNvPr id="50" name="Gruppieren 49">
+              <a:extLst>
+                <a:ext uri="{FF2B5EF4-FFF2-40B4-BE49-F238E27FC236}">
+                  <a16:creationId xmlns:a16="http://schemas.microsoft.com/office/drawing/2014/main" id="{B0EA0010-55C3-CDDC-0D26-BE8D09D517DF}"/>
+                </a:ext>
+              </a:extLst>
+            </p:cNvPr>
+            <p:cNvGrpSpPr>
+              <a:grpSpLocks noGrp="1" noUngrp="1" noRot="1" noMove="1" noResize="1"/>
+            </p:cNvGrpSpPr>
+            <p:nvPr/>
+          </p:nvGrpSpPr>
+          <p:grpSpPr>
+            <a:xfrm>
+              <a:off x="7461631" y="704758"/>
+              <a:ext cx="286324" cy="540494"/>
+              <a:chOff x="1881187" y="1687710"/>
+              <a:chExt cx="457200" cy="1003409"/>
+            </a:xfrm>
+          </p:grpSpPr>
+          <p:cxnSp>
+            <p:nvCxnSpPr>
+              <p:cNvPr id="52" name="Gerade Verbindung mit Pfeil 51">
+                <a:extLst>
+                  <a:ext uri="{FF2B5EF4-FFF2-40B4-BE49-F238E27FC236}">
+                    <a16:creationId xmlns:a16="http://schemas.microsoft.com/office/drawing/2014/main" id="{BBCEA143-A6B3-2490-EB04-3DA1089032F1}"/>
+                  </a:ext>
+                </a:extLst>
+              </p:cNvPr>
+              <p:cNvCxnSpPr>
+                <a:cxnSpLocks noGrp="1" noRot="1" noMove="1" noResize="1" noEditPoints="1" noAdjustHandles="1" noChangeArrowheads="1" noChangeShapeType="1"/>
+                <a:stCxn id="53" idx="2"/>
+              </p:cNvCxnSpPr>
+              <p:nvPr/>
+            </p:nvCxnSpPr>
+            <p:spPr>
+              <a:xfrm>
+                <a:off x="2109787" y="2144910"/>
+                <a:ext cx="0" cy="546209"/>
+              </a:xfrm>
+              <a:prstGeom prst="straightConnector1">
+                <a:avLst/>
+              </a:prstGeom>
+              <a:ln w="31750">
+                <a:solidFill>
+                  <a:schemeClr val="tx1"/>
+                </a:solidFill>
+                <a:tailEnd type="triangle"/>
+              </a:ln>
+            </p:spPr>
+            <p:style>
+              <a:lnRef idx="2">
+                <a:schemeClr val="accent1"/>
+              </a:lnRef>
+              <a:fillRef idx="0">
+                <a:schemeClr val="accent1"/>
+              </a:fillRef>
+              <a:effectRef idx="1">
+                <a:schemeClr val="accent1"/>
+              </a:effectRef>
+              <a:fontRef idx="minor">
+                <a:schemeClr val="tx1"/>
+              </a:fontRef>
+            </p:style>
+          </p:cxnSp>
+          <p:sp>
+            <p:nvSpPr>
+              <p:cNvPr id="53" name="Rechteck: abgerundete Ecken 52">
+                <a:extLst>
+                  <a:ext uri="{FF2B5EF4-FFF2-40B4-BE49-F238E27FC236}">
+                    <a16:creationId xmlns:a16="http://schemas.microsoft.com/office/drawing/2014/main" id="{F1C88870-382F-F372-EC56-3850B9E14275}"/>
+                  </a:ext>
+                </a:extLst>
+              </p:cNvPr>
+              <p:cNvSpPr>
+                <a:spLocks noGrp="1" noRot="1" noMove="1" noResize="1" noEditPoints="1" noAdjustHandles="1" noChangeArrowheads="1" noChangeShapeType="1"/>
+              </p:cNvSpPr>
+              <p:nvPr/>
+            </p:nvSpPr>
+            <p:spPr>
+              <a:xfrm>
+                <a:off x="1881187" y="1687710"/>
+                <a:ext cx="457200" cy="457200"/>
+              </a:xfrm>
+              <a:prstGeom prst="roundRect">
+                <a:avLst/>
+              </a:prstGeom>
+              <a:solidFill>
+                <a:schemeClr val="bg1"/>
+              </a:solidFill>
+              <a:ln w="25400">
+                <a:solidFill>
+                  <a:schemeClr val="tx1"/>
+                </a:solidFill>
+              </a:ln>
+            </p:spPr>
+            <p:style>
+              <a:lnRef idx="2">
+                <a:schemeClr val="accent1">
+                  <a:shade val="15000"/>
+                </a:schemeClr>
+              </a:lnRef>
+              <a:fillRef idx="1">
+                <a:schemeClr val="accent1"/>
+              </a:fillRef>
+              <a:effectRef idx="0">
+                <a:schemeClr val="accent1"/>
+              </a:effectRef>
+              <a:fontRef idx="minor">
+                <a:schemeClr val="lt1"/>
+              </a:fontRef>
+            </p:style>
+            <p:txBody>
+              <a:bodyPr rtlCol="0" anchor="ctr"/>
+              <a:lstStyle/>
+              <a:p>
+                <a:pPr algn="ctr"/>
+                <a:endParaRPr lang="de-DE" sz="800" dirty="0">
+                  <a:solidFill>
+                    <a:schemeClr val="tx1"/>
+                  </a:solidFill>
+                </a:endParaRPr>
+              </a:p>
+            </p:txBody>
+          </p:sp>
+        </p:grpSp>
+        <p:sp>
+          <p:nvSpPr>
+            <p:cNvPr id="51" name="Textfeld 50">
+              <a:extLst>
+                <a:ext uri="{FF2B5EF4-FFF2-40B4-BE49-F238E27FC236}">
+                  <a16:creationId xmlns:a16="http://schemas.microsoft.com/office/drawing/2014/main" id="{E98DEBD9-AD5F-904E-893A-E7F3CDB77AF7}"/>
+                </a:ext>
+              </a:extLst>
+            </p:cNvPr>
+            <p:cNvSpPr txBox="1">
+              <a:spLocks noGrp="1" noRot="1" noMove="1" noResize="1" noEditPoints="1" noAdjustHandles="1" noChangeArrowheads="1" noChangeShapeType="1"/>
+            </p:cNvSpPr>
+            <p:nvPr/>
+          </p:nvSpPr>
+          <p:spPr>
+            <a:xfrm>
+              <a:off x="7461631" y="674007"/>
+              <a:ext cx="572647" cy="307777"/>
+            </a:xfrm>
+            <a:prstGeom prst="rect">
+              <a:avLst/>
+            </a:prstGeom>
+            <a:noFill/>
+          </p:spPr>
+          <p:txBody>
+            <a:bodyPr wrap="square" rtlCol="0">
+              <a:spAutoFit/>
+            </a:bodyPr>
+            <a:lstStyle/>
+            <a:p>
+              <a:r>
+                <a:rPr lang="en-US" sz="1400" dirty="0"/>
+                <a:t>it</a:t>
+              </a:r>
+              <a:endParaRPr lang="de-DE" sz="1400" dirty="0"/>
+            </a:p>
+          </p:txBody>
+        </p:sp>
+      </p:grpSp>
+      <p:sp>
+        <p:nvSpPr>
+          <p:cNvPr id="54" name="Rechteck 53">
+            <a:extLst>
+              <a:ext uri="{FF2B5EF4-FFF2-40B4-BE49-F238E27FC236}">
+                <a16:creationId xmlns:a16="http://schemas.microsoft.com/office/drawing/2014/main" id="{DFA611C4-0984-7E8E-BFD1-225AA21A8859}"/>
+              </a:ext>
+            </a:extLst>
+          </p:cNvPr>
+          <p:cNvSpPr>
+            <a:spLocks noGrp="1" noRot="1" noMove="1" noResize="1" noEditPoints="1" noAdjustHandles="1" noChangeArrowheads="1" noChangeShapeType="1"/>
+          </p:cNvSpPr>
+          <p:nvPr/>
+        </p:nvSpPr>
+        <p:spPr>
+          <a:xfrm>
+            <a:off x="9581792" y="4519400"/>
+            <a:ext cx="548640" cy="457200"/>
+          </a:xfrm>
+          <a:prstGeom prst="rect">
+            <a:avLst/>
+          </a:prstGeom>
+          <a:solidFill>
+            <a:srgbClr val="C00000">
+              <a:alpha val="0"/>
+            </a:srgbClr>
+          </a:solidFill>
+          <a:ln w="50800">
+            <a:solidFill>
+              <a:srgbClr val="C00000"/>
+            </a:solidFill>
+          </a:ln>
+        </p:spPr>
+        <p:style>
+          <a:lnRef idx="2">
+            <a:schemeClr val="accent1">
+              <a:shade val="15000"/>
+            </a:schemeClr>
+          </a:lnRef>
+          <a:fillRef idx="1">
+            <a:schemeClr val="accent1"/>
+          </a:fillRef>
+          <a:effectRef idx="0">
+            <a:schemeClr val="accent1"/>
+          </a:effectRef>
+          <a:fontRef idx="minor">
+            <a:schemeClr val="lt1"/>
+          </a:fontRef>
+        </p:style>
+        <p:txBody>
+          <a:bodyPr rtlCol="0" anchor="ctr"/>
+          <a:lstStyle/>
+          <a:p>
+            <a:pPr algn="ctr"/>
+            <a:endParaRPr lang="de-DE" dirty="0"/>
+          </a:p>
+        </p:txBody>
+      </p:sp>
+      <p:sp>
+        <p:nvSpPr>
+          <p:cNvPr id="55" name="Pfeil: nach oben gekrümmt 54">
+            <a:extLst>
+              <a:ext uri="{FF2B5EF4-FFF2-40B4-BE49-F238E27FC236}">
+                <a16:creationId xmlns:a16="http://schemas.microsoft.com/office/drawing/2014/main" id="{C9BDA541-4E2D-D4B4-9CDC-9F5A78DBBD1A}"/>
+              </a:ext>
+            </a:extLst>
+          </p:cNvPr>
+          <p:cNvSpPr>
+            <a:spLocks noGrp="1" noRot="1" noMove="1" noResize="1" noEditPoints="1" noAdjustHandles="1" noChangeArrowheads="1" noChangeShapeType="1"/>
+          </p:cNvSpPr>
+          <p:nvPr/>
+        </p:nvSpPr>
+        <p:spPr>
+          <a:xfrm>
+            <a:off x="6337669" y="5098506"/>
+            <a:ext cx="3721430" cy="731520"/>
+          </a:xfrm>
+          <a:prstGeom prst="curvedUpArrow">
+            <a:avLst/>
+          </a:prstGeom>
+          <a:solidFill>
+            <a:schemeClr val="bg1"/>
+          </a:solidFill>
+          <a:ln w="25400">
+            <a:solidFill>
+              <a:schemeClr val="tx1"/>
+            </a:solidFill>
+          </a:ln>
+        </p:spPr>
+        <p:style>
+          <a:lnRef idx="2">
+            <a:schemeClr val="accent1">
+              <a:shade val="15000"/>
+            </a:schemeClr>
+          </a:lnRef>
+          <a:fillRef idx="1">
+            <a:schemeClr val="accent1"/>
+          </a:fillRef>
+          <a:effectRef idx="0">
+            <a:schemeClr val="accent1"/>
+          </a:effectRef>
+          <a:fontRef idx="minor">
+            <a:schemeClr val="lt1"/>
+          </a:fontRef>
+        </p:style>
+        <p:txBody>
+          <a:bodyPr rtlCol="0" anchor="ctr"/>
+          <a:lstStyle/>
+          <a:p>
+            <a:pPr algn="ctr"/>
+            <a:endParaRPr lang="de-DE">
+              <a:solidFill>
+                <a:schemeClr val="tx1"/>
+              </a:solidFill>
+            </a:endParaRPr>
+          </a:p>
+        </p:txBody>
+      </p:sp>
+      <p:grpSp>
+        <p:nvGrpSpPr>
+          <p:cNvPr id="59" name="Gruppieren 58">
+            <a:extLst>
+              <a:ext uri="{FF2B5EF4-FFF2-40B4-BE49-F238E27FC236}">
+                <a16:creationId xmlns:a16="http://schemas.microsoft.com/office/drawing/2014/main" id="{D18CD292-B40D-B823-A45E-558644D03839}"/>
+              </a:ext>
+            </a:extLst>
+          </p:cNvPr>
+          <p:cNvGrpSpPr>
+            <a:grpSpLocks noGrp="1" noUngrp="1" noRot="1" noMove="1" noResize="1"/>
+          </p:cNvGrpSpPr>
+          <p:nvPr/>
+        </p:nvGrpSpPr>
+        <p:grpSpPr>
+          <a:xfrm>
+            <a:off x="7942525" y="3318566"/>
+            <a:ext cx="415822" cy="492548"/>
+            <a:chOff x="8432803" y="4705930"/>
+            <a:chExt cx="685795" cy="1003409"/>
+          </a:xfrm>
+        </p:grpSpPr>
+        <p:cxnSp>
+          <p:nvCxnSpPr>
+            <p:cNvPr id="57" name="Gerade Verbindung mit Pfeil 56">
+              <a:extLst>
+                <a:ext uri="{FF2B5EF4-FFF2-40B4-BE49-F238E27FC236}">
+                  <a16:creationId xmlns:a16="http://schemas.microsoft.com/office/drawing/2014/main" id="{F3E33067-4FAF-138E-1283-40346D138863}"/>
+                </a:ext>
+              </a:extLst>
+            </p:cNvPr>
+            <p:cNvCxnSpPr>
+              <a:cxnSpLocks noGrp="1" noRot="1" noMove="1" noResize="1" noEditPoints="1" noAdjustHandles="1" noChangeArrowheads="1" noChangeShapeType="1"/>
+              <a:stCxn id="58" idx="2"/>
+            </p:cNvCxnSpPr>
+            <p:nvPr/>
+          </p:nvCxnSpPr>
+          <p:spPr>
+            <a:xfrm>
+              <a:off x="8775701" y="5163130"/>
+              <a:ext cx="0" cy="546209"/>
+            </a:xfrm>
+            <a:prstGeom prst="straightConnector1">
+              <a:avLst/>
+            </a:prstGeom>
+            <a:ln w="31750">
+              <a:solidFill>
+                <a:schemeClr val="tx1"/>
+              </a:solidFill>
+              <a:tailEnd type="triangle"/>
+            </a:ln>
+          </p:spPr>
+          <p:style>
+            <a:lnRef idx="2">
+              <a:schemeClr val="accent1"/>
+            </a:lnRef>
+            <a:fillRef idx="0">
+              <a:schemeClr val="accent1"/>
+            </a:fillRef>
+            <a:effectRef idx="1">
+              <a:schemeClr val="accent1"/>
+            </a:effectRef>
+            <a:fontRef idx="minor">
+              <a:schemeClr val="tx1"/>
+            </a:fontRef>
+          </p:style>
+        </p:cxnSp>
+        <p:sp>
+          <p:nvSpPr>
+            <p:cNvPr id="58" name="Rechteck: abgerundete Ecken 57">
+              <a:extLst>
+                <a:ext uri="{FF2B5EF4-FFF2-40B4-BE49-F238E27FC236}">
+                  <a16:creationId xmlns:a16="http://schemas.microsoft.com/office/drawing/2014/main" id="{69983E7F-8BD7-AE14-8C0A-DC47100ED151}"/>
+                </a:ext>
+              </a:extLst>
+            </p:cNvPr>
+            <p:cNvSpPr>
+              <a:spLocks noGrp="1" noRot="1" noMove="1" noResize="1" noEditPoints="1" noAdjustHandles="1" noChangeArrowheads="1" noChangeShapeType="1"/>
+            </p:cNvSpPr>
+            <p:nvPr/>
+          </p:nvSpPr>
+          <p:spPr>
+            <a:xfrm>
+              <a:off x="8432803" y="4705930"/>
+              <a:ext cx="685795" cy="457200"/>
+            </a:xfrm>
+            <a:prstGeom prst="roundRect">
+              <a:avLst/>
+            </a:prstGeom>
+            <a:solidFill>
+              <a:schemeClr val="bg1"/>
+            </a:solidFill>
+            <a:ln w="25400">
+              <a:solidFill>
+                <a:schemeClr val="tx1"/>
+              </a:solidFill>
+            </a:ln>
+          </p:spPr>
+          <p:style>
+            <a:lnRef idx="2">
+              <a:schemeClr val="accent1">
+                <a:shade val="15000"/>
+              </a:schemeClr>
+            </a:lnRef>
+            <a:fillRef idx="1">
+              <a:schemeClr val="accent1"/>
+            </a:fillRef>
+            <a:effectRef idx="0">
+              <a:schemeClr val="accent1"/>
+            </a:effectRef>
+            <a:fontRef idx="minor">
+              <a:schemeClr val="lt1"/>
+            </a:fontRef>
+          </p:style>
+          <p:txBody>
+            <a:bodyPr rtlCol="0" anchor="ctr"/>
+            <a:lstStyle/>
+            <a:p>
+              <a:pPr algn="ctr"/>
+              <a:r>
+                <a:rPr lang="en-US" sz="1000" dirty="0">
+                  <a:solidFill>
+                    <a:schemeClr val="tx1"/>
+                  </a:solidFill>
+                </a:rPr>
+                <a:t>last</a:t>
+              </a:r>
+              <a:endParaRPr lang="de-DE" sz="1000" dirty="0">
+                <a:solidFill>
+                  <a:schemeClr val="tx1"/>
+                </a:solidFill>
+              </a:endParaRPr>
+            </a:p>
+          </p:txBody>
+        </p:sp>
+      </p:grpSp>
+      <p:grpSp>
+        <p:nvGrpSpPr>
+          <p:cNvPr id="60" name="Gruppieren 59">
+            <a:extLst>
+              <a:ext uri="{FF2B5EF4-FFF2-40B4-BE49-F238E27FC236}">
+                <a16:creationId xmlns:a16="http://schemas.microsoft.com/office/drawing/2014/main" id="{8A18857E-A980-6635-2645-CEE88B2A91F4}"/>
+              </a:ext>
+            </a:extLst>
+          </p:cNvPr>
+          <p:cNvGrpSpPr>
+            <a:grpSpLocks noGrp="1" noUngrp="1" noRot="1" noMove="1" noResize="1"/>
+          </p:cNvGrpSpPr>
+          <p:nvPr/>
+        </p:nvGrpSpPr>
+        <p:grpSpPr>
+          <a:xfrm>
+            <a:off x="6768263" y="4652528"/>
+            <a:ext cx="1120797" cy="186413"/>
+            <a:chOff x="6212338" y="1449568"/>
+            <a:chExt cx="1120797" cy="186413"/>
+          </a:xfrm>
+        </p:grpSpPr>
+        <p:cxnSp>
+          <p:nvCxnSpPr>
+            <p:cNvPr id="61" name="Gerader Verbinder 60">
+              <a:extLst>
+                <a:ext uri="{FF2B5EF4-FFF2-40B4-BE49-F238E27FC236}">
+                  <a16:creationId xmlns:a16="http://schemas.microsoft.com/office/drawing/2014/main" id="{6AFE170F-A014-D88B-D382-19FDE281CF56}"/>
+                </a:ext>
+              </a:extLst>
+            </p:cNvPr>
+            <p:cNvCxnSpPr>
+              <a:cxnSpLocks noGrp="1" noRot="1" noMove="1" noResize="1" noEditPoints="1" noAdjustHandles="1" noChangeArrowheads="1" noChangeShapeType="1"/>
+            </p:cNvCxnSpPr>
+            <p:nvPr/>
+          </p:nvCxnSpPr>
+          <p:spPr>
+            <a:xfrm>
+              <a:off x="6212338" y="1542775"/>
+              <a:ext cx="1120440" cy="0"/>
+            </a:xfrm>
+            <a:prstGeom prst="line">
+              <a:avLst/>
+            </a:prstGeom>
+            <a:ln w="25400">
+              <a:solidFill>
+                <a:schemeClr val="tx1"/>
+              </a:solidFill>
+            </a:ln>
+          </p:spPr>
+          <p:style>
+            <a:lnRef idx="2">
+              <a:schemeClr val="accent1"/>
+            </a:lnRef>
+            <a:fillRef idx="0">
+              <a:schemeClr val="accent1"/>
+            </a:fillRef>
+            <a:effectRef idx="1">
+              <a:schemeClr val="accent1"/>
+            </a:effectRef>
+            <a:fontRef idx="minor">
+              <a:schemeClr val="tx1"/>
+            </a:fontRef>
+          </p:style>
+        </p:cxnSp>
+        <p:sp>
+          <p:nvSpPr>
+            <p:cNvPr id="62" name="Pfeil: nach rechts 61">
+              <a:extLst>
+                <a:ext uri="{FF2B5EF4-FFF2-40B4-BE49-F238E27FC236}">
+                  <a16:creationId xmlns:a16="http://schemas.microsoft.com/office/drawing/2014/main" id="{44E167FA-F2C0-2A68-C767-9D659EE7418A}"/>
+                </a:ext>
+              </a:extLst>
+            </p:cNvPr>
+            <p:cNvSpPr>
+              <a:spLocks noGrp="1" noRot="1" noMove="1" noResize="1" noEditPoints="1" noAdjustHandles="1" noChangeArrowheads="1" noChangeShapeType="1"/>
+            </p:cNvSpPr>
+            <p:nvPr/>
+          </p:nvSpPr>
+          <p:spPr>
+            <a:xfrm>
+              <a:off x="7119386" y="1449568"/>
+              <a:ext cx="213749" cy="186413"/>
+            </a:xfrm>
+            <a:prstGeom prst="rightArrow">
+              <a:avLst/>
+            </a:prstGeom>
+            <a:solidFill>
+              <a:schemeClr val="bg1"/>
+            </a:solidFill>
+            <a:ln w="25400">
+              <a:solidFill>
+                <a:schemeClr val="tx1"/>
+              </a:solidFill>
+            </a:ln>
+          </p:spPr>
+          <p:style>
+            <a:lnRef idx="2">
+              <a:schemeClr val="accent1">
+                <a:shade val="15000"/>
+              </a:schemeClr>
+            </a:lnRef>
+            <a:fillRef idx="1">
+              <a:schemeClr val="accent1"/>
+            </a:fillRef>
+            <a:effectRef idx="0">
+              <a:schemeClr val="accent1"/>
+            </a:effectRef>
+            <a:fontRef idx="minor">
+              <a:schemeClr val="lt1"/>
+            </a:fontRef>
+          </p:style>
+          <p:txBody>
+            <a:bodyPr rtlCol="0" anchor="ctr"/>
+            <a:lstStyle/>
+            <a:p>
+              <a:pPr algn="ctr"/>
+              <a:endParaRPr lang="de-DE" dirty="0"/>
+            </a:p>
+          </p:txBody>
+        </p:sp>
+      </p:grpSp>
+      <p:sp>
+        <p:nvSpPr>
+          <p:cNvPr id="63" name="Multiplikationszeichen 62">
+            <a:extLst>
+              <a:ext uri="{FF2B5EF4-FFF2-40B4-BE49-F238E27FC236}">
+                <a16:creationId xmlns:a16="http://schemas.microsoft.com/office/drawing/2014/main" id="{049DB9DC-9231-890E-D86A-4F6CABEE2745}"/>
+              </a:ext>
+            </a:extLst>
+          </p:cNvPr>
+          <p:cNvSpPr>
+            <a:spLocks noGrp="1" noRot="1" noMove="1" noResize="1" noEditPoints="1" noAdjustHandles="1" noChangeArrowheads="1" noChangeShapeType="1"/>
+          </p:cNvSpPr>
+          <p:nvPr/>
+        </p:nvSpPr>
+        <p:spPr>
+          <a:xfrm>
+            <a:off x="7818750" y="1471834"/>
+            <a:ext cx="680498" cy="663376"/>
+          </a:xfrm>
+          <a:prstGeom prst="mathMultiply">
+            <a:avLst/>
+          </a:prstGeom>
+          <a:solidFill>
+            <a:srgbClr val="C00000"/>
+          </a:solidFill>
+          <a:ln w="25400">
+            <a:solidFill>
+              <a:schemeClr val="tx1"/>
+            </a:solidFill>
+          </a:ln>
+        </p:spPr>
+        <p:style>
+          <a:lnRef idx="2">
+            <a:schemeClr val="accent1">
+              <a:shade val="15000"/>
+            </a:schemeClr>
+          </a:lnRef>
+          <a:fillRef idx="1">
+            <a:schemeClr val="accent1"/>
+          </a:fillRef>
+          <a:effectRef idx="0">
+            <a:schemeClr val="accent1"/>
+          </a:effectRef>
+          <a:fontRef idx="minor">
+            <a:schemeClr val="lt1"/>
+          </a:fontRef>
+        </p:style>
+        <p:txBody>
+          <a:bodyPr rtlCol="0" anchor="ctr"/>
+          <a:lstStyle/>
+          <a:p>
+            <a:pPr algn="ctr"/>
+            <a:endParaRPr lang="de-DE"/>
+          </a:p>
+        </p:txBody>
+      </p:sp>
+      <p:sp>
+        <p:nvSpPr>
+          <p:cNvPr id="64" name="Multiplikationszeichen 63">
+            <a:extLst>
+              <a:ext uri="{FF2B5EF4-FFF2-40B4-BE49-F238E27FC236}">
+                <a16:creationId xmlns:a16="http://schemas.microsoft.com/office/drawing/2014/main" id="{BBDE2053-E18C-F53B-8856-8BF1B6005C08}"/>
+              </a:ext>
+            </a:extLst>
+          </p:cNvPr>
+          <p:cNvSpPr>
+            <a:spLocks noGrp="1" noRot="1" noMove="1" noResize="1" noEditPoints="1" noAdjustHandles="1" noChangeArrowheads="1" noChangeShapeType="1"/>
+          </p:cNvSpPr>
+          <p:nvPr/>
+        </p:nvSpPr>
+        <p:spPr>
+          <a:xfrm>
+            <a:off x="7829458" y="4420723"/>
+            <a:ext cx="680498" cy="663376"/>
+          </a:xfrm>
+          <a:prstGeom prst="mathMultiply">
+            <a:avLst/>
+          </a:prstGeom>
+          <a:solidFill>
+            <a:srgbClr val="C00000"/>
+          </a:solidFill>
+          <a:ln w="25400">
+            <a:solidFill>
+              <a:schemeClr val="tx1"/>
+            </a:solidFill>
+          </a:ln>
+        </p:spPr>
+        <p:style>
+          <a:lnRef idx="2">
+            <a:schemeClr val="accent1">
+              <a:shade val="15000"/>
+            </a:schemeClr>
+          </a:lnRef>
+          <a:fillRef idx="1">
+            <a:schemeClr val="accent1"/>
+          </a:fillRef>
+          <a:effectRef idx="0">
+            <a:schemeClr val="accent1"/>
+          </a:effectRef>
+          <a:fontRef idx="minor">
+            <a:schemeClr val="lt1"/>
+          </a:fontRef>
+        </p:style>
+        <p:txBody>
+          <a:bodyPr rtlCol="0" anchor="ctr"/>
+          <a:lstStyle/>
+          <a:p>
+            <a:pPr algn="ctr"/>
+            <a:endParaRPr lang="de-DE"/>
+          </a:p>
+        </p:txBody>
+      </p:sp>
+      <p:grpSp>
+        <p:nvGrpSpPr>
+          <p:cNvPr id="68" name="Gruppieren 67">
+            <a:extLst>
+              <a:ext uri="{FF2B5EF4-FFF2-40B4-BE49-F238E27FC236}">
+                <a16:creationId xmlns:a16="http://schemas.microsoft.com/office/drawing/2014/main" id="{1EF343C1-AA1F-D3B6-BA46-D7A5EE3CAEB2}"/>
+              </a:ext>
+            </a:extLst>
+          </p:cNvPr>
+          <p:cNvGrpSpPr/>
+          <p:nvPr/>
+        </p:nvGrpSpPr>
+        <p:grpSpPr>
+          <a:xfrm>
+            <a:off x="5668540" y="272471"/>
+            <a:ext cx="6168703" cy="6313055"/>
+            <a:chOff x="5768262" y="272472"/>
+            <a:chExt cx="6168703" cy="6313055"/>
+          </a:xfrm>
+        </p:grpSpPr>
+        <p:sp>
+          <p:nvSpPr>
+            <p:cNvPr id="66" name="Rechteck 65">
+              <a:extLst>
+                <a:ext uri="{FF2B5EF4-FFF2-40B4-BE49-F238E27FC236}">
+                  <a16:creationId xmlns:a16="http://schemas.microsoft.com/office/drawing/2014/main" id="{791EB3BC-69EB-CA25-B7BB-59D45C259CF2}"/>
+                </a:ext>
+              </a:extLst>
+            </p:cNvPr>
+            <p:cNvSpPr/>
+            <p:nvPr/>
+          </p:nvSpPr>
+          <p:spPr>
+            <a:xfrm>
+              <a:off x="5768262" y="272472"/>
+              <a:ext cx="6168703" cy="6313055"/>
+            </a:xfrm>
+            <a:prstGeom prst="rect">
+              <a:avLst/>
+            </a:prstGeom>
+            <a:solidFill>
+              <a:schemeClr val="bg1">
+                <a:lumMod val="65000"/>
+              </a:schemeClr>
+            </a:solidFill>
+            <a:ln w="25400">
+              <a:solidFill>
+                <a:schemeClr val="bg1"/>
+              </a:solidFill>
+            </a:ln>
+          </p:spPr>
+          <p:style>
+            <a:lnRef idx="2">
+              <a:schemeClr val="accent1">
+                <a:shade val="15000"/>
+              </a:schemeClr>
+            </a:lnRef>
+            <a:fillRef idx="1">
+              <a:schemeClr val="accent1"/>
+            </a:fillRef>
+            <a:effectRef idx="0">
+              <a:schemeClr val="accent1"/>
+            </a:effectRef>
+            <a:fontRef idx="minor">
+              <a:schemeClr val="lt1"/>
+            </a:fontRef>
+          </p:style>
+          <p:txBody>
+            <a:bodyPr rtlCol="0" anchor="ctr"/>
+            <a:lstStyle/>
+            <a:p>
+              <a:pPr algn="ctr"/>
+              <a:endParaRPr lang="de-DE"/>
+            </a:p>
+          </p:txBody>
+        </p:sp>
+        <p:sp>
+          <p:nvSpPr>
+            <p:cNvPr id="67" name="Textfeld 66">
+              <a:extLst>
+                <a:ext uri="{FF2B5EF4-FFF2-40B4-BE49-F238E27FC236}">
+                  <a16:creationId xmlns:a16="http://schemas.microsoft.com/office/drawing/2014/main" id="{4C3903F7-C88B-DE03-0CDC-9C6C9327BF59}"/>
+                </a:ext>
+              </a:extLst>
+            </p:cNvPr>
+            <p:cNvSpPr txBox="1"/>
+            <p:nvPr/>
+          </p:nvSpPr>
+          <p:spPr>
+            <a:xfrm>
+              <a:off x="5866398" y="365764"/>
+              <a:ext cx="1445443" cy="369332"/>
+            </a:xfrm>
+            <a:prstGeom prst="rect">
+              <a:avLst/>
+            </a:prstGeom>
+            <a:noFill/>
+          </p:spPr>
+          <p:txBody>
+            <a:bodyPr wrap="square" rtlCol="0">
+              <a:spAutoFit/>
+            </a:bodyPr>
+            <a:lstStyle/>
+            <a:p>
+              <a:r>
+                <a:rPr lang="en-US" dirty="0" err="1"/>
+                <a:t>Unsere</a:t>
+              </a:r>
+              <a:r>
+                <a:rPr lang="en-US" dirty="0"/>
+                <a:t> Idee</a:t>
+              </a:r>
+              <a:endParaRPr lang="de-DE" dirty="0"/>
+            </a:p>
+          </p:txBody>
+        </p:sp>
+      </p:grpSp>
+    </p:spTree>
+    <p:extLst>
+      <p:ext uri="{BB962C8B-B14F-4D97-AF65-F5344CB8AC3E}">
+        <p14:creationId xmlns:p14="http://schemas.microsoft.com/office/powerpoint/2010/main" val="1357636211"/>
+      </p:ext>
+    </p:extLst>
+  </p:cSld>
+  <p:clrMapOvr>
+    <a:masterClrMapping/>
+  </p:clrMapOvr>
+  <p:transition spd="slow">
+    <p:cover/>
+  </p:transition>
+  <p:timing>
+    <p:tnLst>
+      <p:par>
+        <p:cTn id="1" dur="indefinite" restart="never" nodeType="tmRoot">
+          <p:childTnLst>
+            <p:seq concurrent="1" nextAc="seek">
+              <p:cTn id="2" dur="indefinite" nodeType="mainSeq">
+                <p:childTnLst>
+                  <p:par>
+                    <p:cTn id="3" fill="hold">
+                      <p:stCondLst>
+                        <p:cond delay="indefinite"/>
+                      </p:stCondLst>
+                      <p:childTnLst>
+                        <p:par>
+                          <p:cTn id="4" fill="hold">
+                            <p:stCondLst>
+                              <p:cond delay="0"/>
+                            </p:stCondLst>
+                            <p:childTnLst>
+                              <p:par>
+                                <p:cTn id="5" presetID="22" presetClass="entr" presetSubtype="8" fill="hold" nodeType="clickEffect">
+                                  <p:stCondLst>
+                                    <p:cond delay="0"/>
+                                  </p:stCondLst>
+                                  <p:childTnLst>
+                                    <p:set>
+                                      <p:cBhvr>
+                                        <p:cTn id="6" dur="1" fill="hold">
+                                          <p:stCondLst>
+                                            <p:cond delay="0"/>
+                                          </p:stCondLst>
+                                        </p:cTn>
+                                        <p:tgtEl>
+                                          <p:spTgt spid="3"/>
+                                        </p:tgtEl>
+                                        <p:attrNameLst>
+                                          <p:attrName>style.visibility</p:attrName>
+                                        </p:attrNameLst>
+                                      </p:cBhvr>
+                                      <p:to>
+                                        <p:strVal val="visible"/>
+                                      </p:to>
+                                    </p:set>
+                                    <p:animEffect transition="in" filter="wipe(left)">
+                                      <p:cBhvr>
+                                        <p:cTn id="7" dur="500"/>
+                                        <p:tgtEl>
+                                          <p:spTgt spid="3"/>
+                                        </p:tgtEl>
+                                      </p:cBhvr>
+                                    </p:animEffect>
+                                  </p:childTnLst>
+                                </p:cTn>
+                              </p:par>
+                            </p:childTnLst>
+                          </p:cTn>
+                        </p:par>
+                      </p:childTnLst>
+                    </p:cTn>
+                  </p:par>
+                  <p:par>
+                    <p:cTn id="8" fill="hold">
+                      <p:stCondLst>
+                        <p:cond delay="indefinite"/>
+                      </p:stCondLst>
+                      <p:childTnLst>
+                        <p:par>
+                          <p:cTn id="9" fill="hold">
+                            <p:stCondLst>
+                              <p:cond delay="0"/>
+                            </p:stCondLst>
+                            <p:childTnLst>
+                              <p:par>
+                                <p:cTn id="10" presetID="42" presetClass="path" presetSubtype="0" accel="50000" decel="50000" fill="hold" nodeType="clickEffect">
+                                  <p:stCondLst>
+                                    <p:cond delay="0"/>
+                                  </p:stCondLst>
+                                  <p:childTnLst>
+                                    <p:animMotion origin="layout" path="M 1.25E-6 0 L 1.25E-6 0.42824 " pathEditMode="relative" rAng="0" ptsTypes="AA">
+                                      <p:cBhvr>
+                                        <p:cTn id="11" dur="2000" fill="hold"/>
+                                        <p:tgtEl>
+                                          <p:spTgt spid="68"/>
+                                        </p:tgtEl>
+                                        <p:attrNameLst>
+                                          <p:attrName>ppt_x</p:attrName>
+                                          <p:attrName>ppt_y</p:attrName>
+                                        </p:attrNameLst>
+                                      </p:cBhvr>
+                                      <p:rCtr x="0" y="21412"/>
+                                    </p:animMotion>
+                                  </p:childTnLst>
+                                </p:cTn>
+                              </p:par>
+                            </p:childTnLst>
+                          </p:cTn>
+                        </p:par>
+                      </p:childTnLst>
+                    </p:cTn>
+                  </p:par>
+                  <p:par>
+                    <p:cTn id="12" fill="hold">
+                      <p:stCondLst>
+                        <p:cond delay="indefinite"/>
+                      </p:stCondLst>
+                      <p:childTnLst>
+                        <p:par>
+                          <p:cTn id="13" fill="hold">
+                            <p:stCondLst>
+                              <p:cond delay="0"/>
+                            </p:stCondLst>
+                            <p:childTnLst>
+                              <p:par>
+                                <p:cTn id="14" presetID="22" presetClass="entr" presetSubtype="8" fill="hold" grpId="0" nodeType="clickEffect">
+                                  <p:stCondLst>
+                                    <p:cond delay="0"/>
+                                  </p:stCondLst>
+                                  <p:childTnLst>
+                                    <p:set>
+                                      <p:cBhvr>
+                                        <p:cTn id="15" dur="1" fill="hold">
+                                          <p:stCondLst>
+                                            <p:cond delay="0"/>
+                                          </p:stCondLst>
+                                        </p:cTn>
+                                        <p:tgtEl>
+                                          <p:spTgt spid="30"/>
+                                        </p:tgtEl>
+                                        <p:attrNameLst>
+                                          <p:attrName>style.visibility</p:attrName>
+                                        </p:attrNameLst>
+                                      </p:cBhvr>
+                                      <p:to>
+                                        <p:strVal val="visible"/>
+                                      </p:to>
+                                    </p:set>
+                                    <p:animEffect transition="in" filter="wipe(left)">
+                                      <p:cBhvr>
+                                        <p:cTn id="16" dur="500"/>
+                                        <p:tgtEl>
+                                          <p:spTgt spid="30"/>
+                                        </p:tgtEl>
+                                      </p:cBhvr>
+                                    </p:animEffect>
+                                  </p:childTnLst>
+                                </p:cTn>
+                              </p:par>
+                              <p:par>
+                                <p:cTn id="17" presetID="22" presetClass="exit" presetSubtype="2" fill="hold" nodeType="withEffect">
+                                  <p:stCondLst>
+                                    <p:cond delay="0"/>
+                                  </p:stCondLst>
+                                  <p:childTnLst>
+                                    <p:animEffect transition="out" filter="wipe(right)">
+                                      <p:cBhvr>
+                                        <p:cTn id="18" dur="500"/>
+                                        <p:tgtEl>
+                                          <p:spTgt spid="32"/>
+                                        </p:tgtEl>
+                                      </p:cBhvr>
+                                    </p:animEffect>
+                                    <p:set>
+                                      <p:cBhvr>
+                                        <p:cTn id="19" dur="1" fill="hold">
+                                          <p:stCondLst>
+                                            <p:cond delay="499"/>
+                                          </p:stCondLst>
+                                        </p:cTn>
+                                        <p:tgtEl>
+                                          <p:spTgt spid="32"/>
+                                        </p:tgtEl>
+                                        <p:attrNameLst>
+                                          <p:attrName>style.visibility</p:attrName>
+                                        </p:attrNameLst>
+                                      </p:cBhvr>
+                                      <p:to>
+                                        <p:strVal val="hidden"/>
+                                      </p:to>
+                                    </p:set>
+                                  </p:childTnLst>
+                                </p:cTn>
+                              </p:par>
+                            </p:childTnLst>
+                          </p:cTn>
+                        </p:par>
+                        <p:par>
+                          <p:cTn id="20" fill="hold">
+                            <p:stCondLst>
+                              <p:cond delay="500"/>
+                            </p:stCondLst>
+                            <p:childTnLst>
+                              <p:par>
+                                <p:cTn id="21" presetID="22" presetClass="entr" presetSubtype="4" fill="hold" grpId="0" nodeType="afterEffect">
+                                  <p:stCondLst>
+                                    <p:cond delay="0"/>
+                                  </p:stCondLst>
+                                  <p:childTnLst>
+                                    <p:set>
+                                      <p:cBhvr>
+                                        <p:cTn id="22" dur="1" fill="hold">
+                                          <p:stCondLst>
+                                            <p:cond delay="0"/>
+                                          </p:stCondLst>
+                                        </p:cTn>
+                                        <p:tgtEl>
+                                          <p:spTgt spid="29"/>
+                                        </p:tgtEl>
+                                        <p:attrNameLst>
+                                          <p:attrName>style.visibility</p:attrName>
+                                        </p:attrNameLst>
+                                      </p:cBhvr>
+                                      <p:to>
+                                        <p:strVal val="visible"/>
+                                      </p:to>
+                                    </p:set>
+                                    <p:animEffect transition="in" filter="wipe(down)">
+                                      <p:cBhvr>
+                                        <p:cTn id="23" dur="500"/>
+                                        <p:tgtEl>
+                                          <p:spTgt spid="29"/>
+                                        </p:tgtEl>
+                                      </p:cBhvr>
+                                    </p:animEffect>
+                                  </p:childTnLst>
+                                </p:cTn>
+                              </p:par>
+                            </p:childTnLst>
+                          </p:cTn>
+                        </p:par>
+                      </p:childTnLst>
+                    </p:cTn>
+                  </p:par>
+                  <p:par>
+                    <p:cTn id="24" fill="hold">
+                      <p:stCondLst>
+                        <p:cond delay="indefinite"/>
+                      </p:stCondLst>
+                      <p:childTnLst>
+                        <p:par>
+                          <p:cTn id="25" fill="hold">
+                            <p:stCondLst>
+                              <p:cond delay="0"/>
+                            </p:stCondLst>
+                            <p:childTnLst>
+                              <p:par>
+                                <p:cTn id="26" presetID="63" presetClass="path" presetSubtype="0" accel="50000" decel="50000" fill="hold" nodeType="clickEffect">
+                                  <p:stCondLst>
+                                    <p:cond delay="0"/>
+                                  </p:stCondLst>
+                                  <p:childTnLst>
+                                    <p:animMotion origin="layout" path="M 1.66667E-6 -1.85185E-6 L 0.14036 -1.85185E-6 " pathEditMode="relative" rAng="0" ptsTypes="AA">
+                                      <p:cBhvr>
+                                        <p:cTn id="27" dur="2000" fill="hold"/>
+                                        <p:tgtEl>
+                                          <p:spTgt spid="31"/>
+                                        </p:tgtEl>
+                                        <p:attrNameLst>
+                                          <p:attrName>ppt_x</p:attrName>
+                                          <p:attrName>ppt_y</p:attrName>
+                                        </p:attrNameLst>
+                                      </p:cBhvr>
+                                      <p:rCtr x="7018" y="0"/>
+                                    </p:animMotion>
+                                  </p:childTnLst>
+                                </p:cTn>
+                              </p:par>
+                            </p:childTnLst>
+                          </p:cTn>
+                        </p:par>
+                        <p:par>
+                          <p:cTn id="28" fill="hold">
+                            <p:stCondLst>
+                              <p:cond delay="2000"/>
+                            </p:stCondLst>
+                            <p:childTnLst>
+                              <p:par>
+                                <p:cTn id="29" presetID="22" presetClass="entr" presetSubtype="4" fill="hold" grpId="0" nodeType="afterEffect">
+                                  <p:stCondLst>
+                                    <p:cond delay="0"/>
+                                  </p:stCondLst>
+                                  <p:childTnLst>
+                                    <p:set>
+                                      <p:cBhvr>
+                                        <p:cTn id="30" dur="1" fill="hold">
+                                          <p:stCondLst>
+                                            <p:cond delay="0"/>
+                                          </p:stCondLst>
+                                        </p:cTn>
+                                        <p:tgtEl>
+                                          <p:spTgt spid="63"/>
+                                        </p:tgtEl>
+                                        <p:attrNameLst>
+                                          <p:attrName>style.visibility</p:attrName>
+                                        </p:attrNameLst>
+                                      </p:cBhvr>
+                                      <p:to>
+                                        <p:strVal val="visible"/>
+                                      </p:to>
+                                    </p:set>
+                                    <p:animEffect transition="in" filter="wipe(down)">
+                                      <p:cBhvr>
+                                        <p:cTn id="31" dur="500"/>
+                                        <p:tgtEl>
+                                          <p:spTgt spid="63"/>
+                                        </p:tgtEl>
+                                      </p:cBhvr>
+                                    </p:animEffect>
+                                  </p:childTnLst>
+                                </p:cTn>
+                              </p:par>
+                            </p:childTnLst>
+                          </p:cTn>
+                        </p:par>
+                      </p:childTnLst>
+                    </p:cTn>
+                  </p:par>
+                  <p:par>
+                    <p:cTn id="32" fill="hold">
+                      <p:stCondLst>
+                        <p:cond delay="indefinite"/>
+                      </p:stCondLst>
+                      <p:childTnLst>
+                        <p:par>
+                          <p:cTn id="33" fill="hold">
+                            <p:stCondLst>
+                              <p:cond delay="0"/>
+                            </p:stCondLst>
+                            <p:childTnLst>
+                              <p:par>
+                                <p:cTn id="34" presetID="2" presetClass="exit" presetSubtype="4" fill="hold" nodeType="clickEffect">
+                                  <p:stCondLst>
+                                    <p:cond delay="0"/>
+                                  </p:stCondLst>
+                                  <p:childTnLst>
+                                    <p:anim calcmode="lin" valueType="num">
+                                      <p:cBhvr additive="base">
+                                        <p:cTn id="35" dur="500"/>
+                                        <p:tgtEl>
+                                          <p:spTgt spid="68"/>
+                                        </p:tgtEl>
+                                        <p:attrNameLst>
+                                          <p:attrName>ppt_x</p:attrName>
+                                        </p:attrNameLst>
+                                      </p:cBhvr>
+                                      <p:tavLst>
+                                        <p:tav tm="0">
+                                          <p:val>
+                                            <p:strVal val="ppt_x"/>
+                                          </p:val>
+                                        </p:tav>
+                                        <p:tav tm="100000">
+                                          <p:val>
+                                            <p:strVal val="ppt_x"/>
+                                          </p:val>
+                                        </p:tav>
+                                      </p:tavLst>
+                                    </p:anim>
+                                    <p:anim calcmode="lin" valueType="num">
+                                      <p:cBhvr additive="base">
+                                        <p:cTn id="36" dur="500"/>
+                                        <p:tgtEl>
+                                          <p:spTgt spid="68"/>
+                                        </p:tgtEl>
+                                        <p:attrNameLst>
+                                          <p:attrName>ppt_y</p:attrName>
+                                        </p:attrNameLst>
+                                      </p:cBhvr>
+                                      <p:tavLst>
+                                        <p:tav tm="0">
+                                          <p:val>
+                                            <p:strVal val="ppt_y"/>
+                                          </p:val>
+                                        </p:tav>
+                                        <p:tav tm="100000">
+                                          <p:val>
+                                            <p:strVal val="1+ppt_h/2"/>
+                                          </p:val>
+                                        </p:tav>
+                                      </p:tavLst>
+                                    </p:anim>
+                                    <p:set>
+                                      <p:cBhvr>
+                                        <p:cTn id="37" dur="1" fill="hold">
+                                          <p:stCondLst>
+                                            <p:cond delay="499"/>
+                                          </p:stCondLst>
+                                        </p:cTn>
+                                        <p:tgtEl>
+                                          <p:spTgt spid="68"/>
+                                        </p:tgtEl>
+                                        <p:attrNameLst>
+                                          <p:attrName>style.visibility</p:attrName>
+                                        </p:attrNameLst>
+                                      </p:cBhvr>
+                                      <p:to>
+                                        <p:strVal val="hidden"/>
+                                      </p:to>
+                                    </p:set>
+                                  </p:childTnLst>
+                                </p:cTn>
+                              </p:par>
+                            </p:childTnLst>
+                          </p:cTn>
+                        </p:par>
+                      </p:childTnLst>
+                    </p:cTn>
+                  </p:par>
+                  <p:par>
+                    <p:cTn id="38" fill="hold">
+                      <p:stCondLst>
+                        <p:cond delay="indefinite"/>
+                      </p:stCondLst>
+                      <p:childTnLst>
+                        <p:par>
+                          <p:cTn id="39" fill="hold">
+                            <p:stCondLst>
+                              <p:cond delay="0"/>
+                            </p:stCondLst>
+                            <p:childTnLst>
+                              <p:par>
+                                <p:cTn id="40" presetID="22" presetClass="entr" presetSubtype="8" fill="hold" grpId="0" nodeType="clickEffect">
+                                  <p:stCondLst>
+                                    <p:cond delay="0"/>
+                                  </p:stCondLst>
+                                  <p:childTnLst>
+                                    <p:set>
+                                      <p:cBhvr>
+                                        <p:cTn id="41" dur="1" fill="hold">
+                                          <p:stCondLst>
+                                            <p:cond delay="0"/>
+                                          </p:stCondLst>
+                                        </p:cTn>
+                                        <p:tgtEl>
+                                          <p:spTgt spid="55"/>
+                                        </p:tgtEl>
+                                        <p:attrNameLst>
+                                          <p:attrName>style.visibility</p:attrName>
+                                        </p:attrNameLst>
+                                      </p:cBhvr>
+                                      <p:to>
+                                        <p:strVal val="visible"/>
+                                      </p:to>
+                                    </p:set>
+                                    <p:animEffect transition="in" filter="wipe(left)">
+                                      <p:cBhvr>
+                                        <p:cTn id="42" dur="500"/>
+                                        <p:tgtEl>
+                                          <p:spTgt spid="55"/>
+                                        </p:tgtEl>
+                                      </p:cBhvr>
+                                    </p:animEffect>
+                                  </p:childTnLst>
+                                </p:cTn>
+                              </p:par>
+                              <p:par>
+                                <p:cTn id="43" presetID="22" presetClass="exit" presetSubtype="2" fill="hold" nodeType="withEffect">
+                                  <p:stCondLst>
+                                    <p:cond delay="0"/>
+                                  </p:stCondLst>
+                                  <p:childTnLst>
+                                    <p:animEffect transition="out" filter="wipe(right)">
+                                      <p:cBhvr>
+                                        <p:cTn id="44" dur="500"/>
+                                        <p:tgtEl>
+                                          <p:spTgt spid="60"/>
+                                        </p:tgtEl>
+                                      </p:cBhvr>
+                                    </p:animEffect>
+                                    <p:set>
+                                      <p:cBhvr>
+                                        <p:cTn id="45" dur="1" fill="hold">
+                                          <p:stCondLst>
+                                            <p:cond delay="499"/>
+                                          </p:stCondLst>
+                                        </p:cTn>
+                                        <p:tgtEl>
+                                          <p:spTgt spid="60"/>
+                                        </p:tgtEl>
+                                        <p:attrNameLst>
+                                          <p:attrName>style.visibility</p:attrName>
+                                        </p:attrNameLst>
+                                      </p:cBhvr>
+                                      <p:to>
+                                        <p:strVal val="hidden"/>
+                                      </p:to>
+                                    </p:set>
+                                  </p:childTnLst>
+                                </p:cTn>
+                              </p:par>
+                            </p:childTnLst>
+                          </p:cTn>
+                        </p:par>
+                        <p:par>
+                          <p:cTn id="46" fill="hold">
+                            <p:stCondLst>
+                              <p:cond delay="500"/>
+                            </p:stCondLst>
+                            <p:childTnLst>
+                              <p:par>
+                                <p:cTn id="47" presetID="22" presetClass="entr" presetSubtype="4" fill="hold" grpId="0" nodeType="afterEffect">
+                                  <p:stCondLst>
+                                    <p:cond delay="0"/>
+                                  </p:stCondLst>
+                                  <p:childTnLst>
+                                    <p:set>
+                                      <p:cBhvr>
+                                        <p:cTn id="48" dur="1" fill="hold">
+                                          <p:stCondLst>
+                                            <p:cond delay="0"/>
+                                          </p:stCondLst>
+                                        </p:cTn>
+                                        <p:tgtEl>
+                                          <p:spTgt spid="54"/>
+                                        </p:tgtEl>
+                                        <p:attrNameLst>
+                                          <p:attrName>style.visibility</p:attrName>
+                                        </p:attrNameLst>
+                                      </p:cBhvr>
+                                      <p:to>
+                                        <p:strVal val="visible"/>
+                                      </p:to>
+                                    </p:set>
+                                    <p:animEffect transition="in" filter="wipe(down)">
+                                      <p:cBhvr>
+                                        <p:cTn id="49" dur="500"/>
+                                        <p:tgtEl>
+                                          <p:spTgt spid="54"/>
+                                        </p:tgtEl>
+                                      </p:cBhvr>
+                                    </p:animEffect>
+                                  </p:childTnLst>
+                                </p:cTn>
+                              </p:par>
+                            </p:childTnLst>
+                          </p:cTn>
+                        </p:par>
+                      </p:childTnLst>
+                    </p:cTn>
+                  </p:par>
+                  <p:par>
+                    <p:cTn id="50" fill="hold">
+                      <p:stCondLst>
+                        <p:cond delay="indefinite"/>
+                      </p:stCondLst>
+                      <p:childTnLst>
+                        <p:par>
+                          <p:cTn id="51" fill="hold">
+                            <p:stCondLst>
+                              <p:cond delay="0"/>
+                            </p:stCondLst>
+                            <p:childTnLst>
+                              <p:par>
+                                <p:cTn id="52" presetID="63" presetClass="path" presetSubtype="0" accel="50000" decel="50000" fill="hold" nodeType="clickEffect">
+                                  <p:stCondLst>
+                                    <p:cond delay="0"/>
+                                  </p:stCondLst>
+                                  <p:childTnLst>
+                                    <p:animMotion origin="layout" path="M 1.66667E-6 -3.33333E-6 L 0.14036 -3.33333E-6 " pathEditMode="relative" rAng="0" ptsTypes="AA">
+                                      <p:cBhvr>
+                                        <p:cTn id="53" dur="2000" fill="hold"/>
+                                        <p:tgtEl>
+                                          <p:spTgt spid="49"/>
+                                        </p:tgtEl>
+                                        <p:attrNameLst>
+                                          <p:attrName>ppt_x</p:attrName>
+                                          <p:attrName>ppt_y</p:attrName>
+                                        </p:attrNameLst>
+                                      </p:cBhvr>
+                                      <p:rCtr x="7018" y="0"/>
+                                    </p:animMotion>
+                                  </p:childTnLst>
+                                </p:cTn>
+                              </p:par>
+                              <p:par>
+                                <p:cTn id="54" presetID="42" presetClass="path" presetSubtype="0" accel="50000" decel="50000" fill="hold" nodeType="withEffect">
+                                  <p:stCondLst>
+                                    <p:cond delay="0"/>
+                                  </p:stCondLst>
+                                  <p:childTnLst>
+                                    <p:animMotion origin="layout" path="M 4.16667E-7 4.07407E-6 L -0.00156 0.0868 " pathEditMode="relative" rAng="0" ptsTypes="AA">
+                                      <p:cBhvr>
+                                        <p:cTn id="55" dur="2000" fill="hold"/>
+                                        <p:tgtEl>
+                                          <p:spTgt spid="59"/>
+                                        </p:tgtEl>
+                                        <p:attrNameLst>
+                                          <p:attrName>ppt_x</p:attrName>
+                                          <p:attrName>ppt_y</p:attrName>
+                                        </p:attrNameLst>
+                                      </p:cBhvr>
+                                      <p:rCtr x="-78" y="4329"/>
+                                    </p:animMotion>
+                                  </p:childTnLst>
+                                </p:cTn>
+                              </p:par>
+                            </p:childTnLst>
+                          </p:cTn>
+                        </p:par>
+                      </p:childTnLst>
+                    </p:cTn>
+                  </p:par>
+                  <p:par>
+                    <p:cTn id="56" fill="hold">
+                      <p:stCondLst>
+                        <p:cond delay="indefinite"/>
+                      </p:stCondLst>
+                      <p:childTnLst>
+                        <p:par>
+                          <p:cTn id="57" fill="hold">
+                            <p:stCondLst>
+                              <p:cond delay="0"/>
+                            </p:stCondLst>
+                            <p:childTnLst>
+                              <p:par>
+                                <p:cTn id="58" presetID="0" presetClass="path" presetSubtype="0" accel="50000" decel="50000" fill="hold" nodeType="clickEffect">
+                                  <p:stCondLst>
+                                    <p:cond delay="0"/>
+                                  </p:stCondLst>
+                                  <p:childTnLst>
+                                    <p:animMotion origin="layout" path="M -0.00156 0.0868 L -0.14023 0.01226 " pathEditMode="relative" rAng="0" ptsTypes="AA">
+                                      <p:cBhvr>
+                                        <p:cTn id="59" dur="2000" fill="hold"/>
+                                        <p:tgtEl>
+                                          <p:spTgt spid="59"/>
+                                        </p:tgtEl>
+                                        <p:attrNameLst>
+                                          <p:attrName>ppt_x</p:attrName>
+                                          <p:attrName>ppt_y</p:attrName>
+                                        </p:attrNameLst>
+                                      </p:cBhvr>
+                                      <p:rCtr x="-6940" y="-3727"/>
+                                    </p:animMotion>
+                                  </p:childTnLst>
+                                </p:cTn>
+                              </p:par>
+                            </p:childTnLst>
+                          </p:cTn>
+                        </p:par>
+                        <p:par>
+                          <p:cTn id="60" fill="hold">
+                            <p:stCondLst>
+                              <p:cond delay="2000"/>
+                            </p:stCondLst>
+                            <p:childTnLst>
+                              <p:par>
+                                <p:cTn id="61" presetID="22" presetClass="entr" presetSubtype="4" fill="hold" grpId="0" nodeType="afterEffect">
+                                  <p:stCondLst>
+                                    <p:cond delay="0"/>
+                                  </p:stCondLst>
+                                  <p:childTnLst>
+                                    <p:set>
+                                      <p:cBhvr>
+                                        <p:cTn id="62" dur="1" fill="hold">
+                                          <p:stCondLst>
+                                            <p:cond delay="0"/>
+                                          </p:stCondLst>
+                                        </p:cTn>
+                                        <p:tgtEl>
+                                          <p:spTgt spid="64"/>
+                                        </p:tgtEl>
+                                        <p:attrNameLst>
+                                          <p:attrName>style.visibility</p:attrName>
+                                        </p:attrNameLst>
+                                      </p:cBhvr>
+                                      <p:to>
+                                        <p:strVal val="visible"/>
+                                      </p:to>
+                                    </p:set>
+                                    <p:animEffect transition="in" filter="wipe(down)">
+                                      <p:cBhvr>
+                                        <p:cTn id="63" dur="500"/>
+                                        <p:tgtEl>
+                                          <p:spTgt spid="64"/>
+                                        </p:tgtEl>
+                                      </p:cBhvr>
+                                    </p:animEffect>
+                                  </p:childTnLst>
+                                </p:cTn>
+                              </p:par>
+                            </p:childTnLst>
+                          </p:cTn>
+                        </p:par>
+                      </p:childTnLst>
+                    </p:cTn>
+                  </p:par>
+                </p:childTnLst>
+              </p:cTn>
+              <p:prevCondLst>
+                <p:cond evt="onPrev" delay="0">
+                  <p:tgtEl>
+                    <p:sldTgt/>
+                  </p:tgtEl>
+                </p:cond>
+              </p:prevCondLst>
+              <p:nextCondLst>
+                <p:cond evt="onNext" delay="0">
+                  <p:tgtEl>
+                    <p:sldTgt/>
+                  </p:tgtEl>
+                </p:cond>
+              </p:nextCondLst>
+            </p:seq>
+          </p:childTnLst>
+        </p:cTn>
+      </p:par>
+    </p:tnLst>
+    <p:bldLst>
+      <p:bldP spid="29" grpId="0" animBg="1"/>
+      <p:bldP spid="30" grpId="0" animBg="1"/>
+      <p:bldP spid="54" grpId="0" animBg="1"/>
+      <p:bldP spid="55" grpId="0" animBg="1"/>
+      <p:bldP spid="63" grpId="0" animBg="1"/>
+      <p:bldP spid="64" grpId="0" animBg="1"/>
+    </p:bldLst>
+  </p:timing>
+</p:sld>
+</file>
+
+<file path=ppt/slides/slide25.xml><?xml version="1.0" encoding="utf-8"?>
+<p:sld xmlns:a="http://schemas.openxmlformats.org/drawingml/2006/main" xmlns:r="http://schemas.openxmlformats.org/officeDocument/2006/relationships" xmlns:p="http://schemas.openxmlformats.org/presentationml/2006/main">
+  <p:cSld>
+    <p:bg>
+      <p:bgPr>
+        <a:solidFill>
+          <a:schemeClr val="tx1">
+            <a:lumMod val="75000"/>
+            <a:lumOff val="25000"/>
+          </a:schemeClr>
+        </a:solidFill>
+        <a:effectLst/>
+      </p:bgPr>
+    </p:bg>
+    <p:spTree>
+      <p:nvGrpSpPr>
+        <p:cNvPr id="1" name=""/>
+        <p:cNvGrpSpPr/>
+        <p:nvPr/>
+      </p:nvGrpSpPr>
+      <p:grpSpPr>
+        <a:xfrm>
+          <a:off x="0" y="0"/>
+          <a:ext cx="0" cy="0"/>
+          <a:chOff x="0" y="0"/>
+          <a:chExt cx="0" cy="0"/>
+        </a:xfrm>
+      </p:grpSpPr>
+      <p:sp>
+        <p:nvSpPr>
+          <p:cNvPr id="7" name="Textfeld 6">
+            <a:extLst>
+              <a:ext uri="{FF2B5EF4-FFF2-40B4-BE49-F238E27FC236}">
+                <a16:creationId xmlns:a16="http://schemas.microsoft.com/office/drawing/2014/main" id="{8D2926ED-FD6E-798E-9F84-C53D65F1A2E9}"/>
+              </a:ext>
+            </a:extLst>
+          </p:cNvPr>
+          <p:cNvSpPr txBox="1"/>
+          <p:nvPr/>
+        </p:nvSpPr>
+        <p:spPr>
+          <a:xfrm>
+            <a:off x="1652587" y="797510"/>
+            <a:ext cx="8886825" cy="5262979"/>
+          </a:xfrm>
+          <a:prstGeom prst="rect">
+            <a:avLst/>
+          </a:prstGeom>
+          <a:noFill/>
+        </p:spPr>
+        <p:txBody>
+          <a:bodyPr wrap="square">
+            <a:spAutoFit/>
+          </a:bodyPr>
+          <a:lstStyle/>
+          <a:p>
+            <a:pPr algn="ctr"/>
+            <a:r>
+              <a:rPr lang="de-DE" sz="2800" b="1" dirty="0">
+                <a:solidFill>
+                  <a:schemeClr val="bg1"/>
+                </a:solidFill>
+                <a:latin typeface="+mj-lt"/>
+              </a:rPr>
+              <a:t>3.8 Implementieren Sie die Methode </a:t>
+            </a:r>
+            <a:r>
+              <a:rPr lang="de-DE" sz="2800" b="1" dirty="0" err="1">
+                <a:solidFill>
+                  <a:schemeClr val="bg1"/>
+                </a:solidFill>
+                <a:latin typeface="+mj-lt"/>
+              </a:rPr>
+              <a:t>ballOut</a:t>
+            </a:r>
+            <a:r>
+              <a:rPr lang="de-DE" sz="2800" b="1" dirty="0">
+                <a:solidFill>
+                  <a:schemeClr val="bg1"/>
+                </a:solidFill>
+                <a:latin typeface="+mj-lt"/>
+              </a:rPr>
+              <a:t>, die das Einfügen aller Ereignisse der Queue </a:t>
+            </a:r>
+            <a:r>
+              <a:rPr lang="de-DE" sz="2800" b="1" dirty="0" err="1">
+                <a:solidFill>
+                  <a:schemeClr val="bg1"/>
+                </a:solidFill>
+                <a:latin typeface="+mj-lt"/>
+              </a:rPr>
+              <a:t>eventQueue</a:t>
+            </a:r>
+            <a:r>
+              <a:rPr lang="de-DE" sz="2800" b="1" dirty="0">
+                <a:solidFill>
+                  <a:schemeClr val="bg1"/>
+                </a:solidFill>
+                <a:latin typeface="+mj-lt"/>
+              </a:rPr>
+              <a:t> in die Liste </a:t>
+            </a:r>
+            <a:r>
+              <a:rPr lang="de-DE" sz="2800" b="1" dirty="0" err="1">
+                <a:solidFill>
+                  <a:schemeClr val="bg1"/>
+                </a:solidFill>
+                <a:latin typeface="+mj-lt"/>
+              </a:rPr>
+              <a:t>eventList</a:t>
+            </a:r>
+            <a:r>
+              <a:rPr lang="de-DE" sz="2800" b="1" dirty="0">
+                <a:solidFill>
+                  <a:schemeClr val="bg1"/>
+                </a:solidFill>
+                <a:latin typeface="+mj-lt"/>
+              </a:rPr>
+              <a:t> sortiert nach der </a:t>
+            </a:r>
+            <a:r>
+              <a:rPr lang="de-DE" sz="2800" b="1" dirty="0" err="1">
+                <a:solidFill>
+                  <a:schemeClr val="bg1"/>
+                </a:solidFill>
+                <a:latin typeface="+mj-lt"/>
+              </a:rPr>
+              <a:t>SensorGroupNumber</a:t>
+            </a:r>
+            <a:r>
+              <a:rPr lang="de-DE" sz="2800" b="1" dirty="0">
+                <a:solidFill>
+                  <a:schemeClr val="bg1"/>
+                </a:solidFill>
+                <a:latin typeface="+mj-lt"/>
+              </a:rPr>
+              <a:t> realisiert. Das Element mit der kleinsten </a:t>
+            </a:r>
+            <a:r>
+              <a:rPr lang="de-DE" sz="2800" b="1" dirty="0" err="1">
+                <a:solidFill>
+                  <a:schemeClr val="bg1"/>
+                </a:solidFill>
+                <a:latin typeface="+mj-lt"/>
+              </a:rPr>
+              <a:t>SensorGroupNumber</a:t>
+            </a:r>
+            <a:r>
+              <a:rPr lang="de-DE" sz="2800" b="1" dirty="0">
+                <a:solidFill>
+                  <a:schemeClr val="bg1"/>
+                </a:solidFill>
+                <a:latin typeface="+mj-lt"/>
+              </a:rPr>
+              <a:t> soll dabei am Anfang der Liste stehen. Sie können alle Methoden der Klassen Queue und List (vgl. Anlagen 3 und 4) als gegeben voraussetzen und nutzen. Sie können davon ausgehen, dass die Liste bei Aufruf von </a:t>
+            </a:r>
+            <a:r>
+              <a:rPr lang="de-DE" sz="2800" b="1" dirty="0" err="1">
+                <a:solidFill>
+                  <a:schemeClr val="bg1"/>
+                </a:solidFill>
+                <a:latin typeface="+mj-lt"/>
+              </a:rPr>
+              <a:t>ballOut</a:t>
+            </a:r>
+            <a:r>
+              <a:rPr lang="de-DE" sz="2800" b="1" dirty="0">
+                <a:solidFill>
+                  <a:schemeClr val="bg1"/>
+                </a:solidFill>
+                <a:latin typeface="+mj-lt"/>
+              </a:rPr>
+              <a:t> leer ist. </a:t>
+            </a:r>
+          </a:p>
+          <a:p>
+            <a:pPr algn="ctr"/>
+            <a:r>
+              <a:rPr lang="de-DE" sz="2800" b="1" i="0" dirty="0">
+                <a:solidFill>
+                  <a:schemeClr val="bg1"/>
+                </a:solidFill>
+                <a:effectLst/>
+                <a:latin typeface="+mj-lt"/>
+              </a:rPr>
+              <a:t>(12 Punkte) – siehe </a:t>
+            </a:r>
+            <a:r>
+              <a:rPr lang="de-DE" sz="2800" b="1" i="0" dirty="0" err="1">
+                <a:solidFill>
+                  <a:schemeClr val="bg1"/>
+                </a:solidFill>
+                <a:effectLst/>
+                <a:latin typeface="+mj-lt"/>
+              </a:rPr>
+              <a:t>Abiturpruefung</a:t>
+            </a:r>
+            <a:r>
+              <a:rPr lang="de-DE" sz="2800" b="1" i="0" dirty="0">
+                <a:solidFill>
+                  <a:schemeClr val="bg1"/>
+                </a:solidFill>
+                <a:effectLst/>
+                <a:latin typeface="+mj-lt"/>
+              </a:rPr>
+              <a:t> </a:t>
+            </a:r>
+            <a:r>
+              <a:rPr lang="de-DE" sz="2800" b="1" i="0" dirty="0" err="1">
+                <a:solidFill>
+                  <a:schemeClr val="bg1"/>
+                </a:solidFill>
+                <a:effectLst/>
+                <a:latin typeface="+mj-lt"/>
+              </a:rPr>
+              <a:t>fuer</a:t>
+            </a:r>
+            <a:r>
+              <a:rPr lang="de-DE" sz="2800" b="1" i="0" dirty="0">
+                <a:solidFill>
+                  <a:schemeClr val="bg1"/>
+                </a:solidFill>
+                <a:effectLst/>
+                <a:latin typeface="+mj-lt"/>
+              </a:rPr>
+              <a:t> Kontext</a:t>
+            </a:r>
+          </a:p>
+          <a:p>
+            <a:pPr algn="ctr"/>
+            <a:endParaRPr lang="de-DE" sz="2800" b="1" i="0" dirty="0">
+              <a:solidFill>
+                <a:srgbClr val="DADADA"/>
+              </a:solidFill>
+              <a:effectLst/>
+              <a:latin typeface="+mj-lt"/>
+            </a:endParaRPr>
+          </a:p>
+          <a:p>
+            <a:pPr algn="ctr"/>
+            <a:endParaRPr lang="de-DE" sz="2800" b="1" i="0" dirty="0">
+              <a:solidFill>
+                <a:srgbClr val="DADADA"/>
+              </a:solidFill>
+              <a:effectLst/>
+              <a:latin typeface="+mj-lt"/>
+            </a:endParaRPr>
+          </a:p>
+        </p:txBody>
+      </p:sp>
+    </p:spTree>
+    <p:extLst>
+      <p:ext uri="{BB962C8B-B14F-4D97-AF65-F5344CB8AC3E}">
+        <p14:creationId xmlns:p14="http://schemas.microsoft.com/office/powerpoint/2010/main" val="3152956401"/>
       </p:ext>
     </p:extLst>
   </p:cSld>

--- a/Informatik/Dynamische Datenstrukturen.pptx
+++ b/Informatik/Dynamische Datenstrukturen.pptx
@@ -5,7 +5,7 @@
     <p:sldMasterId id="2147483648" r:id="rId1"/>
   </p:sldMasterIdLst>
   <p:notesMasterIdLst>
-    <p:notesMasterId r:id="rId27"/>
+    <p:notesMasterId r:id="rId29"/>
   </p:notesMasterIdLst>
   <p:sldIdLst>
     <p:sldId id="256" r:id="rId2"/>
@@ -32,7 +32,9 @@
     <p:sldId id="277" r:id="rId23"/>
     <p:sldId id="279" r:id="rId24"/>
     <p:sldId id="280" r:id="rId25"/>
-    <p:sldId id="281" r:id="rId26"/>
+    <p:sldId id="283" r:id="rId26"/>
+    <p:sldId id="282" r:id="rId27"/>
+    <p:sldId id="281" r:id="rId28"/>
   </p:sldIdLst>
   <p:sldSz cx="12192000" cy="6858000"/>
   <p:notesSz cx="6858000" cy="9144000"/>
@@ -221,7 +223,7 @@
           <a:p>
             <a:fld id="{956BC06E-4695-4D92-BAA8-C1984B21E568}" type="datetimeFigureOut">
               <a:rPr lang="de-DE" smtClean="0"/>
-              <a:t>30.01.2024</a:t>
+              <a:t>31.01.2024</a:t>
             </a:fld>
             <a:endParaRPr lang="de-DE"/>
           </a:p>
@@ -635,7 +637,7 @@
           <a:p>
             <a:fld id="{1C0C3597-A09E-44A0-A4B9-9253CC0B43A8}" type="datetimeFigureOut">
               <a:rPr lang="de-DE" smtClean="0"/>
-              <a:t>30.01.2024</a:t>
+              <a:t>31.01.2024</a:t>
             </a:fld>
             <a:endParaRPr lang="de-DE"/>
           </a:p>
@@ -833,7 +835,7 @@
           <a:p>
             <a:fld id="{1C0C3597-A09E-44A0-A4B9-9253CC0B43A8}" type="datetimeFigureOut">
               <a:rPr lang="de-DE" smtClean="0"/>
-              <a:t>30.01.2024</a:t>
+              <a:t>31.01.2024</a:t>
             </a:fld>
             <a:endParaRPr lang="de-DE"/>
           </a:p>
@@ -1041,7 +1043,7 @@
           <a:p>
             <a:fld id="{1C0C3597-A09E-44A0-A4B9-9253CC0B43A8}" type="datetimeFigureOut">
               <a:rPr lang="de-DE" smtClean="0"/>
-              <a:t>30.01.2024</a:t>
+              <a:t>31.01.2024</a:t>
             </a:fld>
             <a:endParaRPr lang="de-DE"/>
           </a:p>
@@ -1239,7 +1241,7 @@
           <a:p>
             <a:fld id="{1C0C3597-A09E-44A0-A4B9-9253CC0B43A8}" type="datetimeFigureOut">
               <a:rPr lang="de-DE" smtClean="0"/>
-              <a:t>30.01.2024</a:t>
+              <a:t>31.01.2024</a:t>
             </a:fld>
             <a:endParaRPr lang="de-DE"/>
           </a:p>
@@ -1514,7 +1516,7 @@
           <a:p>
             <a:fld id="{1C0C3597-A09E-44A0-A4B9-9253CC0B43A8}" type="datetimeFigureOut">
               <a:rPr lang="de-DE" smtClean="0"/>
-              <a:t>30.01.2024</a:t>
+              <a:t>31.01.2024</a:t>
             </a:fld>
             <a:endParaRPr lang="de-DE"/>
           </a:p>
@@ -1779,7 +1781,7 @@
           <a:p>
             <a:fld id="{1C0C3597-A09E-44A0-A4B9-9253CC0B43A8}" type="datetimeFigureOut">
               <a:rPr lang="de-DE" smtClean="0"/>
-              <a:t>30.01.2024</a:t>
+              <a:t>31.01.2024</a:t>
             </a:fld>
             <a:endParaRPr lang="de-DE"/>
           </a:p>
@@ -2191,7 +2193,7 @@
           <a:p>
             <a:fld id="{1C0C3597-A09E-44A0-A4B9-9253CC0B43A8}" type="datetimeFigureOut">
               <a:rPr lang="de-DE" smtClean="0"/>
-              <a:t>30.01.2024</a:t>
+              <a:t>31.01.2024</a:t>
             </a:fld>
             <a:endParaRPr lang="de-DE"/>
           </a:p>
@@ -2332,7 +2334,7 @@
           <a:p>
             <a:fld id="{1C0C3597-A09E-44A0-A4B9-9253CC0B43A8}" type="datetimeFigureOut">
               <a:rPr lang="de-DE" smtClean="0"/>
-              <a:t>30.01.2024</a:t>
+              <a:t>31.01.2024</a:t>
             </a:fld>
             <a:endParaRPr lang="de-DE"/>
           </a:p>
@@ -2445,7 +2447,7 @@
           <a:p>
             <a:fld id="{1C0C3597-A09E-44A0-A4B9-9253CC0B43A8}" type="datetimeFigureOut">
               <a:rPr lang="de-DE" smtClean="0"/>
-              <a:t>30.01.2024</a:t>
+              <a:t>31.01.2024</a:t>
             </a:fld>
             <a:endParaRPr lang="de-DE"/>
           </a:p>
@@ -2756,7 +2758,7 @@
           <a:p>
             <a:fld id="{1C0C3597-A09E-44A0-A4B9-9253CC0B43A8}" type="datetimeFigureOut">
               <a:rPr lang="de-DE" smtClean="0"/>
-              <a:t>30.01.2024</a:t>
+              <a:t>31.01.2024</a:t>
             </a:fld>
             <a:endParaRPr lang="de-DE"/>
           </a:p>
@@ -3044,7 +3046,7 @@
           <a:p>
             <a:fld id="{1C0C3597-A09E-44A0-A4B9-9253CC0B43A8}" type="datetimeFigureOut">
               <a:rPr lang="de-DE" smtClean="0"/>
-              <a:t>30.01.2024</a:t>
+              <a:t>31.01.2024</a:t>
             </a:fld>
             <a:endParaRPr lang="de-DE"/>
           </a:p>
@@ -3285,7 +3287,7 @@
           <a:p>
             <a:fld id="{1C0C3597-A09E-44A0-A4B9-9253CC0B43A8}" type="datetimeFigureOut">
               <a:rPr lang="de-DE" smtClean="0"/>
-              <a:t>30.01.2024</a:t>
+              <a:t>31.01.2024</a:t>
             </a:fld>
             <a:endParaRPr lang="de-DE"/>
           </a:p>
@@ -21996,6 +21998,351 @@
 </file>
 
 <file path=ppt/slides/slide25.xml><?xml version="1.0" encoding="utf-8"?>
+<p:sld xmlns:a="http://schemas.openxmlformats.org/drawingml/2006/main" xmlns:r="http://schemas.openxmlformats.org/officeDocument/2006/relationships" xmlns:p="http://schemas.openxmlformats.org/presentationml/2006/main">
+  <p:cSld>
+    <p:bg>
+      <p:bgPr>
+        <a:solidFill>
+          <a:schemeClr val="tx1">
+            <a:lumMod val="75000"/>
+            <a:lumOff val="25000"/>
+          </a:schemeClr>
+        </a:solidFill>
+        <a:effectLst/>
+      </p:bgPr>
+    </p:bg>
+    <p:spTree>
+      <p:nvGrpSpPr>
+        <p:cNvPr id="1" name=""/>
+        <p:cNvGrpSpPr/>
+        <p:nvPr/>
+      </p:nvGrpSpPr>
+      <p:grpSpPr>
+        <a:xfrm>
+          <a:off x="0" y="0"/>
+          <a:ext cx="0" cy="0"/>
+          <a:chOff x="0" y="0"/>
+          <a:chExt cx="0" cy="0"/>
+        </a:xfrm>
+      </p:grpSpPr>
+      <p:sp>
+        <p:nvSpPr>
+          <p:cNvPr id="7" name="Textfeld 6">
+            <a:extLst>
+              <a:ext uri="{FF2B5EF4-FFF2-40B4-BE49-F238E27FC236}">
+                <a16:creationId xmlns:a16="http://schemas.microsoft.com/office/drawing/2014/main" id="{8D2926ED-FD6E-798E-9F84-C53D65F1A2E9}"/>
+              </a:ext>
+            </a:extLst>
+          </p:cNvPr>
+          <p:cNvSpPr txBox="1"/>
+          <p:nvPr/>
+        </p:nvSpPr>
+        <p:spPr>
+          <a:xfrm>
+            <a:off x="1652587" y="797510"/>
+            <a:ext cx="8886825" cy="5262979"/>
+          </a:xfrm>
+          <a:prstGeom prst="rect">
+            <a:avLst/>
+          </a:prstGeom>
+          <a:noFill/>
+        </p:spPr>
+        <p:txBody>
+          <a:bodyPr wrap="square">
+            <a:spAutoFit/>
+          </a:bodyPr>
+          <a:lstStyle/>
+          <a:p>
+            <a:pPr algn="ctr"/>
+            <a:r>
+              <a:rPr lang="de-DE" sz="2800" b="1" dirty="0">
+                <a:solidFill>
+                  <a:schemeClr val="bg1"/>
+                </a:solidFill>
+                <a:latin typeface="+mj-lt"/>
+              </a:rPr>
+              <a:t>3.8 Implementieren Sie die Methode </a:t>
+            </a:r>
+            <a:r>
+              <a:rPr lang="de-DE" sz="2800" b="1" dirty="0" err="1">
+                <a:solidFill>
+                  <a:schemeClr val="bg1"/>
+                </a:solidFill>
+                <a:latin typeface="+mj-lt"/>
+              </a:rPr>
+              <a:t>ballOut</a:t>
+            </a:r>
+            <a:r>
+              <a:rPr lang="de-DE" sz="2800" b="1" dirty="0">
+                <a:solidFill>
+                  <a:schemeClr val="bg1"/>
+                </a:solidFill>
+                <a:latin typeface="+mj-lt"/>
+              </a:rPr>
+              <a:t>, die das Einfügen aller Ereignisse der Queue </a:t>
+            </a:r>
+            <a:r>
+              <a:rPr lang="de-DE" sz="2800" b="1" dirty="0" err="1">
+                <a:solidFill>
+                  <a:schemeClr val="bg1"/>
+                </a:solidFill>
+                <a:latin typeface="+mj-lt"/>
+              </a:rPr>
+              <a:t>eventQueue</a:t>
+            </a:r>
+            <a:r>
+              <a:rPr lang="de-DE" sz="2800" b="1" dirty="0">
+                <a:solidFill>
+                  <a:schemeClr val="bg1"/>
+                </a:solidFill>
+                <a:latin typeface="+mj-lt"/>
+              </a:rPr>
+              <a:t> in die Liste </a:t>
+            </a:r>
+            <a:r>
+              <a:rPr lang="de-DE" sz="2800" b="1" dirty="0" err="1">
+                <a:solidFill>
+                  <a:schemeClr val="bg1"/>
+                </a:solidFill>
+                <a:latin typeface="+mj-lt"/>
+              </a:rPr>
+              <a:t>eventList</a:t>
+            </a:r>
+            <a:r>
+              <a:rPr lang="de-DE" sz="2800" b="1" dirty="0">
+                <a:solidFill>
+                  <a:schemeClr val="bg1"/>
+                </a:solidFill>
+                <a:latin typeface="+mj-lt"/>
+              </a:rPr>
+              <a:t> sortiert nach der </a:t>
+            </a:r>
+            <a:r>
+              <a:rPr lang="de-DE" sz="2800" b="1" dirty="0" err="1">
+                <a:solidFill>
+                  <a:schemeClr val="bg1"/>
+                </a:solidFill>
+                <a:latin typeface="+mj-lt"/>
+              </a:rPr>
+              <a:t>SensorGroupNumber</a:t>
+            </a:r>
+            <a:r>
+              <a:rPr lang="de-DE" sz="2800" b="1" dirty="0">
+                <a:solidFill>
+                  <a:schemeClr val="bg1"/>
+                </a:solidFill>
+                <a:latin typeface="+mj-lt"/>
+              </a:rPr>
+              <a:t> realisiert. Das Element mit der kleinsten </a:t>
+            </a:r>
+            <a:r>
+              <a:rPr lang="de-DE" sz="2800" b="1" dirty="0" err="1">
+                <a:solidFill>
+                  <a:schemeClr val="bg1"/>
+                </a:solidFill>
+                <a:latin typeface="+mj-lt"/>
+              </a:rPr>
+              <a:t>SensorGroupNumber</a:t>
+            </a:r>
+            <a:r>
+              <a:rPr lang="de-DE" sz="2800" b="1" dirty="0">
+                <a:solidFill>
+                  <a:schemeClr val="bg1"/>
+                </a:solidFill>
+                <a:latin typeface="+mj-lt"/>
+              </a:rPr>
+              <a:t> soll dabei am Anfang der Liste stehen. Sie können alle Methoden der Klassen Queue und List (vgl. Anlagen 3 und 4) als gegeben voraussetzen und nutzen. Sie können davon ausgehen, dass die Liste bei Aufruf von </a:t>
+            </a:r>
+            <a:r>
+              <a:rPr lang="de-DE" sz="2800" b="1" dirty="0" err="1">
+                <a:solidFill>
+                  <a:schemeClr val="bg1"/>
+                </a:solidFill>
+                <a:latin typeface="+mj-lt"/>
+              </a:rPr>
+              <a:t>ballOut</a:t>
+            </a:r>
+            <a:r>
+              <a:rPr lang="de-DE" sz="2800" b="1" dirty="0">
+                <a:solidFill>
+                  <a:schemeClr val="bg1"/>
+                </a:solidFill>
+                <a:latin typeface="+mj-lt"/>
+              </a:rPr>
+              <a:t> leer ist. </a:t>
+            </a:r>
+          </a:p>
+          <a:p>
+            <a:pPr algn="ctr"/>
+            <a:r>
+              <a:rPr lang="de-DE" sz="2800" b="1" i="0" dirty="0">
+                <a:solidFill>
+                  <a:schemeClr val="bg1"/>
+                </a:solidFill>
+                <a:effectLst/>
+                <a:latin typeface="+mj-lt"/>
+              </a:rPr>
+              <a:t>(12 Punkte) – siehe </a:t>
+            </a:r>
+            <a:r>
+              <a:rPr lang="de-DE" sz="2800" b="1" i="0" dirty="0" err="1">
+                <a:solidFill>
+                  <a:schemeClr val="bg1"/>
+                </a:solidFill>
+                <a:effectLst/>
+                <a:latin typeface="+mj-lt"/>
+              </a:rPr>
+              <a:t>Abiturpruefung</a:t>
+            </a:r>
+            <a:r>
+              <a:rPr lang="de-DE" sz="2800" b="1" i="0" dirty="0">
+                <a:solidFill>
+                  <a:schemeClr val="bg1"/>
+                </a:solidFill>
+                <a:effectLst/>
+                <a:latin typeface="+mj-lt"/>
+              </a:rPr>
+              <a:t> </a:t>
+            </a:r>
+            <a:r>
+              <a:rPr lang="de-DE" sz="2800" b="1" i="0" dirty="0" err="1">
+                <a:solidFill>
+                  <a:schemeClr val="bg1"/>
+                </a:solidFill>
+                <a:effectLst/>
+                <a:latin typeface="+mj-lt"/>
+              </a:rPr>
+              <a:t>fuer</a:t>
+            </a:r>
+            <a:r>
+              <a:rPr lang="de-DE" sz="2800" b="1" i="0" dirty="0">
+                <a:solidFill>
+                  <a:schemeClr val="bg1"/>
+                </a:solidFill>
+                <a:effectLst/>
+                <a:latin typeface="+mj-lt"/>
+              </a:rPr>
+              <a:t> Kontext</a:t>
+            </a:r>
+          </a:p>
+          <a:p>
+            <a:pPr algn="ctr"/>
+            <a:endParaRPr lang="de-DE" sz="2800" b="1" i="0" dirty="0">
+              <a:solidFill>
+                <a:srgbClr val="DADADA"/>
+              </a:solidFill>
+              <a:effectLst/>
+              <a:latin typeface="+mj-lt"/>
+            </a:endParaRPr>
+          </a:p>
+          <a:p>
+            <a:pPr algn="ctr"/>
+            <a:endParaRPr lang="de-DE" sz="2800" b="1" i="0" dirty="0">
+              <a:solidFill>
+                <a:srgbClr val="DADADA"/>
+              </a:solidFill>
+              <a:effectLst/>
+              <a:latin typeface="+mj-lt"/>
+            </a:endParaRPr>
+          </a:p>
+        </p:txBody>
+      </p:sp>
+    </p:spTree>
+    <p:extLst>
+      <p:ext uri="{BB962C8B-B14F-4D97-AF65-F5344CB8AC3E}">
+        <p14:creationId xmlns:p14="http://schemas.microsoft.com/office/powerpoint/2010/main" val="2074446863"/>
+      </p:ext>
+    </p:extLst>
+  </p:cSld>
+  <p:clrMapOvr>
+    <a:masterClrMapping/>
+  </p:clrMapOvr>
+  <p:transition spd="slow">
+    <p:cover/>
+  </p:transition>
+</p:sld>
+</file>
+
+<file path=ppt/slides/slide26.xml><?xml version="1.0" encoding="utf-8"?>
+<p:sld xmlns:a="http://schemas.openxmlformats.org/drawingml/2006/main" xmlns:r="http://schemas.openxmlformats.org/officeDocument/2006/relationships" xmlns:p="http://schemas.openxmlformats.org/presentationml/2006/main">
+  <p:cSld>
+    <p:bg>
+      <p:bgPr>
+        <a:solidFill>
+          <a:schemeClr val="tx1">
+            <a:lumMod val="75000"/>
+            <a:lumOff val="25000"/>
+          </a:schemeClr>
+        </a:solidFill>
+        <a:effectLst/>
+      </p:bgPr>
+    </p:bg>
+    <p:spTree>
+      <p:nvGrpSpPr>
+        <p:cNvPr id="1" name=""/>
+        <p:cNvGrpSpPr/>
+        <p:nvPr/>
+      </p:nvGrpSpPr>
+      <p:grpSpPr>
+        <a:xfrm>
+          <a:off x="0" y="0"/>
+          <a:ext cx="0" cy="0"/>
+          <a:chOff x="0" y="0"/>
+          <a:chExt cx="0" cy="0"/>
+        </a:xfrm>
+      </p:grpSpPr>
+      <p:pic>
+        <p:nvPicPr>
+          <p:cNvPr id="3" name="Grafik 2">
+            <a:extLst>
+              <a:ext uri="{FF2B5EF4-FFF2-40B4-BE49-F238E27FC236}">
+                <a16:creationId xmlns:a16="http://schemas.microsoft.com/office/drawing/2014/main" id="{FDD0BBA9-4BF7-4B7E-9D58-0A5A85701808}"/>
+              </a:ext>
+            </a:extLst>
+          </p:cNvPr>
+          <p:cNvPicPr>
+            <a:picLocks noChangeAspect="1"/>
+          </p:cNvPicPr>
+          <p:nvPr/>
+        </p:nvPicPr>
+        <p:blipFill>
+          <a:blip r:embed="rId2"/>
+          <a:stretch>
+            <a:fillRect/>
+          </a:stretch>
+        </p:blipFill>
+        <p:spPr>
+          <a:xfrm>
+            <a:off x="99774" y="80738"/>
+            <a:ext cx="7517099" cy="6695200"/>
+          </a:xfrm>
+          <a:prstGeom prst="rect">
+            <a:avLst/>
+          </a:prstGeom>
+          <a:ln w="25400">
+            <a:solidFill>
+              <a:schemeClr val="bg1"/>
+            </a:solidFill>
+          </a:ln>
+        </p:spPr>
+      </p:pic>
+    </p:spTree>
+    <p:extLst>
+      <p:ext uri="{BB962C8B-B14F-4D97-AF65-F5344CB8AC3E}">
+        <p14:creationId xmlns:p14="http://schemas.microsoft.com/office/powerpoint/2010/main" val="1453039155"/>
+      </p:ext>
+    </p:extLst>
+  </p:cSld>
+  <p:clrMapOvr>
+    <a:masterClrMapping/>
+  </p:clrMapOvr>
+  <p:transition spd="slow">
+    <p:cover/>
+  </p:transition>
+</p:sld>
+</file>
+
+<file path=ppt/slides/slide27.xml><?xml version="1.0" encoding="utf-8"?>
 <p:sld xmlns:a="http://schemas.openxmlformats.org/drawingml/2006/main" xmlns:r="http://schemas.openxmlformats.org/officeDocument/2006/relationships" xmlns:p="http://schemas.openxmlformats.org/presentationml/2006/main">
   <p:cSld>
     <p:bg>

--- a/Informatik/Dynamische Datenstrukturen.pptx
+++ b/Informatik/Dynamische Datenstrukturen.pptx
@@ -5,7 +5,7 @@
     <p:sldMasterId id="2147483648" r:id="rId1"/>
   </p:sldMasterIdLst>
   <p:notesMasterIdLst>
-    <p:notesMasterId r:id="rId29"/>
+    <p:notesMasterId r:id="rId32"/>
   </p:notesMasterIdLst>
   <p:sldIdLst>
     <p:sldId id="256" r:id="rId2"/>
@@ -34,7 +34,10 @@
     <p:sldId id="280" r:id="rId25"/>
     <p:sldId id="283" r:id="rId26"/>
     <p:sldId id="282" r:id="rId27"/>
-    <p:sldId id="281" r:id="rId28"/>
+    <p:sldId id="284" r:id="rId28"/>
+    <p:sldId id="281" r:id="rId29"/>
+    <p:sldId id="286" r:id="rId30"/>
+    <p:sldId id="285" r:id="rId31"/>
   </p:sldIdLst>
   <p:sldSz cx="12192000" cy="6858000"/>
   <p:notesSz cx="6858000" cy="9144000"/>
@@ -22293,10 +22296,10 @@
       </p:grpSpPr>
       <p:pic>
         <p:nvPicPr>
-          <p:cNvPr id="3" name="Grafik 2">
+          <p:cNvPr id="4" name="Grafik 3">
             <a:extLst>
               <a:ext uri="{FF2B5EF4-FFF2-40B4-BE49-F238E27FC236}">
-                <a16:creationId xmlns:a16="http://schemas.microsoft.com/office/drawing/2014/main" id="{FDD0BBA9-4BF7-4B7E-9D58-0A5A85701808}"/>
+                <a16:creationId xmlns:a16="http://schemas.microsoft.com/office/drawing/2014/main" id="{ADA838C6-644C-20F8-A7A9-DB70EA0240B2}"/>
               </a:ext>
             </a:extLst>
           </p:cNvPr>
@@ -22313,8 +22316,3315 @@
         </p:blipFill>
         <p:spPr>
           <a:xfrm>
-            <a:off x="99774" y="80738"/>
-            <a:ext cx="7517099" cy="6695200"/>
+            <a:off x="0" y="0"/>
+            <a:ext cx="5505494" cy="6858000"/>
+          </a:xfrm>
+          <a:prstGeom prst="rect">
+            <a:avLst/>
+          </a:prstGeom>
+          <a:ln w="25400">
+            <a:solidFill>
+              <a:schemeClr val="bg1"/>
+            </a:solidFill>
+          </a:ln>
+        </p:spPr>
+      </p:pic>
+      <p:cxnSp>
+        <p:nvCxnSpPr>
+          <p:cNvPr id="6" name="Gerader Verbinder 5">
+            <a:extLst>
+              <a:ext uri="{FF2B5EF4-FFF2-40B4-BE49-F238E27FC236}">
+                <a16:creationId xmlns:a16="http://schemas.microsoft.com/office/drawing/2014/main" id="{B1EBB017-8830-FD93-384E-917A003EA4D3}"/>
+              </a:ext>
+            </a:extLst>
+          </p:cNvPr>
+          <p:cNvCxnSpPr>
+            <a:cxnSpLocks noGrp="1" noRot="1" noMove="1" noResize="1" noEditPoints="1" noAdjustHandles="1" noChangeArrowheads="1" noChangeShapeType="1"/>
+            <a:stCxn id="8" idx="3"/>
+            <a:endCxn id="10" idx="1"/>
+          </p:cNvCxnSpPr>
+          <p:nvPr/>
+        </p:nvCxnSpPr>
+        <p:spPr>
+          <a:xfrm>
+            <a:off x="6750935" y="2484416"/>
+            <a:ext cx="1212122" cy="0"/>
+          </a:xfrm>
+          <a:prstGeom prst="line">
+            <a:avLst/>
+          </a:prstGeom>
+          <a:ln w="25400">
+            <a:solidFill>
+              <a:schemeClr val="tx1"/>
+            </a:solidFill>
+          </a:ln>
+        </p:spPr>
+        <p:style>
+          <a:lnRef idx="2">
+            <a:schemeClr val="accent1"/>
+          </a:lnRef>
+          <a:fillRef idx="0">
+            <a:schemeClr val="accent1"/>
+          </a:fillRef>
+          <a:effectRef idx="1">
+            <a:schemeClr val="accent1"/>
+          </a:effectRef>
+          <a:fontRef idx="minor">
+            <a:schemeClr val="tx1"/>
+          </a:fontRef>
+        </p:style>
+      </p:cxnSp>
+      <p:cxnSp>
+        <p:nvCxnSpPr>
+          <p:cNvPr id="7" name="Gerader Verbinder 6">
+            <a:extLst>
+              <a:ext uri="{FF2B5EF4-FFF2-40B4-BE49-F238E27FC236}">
+                <a16:creationId xmlns:a16="http://schemas.microsoft.com/office/drawing/2014/main" id="{A4D6BC6C-DBFE-9B62-9A6B-2D78A80EAB9C}"/>
+              </a:ext>
+            </a:extLst>
+          </p:cNvPr>
+          <p:cNvCxnSpPr>
+            <a:cxnSpLocks noGrp="1" noRot="1" noMove="1" noResize="1" noEditPoints="1" noAdjustHandles="1" noChangeArrowheads="1" noChangeShapeType="1"/>
+            <a:stCxn id="10" idx="3"/>
+            <a:endCxn id="9" idx="1"/>
+          </p:cNvCxnSpPr>
+          <p:nvPr/>
+        </p:nvCxnSpPr>
+        <p:spPr>
+          <a:xfrm flipV="1">
+            <a:off x="8582562" y="2476226"/>
+            <a:ext cx="1212122" cy="8190"/>
+          </a:xfrm>
+          <a:prstGeom prst="line">
+            <a:avLst/>
+          </a:prstGeom>
+          <a:ln w="25400">
+            <a:solidFill>
+              <a:schemeClr val="tx1"/>
+            </a:solidFill>
+          </a:ln>
+        </p:spPr>
+        <p:style>
+          <a:lnRef idx="2">
+            <a:schemeClr val="accent1"/>
+          </a:lnRef>
+          <a:fillRef idx="0">
+            <a:schemeClr val="accent1"/>
+          </a:fillRef>
+          <a:effectRef idx="1">
+            <a:schemeClr val="accent1"/>
+          </a:effectRef>
+          <a:fontRef idx="minor">
+            <a:schemeClr val="tx1"/>
+          </a:fontRef>
+        </p:style>
+      </p:cxnSp>
+      <p:sp>
+        <p:nvSpPr>
+          <p:cNvPr id="8" name="Rechteck 7">
+            <a:extLst>
+              <a:ext uri="{FF2B5EF4-FFF2-40B4-BE49-F238E27FC236}">
+                <a16:creationId xmlns:a16="http://schemas.microsoft.com/office/drawing/2014/main" id="{186F773D-C792-B303-737F-03D21A78FD44}"/>
+              </a:ext>
+            </a:extLst>
+          </p:cNvPr>
+          <p:cNvSpPr>
+            <a:spLocks noGrp="1" noRot="1" noMove="1" noResize="1" noEditPoints="1" noAdjustHandles="1" noChangeArrowheads="1" noChangeShapeType="1"/>
+          </p:cNvSpPr>
+          <p:nvPr/>
+        </p:nvSpPr>
+        <p:spPr>
+          <a:xfrm>
+            <a:off x="6131430" y="2189559"/>
+            <a:ext cx="619505" cy="589714"/>
+          </a:xfrm>
+          <a:prstGeom prst="rect">
+            <a:avLst/>
+          </a:prstGeom>
+          <a:solidFill>
+            <a:schemeClr val="bg1"/>
+          </a:solidFill>
+          <a:ln w="25400">
+            <a:solidFill>
+              <a:schemeClr val="tx1"/>
+            </a:solidFill>
+          </a:ln>
+        </p:spPr>
+        <p:style>
+          <a:lnRef idx="2">
+            <a:schemeClr val="accent1">
+              <a:shade val="15000"/>
+            </a:schemeClr>
+          </a:lnRef>
+          <a:fillRef idx="1">
+            <a:schemeClr val="accent1"/>
+          </a:fillRef>
+          <a:effectRef idx="0">
+            <a:schemeClr val="accent1"/>
+          </a:effectRef>
+          <a:fontRef idx="minor">
+            <a:schemeClr val="lt1"/>
+          </a:fontRef>
+        </p:style>
+        <p:txBody>
+          <a:bodyPr rtlCol="0" anchor="ctr"/>
+          <a:lstStyle/>
+          <a:p>
+            <a:pPr algn="ctr"/>
+            <a:r>
+              <a:rPr lang="en-US" dirty="0">
+                <a:solidFill>
+                  <a:schemeClr val="tx1"/>
+                </a:solidFill>
+              </a:rPr>
+              <a:t>0</a:t>
+            </a:r>
+            <a:endParaRPr lang="de-DE" dirty="0">
+              <a:solidFill>
+                <a:schemeClr val="tx1"/>
+              </a:solidFill>
+            </a:endParaRPr>
+          </a:p>
+        </p:txBody>
+      </p:sp>
+      <p:sp>
+        <p:nvSpPr>
+          <p:cNvPr id="9" name="Rechteck 8">
+            <a:extLst>
+              <a:ext uri="{FF2B5EF4-FFF2-40B4-BE49-F238E27FC236}">
+                <a16:creationId xmlns:a16="http://schemas.microsoft.com/office/drawing/2014/main" id="{E35B12ED-64AF-6C4F-C295-4564BC55E59A}"/>
+              </a:ext>
+            </a:extLst>
+          </p:cNvPr>
+          <p:cNvSpPr>
+            <a:spLocks noGrp="1" noRot="1" noMove="1" noResize="1" noEditPoints="1" noAdjustHandles="1" noChangeArrowheads="1" noChangeShapeType="1"/>
+          </p:cNvSpPr>
+          <p:nvPr/>
+        </p:nvSpPr>
+        <p:spPr>
+          <a:xfrm>
+            <a:off x="9794684" y="2181369"/>
+            <a:ext cx="619505" cy="589714"/>
+          </a:xfrm>
+          <a:prstGeom prst="rect">
+            <a:avLst/>
+          </a:prstGeom>
+          <a:solidFill>
+            <a:schemeClr val="bg1"/>
+          </a:solidFill>
+          <a:ln w="25400">
+            <a:solidFill>
+              <a:schemeClr val="tx1"/>
+            </a:solidFill>
+          </a:ln>
+        </p:spPr>
+        <p:style>
+          <a:lnRef idx="2">
+            <a:schemeClr val="accent1">
+              <a:shade val="15000"/>
+            </a:schemeClr>
+          </a:lnRef>
+          <a:fillRef idx="1">
+            <a:schemeClr val="accent1"/>
+          </a:fillRef>
+          <a:effectRef idx="0">
+            <a:schemeClr val="accent1"/>
+          </a:effectRef>
+          <a:fontRef idx="minor">
+            <a:schemeClr val="lt1"/>
+          </a:fontRef>
+        </p:style>
+        <p:txBody>
+          <a:bodyPr rtlCol="0" anchor="ctr"/>
+          <a:lstStyle/>
+          <a:p>
+            <a:pPr algn="ctr"/>
+            <a:r>
+              <a:rPr lang="en-US" sz="1400" dirty="0">
+                <a:solidFill>
+                  <a:schemeClr val="tx1"/>
+                </a:solidFill>
+              </a:rPr>
+              <a:t>null</a:t>
+            </a:r>
+            <a:endParaRPr lang="de-DE" sz="1400" dirty="0">
+              <a:solidFill>
+                <a:schemeClr val="tx1"/>
+              </a:solidFill>
+            </a:endParaRPr>
+          </a:p>
+        </p:txBody>
+      </p:sp>
+      <p:sp>
+        <p:nvSpPr>
+          <p:cNvPr id="10" name="Rechteck 9">
+            <a:extLst>
+              <a:ext uri="{FF2B5EF4-FFF2-40B4-BE49-F238E27FC236}">
+                <a16:creationId xmlns:a16="http://schemas.microsoft.com/office/drawing/2014/main" id="{C2BE8300-18DD-4277-BB97-11B11E08073B}"/>
+              </a:ext>
+            </a:extLst>
+          </p:cNvPr>
+          <p:cNvSpPr>
+            <a:spLocks noGrp="1" noRot="1" noMove="1" noResize="1" noEditPoints="1" noAdjustHandles="1" noChangeArrowheads="1" noChangeShapeType="1"/>
+          </p:cNvSpPr>
+          <p:nvPr/>
+        </p:nvSpPr>
+        <p:spPr>
+          <a:xfrm>
+            <a:off x="7963057" y="2189559"/>
+            <a:ext cx="619505" cy="589714"/>
+          </a:xfrm>
+          <a:prstGeom prst="rect">
+            <a:avLst/>
+          </a:prstGeom>
+          <a:solidFill>
+            <a:schemeClr val="bg1"/>
+          </a:solidFill>
+          <a:ln w="25400">
+            <a:solidFill>
+              <a:schemeClr val="tx1"/>
+            </a:solidFill>
+          </a:ln>
+        </p:spPr>
+        <p:style>
+          <a:lnRef idx="2">
+            <a:schemeClr val="accent1">
+              <a:shade val="15000"/>
+            </a:schemeClr>
+          </a:lnRef>
+          <a:fillRef idx="1">
+            <a:schemeClr val="accent1"/>
+          </a:fillRef>
+          <a:effectRef idx="0">
+            <a:schemeClr val="accent1"/>
+          </a:effectRef>
+          <a:fontRef idx="minor">
+            <a:schemeClr val="lt1"/>
+          </a:fontRef>
+        </p:style>
+        <p:txBody>
+          <a:bodyPr rtlCol="0" anchor="ctr"/>
+          <a:lstStyle/>
+          <a:p>
+            <a:pPr algn="ctr"/>
+            <a:r>
+              <a:rPr lang="en-US" dirty="0">
+                <a:solidFill>
+                  <a:schemeClr val="tx1"/>
+                </a:solidFill>
+              </a:rPr>
+              <a:t>1</a:t>
+            </a:r>
+            <a:endParaRPr lang="de-DE" dirty="0">
+              <a:solidFill>
+                <a:schemeClr val="tx1"/>
+              </a:solidFill>
+            </a:endParaRPr>
+          </a:p>
+        </p:txBody>
+      </p:sp>
+      <p:sp>
+        <p:nvSpPr>
+          <p:cNvPr id="11" name="Pfeil: nach rechts 10">
+            <a:extLst>
+              <a:ext uri="{FF2B5EF4-FFF2-40B4-BE49-F238E27FC236}">
+                <a16:creationId xmlns:a16="http://schemas.microsoft.com/office/drawing/2014/main" id="{6B36ABD1-70A2-B4DC-302C-2D1E74B63726}"/>
+              </a:ext>
+            </a:extLst>
+          </p:cNvPr>
+          <p:cNvSpPr>
+            <a:spLocks noGrp="1" noRot="1" noMove="1" noResize="1" noEditPoints="1" noAdjustHandles="1" noChangeArrowheads="1" noChangeShapeType="1"/>
+          </p:cNvSpPr>
+          <p:nvPr/>
+        </p:nvSpPr>
+        <p:spPr>
+          <a:xfrm>
+            <a:off x="9563445" y="2364632"/>
+            <a:ext cx="231239" cy="223186"/>
+          </a:xfrm>
+          <a:prstGeom prst="rightArrow">
+            <a:avLst/>
+          </a:prstGeom>
+          <a:solidFill>
+            <a:schemeClr val="bg1"/>
+          </a:solidFill>
+          <a:ln w="25400">
+            <a:solidFill>
+              <a:schemeClr val="tx1"/>
+            </a:solidFill>
+          </a:ln>
+        </p:spPr>
+        <p:style>
+          <a:lnRef idx="2">
+            <a:schemeClr val="accent1">
+              <a:shade val="15000"/>
+            </a:schemeClr>
+          </a:lnRef>
+          <a:fillRef idx="1">
+            <a:schemeClr val="accent1"/>
+          </a:fillRef>
+          <a:effectRef idx="0">
+            <a:schemeClr val="accent1"/>
+          </a:effectRef>
+          <a:fontRef idx="minor">
+            <a:schemeClr val="lt1"/>
+          </a:fontRef>
+        </p:style>
+        <p:txBody>
+          <a:bodyPr rtlCol="0" anchor="ctr"/>
+          <a:lstStyle/>
+          <a:p>
+            <a:pPr algn="ctr"/>
+            <a:endParaRPr lang="de-DE" dirty="0"/>
+          </a:p>
+        </p:txBody>
+      </p:sp>
+      <p:sp>
+        <p:nvSpPr>
+          <p:cNvPr id="12" name="Pfeil: nach rechts 11">
+            <a:extLst>
+              <a:ext uri="{FF2B5EF4-FFF2-40B4-BE49-F238E27FC236}">
+                <a16:creationId xmlns:a16="http://schemas.microsoft.com/office/drawing/2014/main" id="{EB03527F-B158-FC11-4DF2-5250B7DD34E1}"/>
+              </a:ext>
+            </a:extLst>
+          </p:cNvPr>
+          <p:cNvSpPr>
+            <a:spLocks noGrp="1" noRot="1" noMove="1" noResize="1" noEditPoints="1" noAdjustHandles="1" noChangeArrowheads="1" noChangeShapeType="1"/>
+          </p:cNvSpPr>
+          <p:nvPr/>
+        </p:nvSpPr>
+        <p:spPr>
+          <a:xfrm>
+            <a:off x="7732204" y="2372823"/>
+            <a:ext cx="231239" cy="223186"/>
+          </a:xfrm>
+          <a:prstGeom prst="rightArrow">
+            <a:avLst/>
+          </a:prstGeom>
+          <a:solidFill>
+            <a:schemeClr val="bg1"/>
+          </a:solidFill>
+          <a:ln w="25400">
+            <a:solidFill>
+              <a:schemeClr val="tx1"/>
+            </a:solidFill>
+          </a:ln>
+        </p:spPr>
+        <p:style>
+          <a:lnRef idx="2">
+            <a:schemeClr val="accent1">
+              <a:shade val="15000"/>
+            </a:schemeClr>
+          </a:lnRef>
+          <a:fillRef idx="1">
+            <a:schemeClr val="accent1"/>
+          </a:fillRef>
+          <a:effectRef idx="0">
+            <a:schemeClr val="accent1"/>
+          </a:effectRef>
+          <a:fontRef idx="minor">
+            <a:schemeClr val="lt1"/>
+          </a:fontRef>
+        </p:style>
+        <p:txBody>
+          <a:bodyPr rtlCol="0" anchor="ctr"/>
+          <a:lstStyle/>
+          <a:p>
+            <a:pPr algn="ctr"/>
+            <a:endParaRPr lang="de-DE" dirty="0"/>
+          </a:p>
+        </p:txBody>
+      </p:sp>
+      <p:grpSp>
+        <p:nvGrpSpPr>
+          <p:cNvPr id="15" name="Gruppieren 14">
+            <a:extLst>
+              <a:ext uri="{FF2B5EF4-FFF2-40B4-BE49-F238E27FC236}">
+                <a16:creationId xmlns:a16="http://schemas.microsoft.com/office/drawing/2014/main" id="{10D7A1E0-12E2-4D30-D8EB-42406AEAC486}"/>
+              </a:ext>
+            </a:extLst>
+          </p:cNvPr>
+          <p:cNvGrpSpPr>
+            <a:grpSpLocks noGrp="1" noUngrp="1" noRot="1" noMove="1" noResize="1"/>
+          </p:cNvGrpSpPr>
+          <p:nvPr/>
+        </p:nvGrpSpPr>
+        <p:grpSpPr>
+          <a:xfrm>
+            <a:off x="6287362" y="1499196"/>
+            <a:ext cx="309752" cy="647118"/>
+            <a:chOff x="-3502054" y="1723156"/>
+            <a:chExt cx="457200" cy="1003410"/>
+          </a:xfrm>
+        </p:grpSpPr>
+        <p:cxnSp>
+          <p:nvCxnSpPr>
+            <p:cNvPr id="16" name="Gerade Verbindung mit Pfeil 15">
+              <a:extLst>
+                <a:ext uri="{FF2B5EF4-FFF2-40B4-BE49-F238E27FC236}">
+                  <a16:creationId xmlns:a16="http://schemas.microsoft.com/office/drawing/2014/main" id="{812915BD-3FF6-D821-A69A-576897CE96A7}"/>
+                </a:ext>
+              </a:extLst>
+            </p:cNvPr>
+            <p:cNvCxnSpPr>
+              <a:cxnSpLocks noGrp="1" noRot="1" noMove="1" noResize="1" noEditPoints="1" noAdjustHandles="1" noChangeArrowheads="1" noChangeShapeType="1"/>
+              <a:stCxn id="17" idx="2"/>
+            </p:cNvCxnSpPr>
+            <p:nvPr/>
+          </p:nvCxnSpPr>
+          <p:spPr>
+            <a:xfrm>
+              <a:off x="-3273445" y="2180358"/>
+              <a:ext cx="0" cy="546208"/>
+            </a:xfrm>
+            <a:prstGeom prst="straightConnector1">
+              <a:avLst/>
+            </a:prstGeom>
+            <a:ln w="31750">
+              <a:solidFill>
+                <a:schemeClr val="tx1"/>
+              </a:solidFill>
+              <a:tailEnd type="triangle"/>
+            </a:ln>
+          </p:spPr>
+          <p:style>
+            <a:lnRef idx="2">
+              <a:schemeClr val="accent1"/>
+            </a:lnRef>
+            <a:fillRef idx="0">
+              <a:schemeClr val="accent1"/>
+            </a:fillRef>
+            <a:effectRef idx="1">
+              <a:schemeClr val="accent1"/>
+            </a:effectRef>
+            <a:fontRef idx="minor">
+              <a:schemeClr val="tx1"/>
+            </a:fontRef>
+          </p:style>
+        </p:cxnSp>
+        <p:sp>
+          <p:nvSpPr>
+            <p:cNvPr id="17" name="Rechteck: abgerundete Ecken 16">
+              <a:extLst>
+                <a:ext uri="{FF2B5EF4-FFF2-40B4-BE49-F238E27FC236}">
+                  <a16:creationId xmlns:a16="http://schemas.microsoft.com/office/drawing/2014/main" id="{7E0B1E4D-E612-5642-B371-12FCE2C955A6}"/>
+                </a:ext>
+              </a:extLst>
+            </p:cNvPr>
+            <p:cNvSpPr>
+              <a:spLocks noGrp="1" noRot="1" noMove="1" noResize="1" noEditPoints="1" noAdjustHandles="1" noChangeArrowheads="1" noChangeShapeType="1"/>
+            </p:cNvSpPr>
+            <p:nvPr/>
+          </p:nvSpPr>
+          <p:spPr>
+            <a:xfrm>
+              <a:off x="-3502054" y="1723156"/>
+              <a:ext cx="457200" cy="457200"/>
+            </a:xfrm>
+            <a:prstGeom prst="roundRect">
+              <a:avLst/>
+            </a:prstGeom>
+            <a:solidFill>
+              <a:schemeClr val="bg1"/>
+            </a:solidFill>
+            <a:ln w="25400">
+              <a:solidFill>
+                <a:schemeClr val="tx1"/>
+              </a:solidFill>
+            </a:ln>
+          </p:spPr>
+          <p:style>
+            <a:lnRef idx="2">
+              <a:schemeClr val="accent1">
+                <a:shade val="15000"/>
+              </a:schemeClr>
+            </a:lnRef>
+            <a:fillRef idx="1">
+              <a:schemeClr val="accent1"/>
+            </a:fillRef>
+            <a:effectRef idx="0">
+              <a:schemeClr val="accent1"/>
+            </a:effectRef>
+            <a:fontRef idx="minor">
+              <a:schemeClr val="lt1"/>
+            </a:fontRef>
+          </p:style>
+          <p:txBody>
+            <a:bodyPr rtlCol="0" anchor="ctr"/>
+            <a:lstStyle/>
+            <a:p>
+              <a:pPr algn="ctr"/>
+              <a:r>
+                <a:rPr lang="en-US" sz="500" dirty="0">
+                  <a:solidFill>
+                    <a:schemeClr val="tx1"/>
+                  </a:solidFill>
+                </a:rPr>
+                <a:t>it</a:t>
+              </a:r>
+              <a:endParaRPr lang="de-DE" sz="500" dirty="0">
+                <a:solidFill>
+                  <a:schemeClr val="tx1"/>
+                </a:solidFill>
+              </a:endParaRPr>
+            </a:p>
+          </p:txBody>
+        </p:sp>
+      </p:grpSp>
+      <p:cxnSp>
+        <p:nvCxnSpPr>
+          <p:cNvPr id="24" name="Gerader Verbinder 23">
+            <a:extLst>
+              <a:ext uri="{FF2B5EF4-FFF2-40B4-BE49-F238E27FC236}">
+                <a16:creationId xmlns:a16="http://schemas.microsoft.com/office/drawing/2014/main" id="{C93EFE91-D63A-135A-59C7-4C050851A620}"/>
+              </a:ext>
+            </a:extLst>
+          </p:cNvPr>
+          <p:cNvCxnSpPr>
+            <a:cxnSpLocks noGrp="1" noRot="1" noMove="1" noResize="1" noEditPoints="1" noAdjustHandles="1" noChangeArrowheads="1" noChangeShapeType="1"/>
+            <a:stCxn id="26" idx="3"/>
+            <a:endCxn id="28" idx="1"/>
+          </p:cNvCxnSpPr>
+          <p:nvPr/>
+        </p:nvCxnSpPr>
+        <p:spPr>
+          <a:xfrm>
+            <a:off x="6750936" y="698397"/>
+            <a:ext cx="1212122" cy="0"/>
+          </a:xfrm>
+          <a:prstGeom prst="line">
+            <a:avLst/>
+          </a:prstGeom>
+          <a:ln w="25400">
+            <a:solidFill>
+              <a:schemeClr val="tx1"/>
+            </a:solidFill>
+          </a:ln>
+        </p:spPr>
+        <p:style>
+          <a:lnRef idx="2">
+            <a:schemeClr val="accent1"/>
+          </a:lnRef>
+          <a:fillRef idx="0">
+            <a:schemeClr val="accent1"/>
+          </a:fillRef>
+          <a:effectRef idx="1">
+            <a:schemeClr val="accent1"/>
+          </a:effectRef>
+          <a:fontRef idx="minor">
+            <a:schemeClr val="tx1"/>
+          </a:fontRef>
+        </p:style>
+      </p:cxnSp>
+      <p:cxnSp>
+        <p:nvCxnSpPr>
+          <p:cNvPr id="25" name="Gerader Verbinder 24">
+            <a:extLst>
+              <a:ext uri="{FF2B5EF4-FFF2-40B4-BE49-F238E27FC236}">
+                <a16:creationId xmlns:a16="http://schemas.microsoft.com/office/drawing/2014/main" id="{C7F0E9A9-95A4-3028-0195-CD40B851ECFF}"/>
+              </a:ext>
+            </a:extLst>
+          </p:cNvPr>
+          <p:cNvCxnSpPr>
+            <a:cxnSpLocks noGrp="1" noRot="1" noMove="1" noResize="1" noEditPoints="1" noAdjustHandles="1" noChangeArrowheads="1" noChangeShapeType="1"/>
+            <a:stCxn id="28" idx="3"/>
+            <a:endCxn id="27" idx="1"/>
+          </p:cNvCxnSpPr>
+          <p:nvPr/>
+        </p:nvCxnSpPr>
+        <p:spPr>
+          <a:xfrm flipV="1">
+            <a:off x="8582563" y="690207"/>
+            <a:ext cx="1212122" cy="8190"/>
+          </a:xfrm>
+          <a:prstGeom prst="line">
+            <a:avLst/>
+          </a:prstGeom>
+          <a:ln w="25400">
+            <a:solidFill>
+              <a:schemeClr val="tx1"/>
+            </a:solidFill>
+          </a:ln>
+        </p:spPr>
+        <p:style>
+          <a:lnRef idx="2">
+            <a:schemeClr val="accent1"/>
+          </a:lnRef>
+          <a:fillRef idx="0">
+            <a:schemeClr val="accent1"/>
+          </a:fillRef>
+          <a:effectRef idx="1">
+            <a:schemeClr val="accent1"/>
+          </a:effectRef>
+          <a:fontRef idx="minor">
+            <a:schemeClr val="tx1"/>
+          </a:fontRef>
+        </p:style>
+      </p:cxnSp>
+      <p:sp>
+        <p:nvSpPr>
+          <p:cNvPr id="26" name="Rechteck 25">
+            <a:extLst>
+              <a:ext uri="{FF2B5EF4-FFF2-40B4-BE49-F238E27FC236}">
+                <a16:creationId xmlns:a16="http://schemas.microsoft.com/office/drawing/2014/main" id="{E5778EA8-AA30-8932-C596-C5FD83C01365}"/>
+              </a:ext>
+            </a:extLst>
+          </p:cNvPr>
+          <p:cNvSpPr>
+            <a:spLocks noGrp="1" noRot="1" noMove="1" noResize="1" noEditPoints="1" noAdjustHandles="1" noChangeArrowheads="1" noChangeShapeType="1"/>
+          </p:cNvSpPr>
+          <p:nvPr/>
+        </p:nvSpPr>
+        <p:spPr>
+          <a:xfrm>
+            <a:off x="6131431" y="403540"/>
+            <a:ext cx="619505" cy="589714"/>
+          </a:xfrm>
+          <a:prstGeom prst="rect">
+            <a:avLst/>
+          </a:prstGeom>
+          <a:solidFill>
+            <a:schemeClr val="bg1"/>
+          </a:solidFill>
+          <a:ln w="57150">
+            <a:solidFill>
+              <a:srgbClr val="C00000"/>
+            </a:solidFill>
+          </a:ln>
+        </p:spPr>
+        <p:style>
+          <a:lnRef idx="2">
+            <a:schemeClr val="accent1">
+              <a:shade val="15000"/>
+            </a:schemeClr>
+          </a:lnRef>
+          <a:fillRef idx="1">
+            <a:schemeClr val="accent1"/>
+          </a:fillRef>
+          <a:effectRef idx="0">
+            <a:schemeClr val="accent1"/>
+          </a:effectRef>
+          <a:fontRef idx="minor">
+            <a:schemeClr val="lt1"/>
+          </a:fontRef>
+        </p:style>
+        <p:txBody>
+          <a:bodyPr rtlCol="0" anchor="ctr"/>
+          <a:lstStyle/>
+          <a:p>
+            <a:pPr algn="ctr"/>
+            <a:r>
+              <a:rPr lang="en-US" dirty="0">
+                <a:solidFill>
+                  <a:schemeClr val="tx1"/>
+                </a:solidFill>
+              </a:rPr>
+              <a:t>1</a:t>
+            </a:r>
+            <a:endParaRPr lang="de-DE" dirty="0">
+              <a:solidFill>
+                <a:schemeClr val="tx1"/>
+              </a:solidFill>
+            </a:endParaRPr>
+          </a:p>
+        </p:txBody>
+      </p:sp>
+      <p:sp>
+        <p:nvSpPr>
+          <p:cNvPr id="27" name="Rechteck 26">
+            <a:extLst>
+              <a:ext uri="{FF2B5EF4-FFF2-40B4-BE49-F238E27FC236}">
+                <a16:creationId xmlns:a16="http://schemas.microsoft.com/office/drawing/2014/main" id="{9985B5F1-6752-D174-EC4B-FA016BE70EC4}"/>
+              </a:ext>
+            </a:extLst>
+          </p:cNvPr>
+          <p:cNvSpPr>
+            <a:spLocks noGrp="1" noRot="1" noMove="1" noResize="1" noEditPoints="1" noAdjustHandles="1" noChangeArrowheads="1" noChangeShapeType="1"/>
+          </p:cNvSpPr>
+          <p:nvPr/>
+        </p:nvSpPr>
+        <p:spPr>
+          <a:xfrm>
+            <a:off x="9794685" y="395350"/>
+            <a:ext cx="619505" cy="589714"/>
+          </a:xfrm>
+          <a:prstGeom prst="rect">
+            <a:avLst/>
+          </a:prstGeom>
+          <a:solidFill>
+            <a:schemeClr val="bg1"/>
+          </a:solidFill>
+          <a:ln w="25400">
+            <a:solidFill>
+              <a:schemeClr val="tx1"/>
+            </a:solidFill>
+          </a:ln>
+        </p:spPr>
+        <p:style>
+          <a:lnRef idx="2">
+            <a:schemeClr val="accent1">
+              <a:shade val="15000"/>
+            </a:schemeClr>
+          </a:lnRef>
+          <a:fillRef idx="1">
+            <a:schemeClr val="accent1"/>
+          </a:fillRef>
+          <a:effectRef idx="0">
+            <a:schemeClr val="accent1"/>
+          </a:effectRef>
+          <a:fontRef idx="minor">
+            <a:schemeClr val="lt1"/>
+          </a:fontRef>
+        </p:style>
+        <p:txBody>
+          <a:bodyPr rtlCol="0" anchor="ctr"/>
+          <a:lstStyle/>
+          <a:p>
+            <a:pPr algn="ctr"/>
+            <a:r>
+              <a:rPr lang="en-US" sz="1400" dirty="0">
+                <a:solidFill>
+                  <a:schemeClr val="tx1"/>
+                </a:solidFill>
+              </a:rPr>
+              <a:t>null</a:t>
+            </a:r>
+            <a:endParaRPr lang="de-DE" sz="1400" dirty="0">
+              <a:solidFill>
+                <a:schemeClr val="tx1"/>
+              </a:solidFill>
+            </a:endParaRPr>
+          </a:p>
+        </p:txBody>
+      </p:sp>
+      <p:sp>
+        <p:nvSpPr>
+          <p:cNvPr id="28" name="Rechteck 27">
+            <a:extLst>
+              <a:ext uri="{FF2B5EF4-FFF2-40B4-BE49-F238E27FC236}">
+                <a16:creationId xmlns:a16="http://schemas.microsoft.com/office/drawing/2014/main" id="{508F9137-500B-F490-594A-F95D6F8F90FD}"/>
+              </a:ext>
+            </a:extLst>
+          </p:cNvPr>
+          <p:cNvSpPr>
+            <a:spLocks noGrp="1" noRot="1" noMove="1" noResize="1" noEditPoints="1" noAdjustHandles="1" noChangeArrowheads="1" noChangeShapeType="1"/>
+          </p:cNvSpPr>
+          <p:nvPr/>
+        </p:nvSpPr>
+        <p:spPr>
+          <a:xfrm>
+            <a:off x="7963058" y="403540"/>
+            <a:ext cx="619505" cy="589714"/>
+          </a:xfrm>
+          <a:prstGeom prst="rect">
+            <a:avLst/>
+          </a:prstGeom>
+          <a:solidFill>
+            <a:schemeClr val="bg1"/>
+          </a:solidFill>
+          <a:ln w="25400">
+            <a:solidFill>
+              <a:schemeClr val="tx1"/>
+            </a:solidFill>
+          </a:ln>
+        </p:spPr>
+        <p:style>
+          <a:lnRef idx="2">
+            <a:schemeClr val="accent1">
+              <a:shade val="15000"/>
+            </a:schemeClr>
+          </a:lnRef>
+          <a:fillRef idx="1">
+            <a:schemeClr val="accent1"/>
+          </a:fillRef>
+          <a:effectRef idx="0">
+            <a:schemeClr val="accent1"/>
+          </a:effectRef>
+          <a:fontRef idx="minor">
+            <a:schemeClr val="lt1"/>
+          </a:fontRef>
+        </p:style>
+        <p:txBody>
+          <a:bodyPr rtlCol="0" anchor="ctr"/>
+          <a:lstStyle/>
+          <a:p>
+            <a:pPr algn="ctr"/>
+            <a:r>
+              <a:rPr lang="en-US" dirty="0">
+                <a:solidFill>
+                  <a:schemeClr val="tx1"/>
+                </a:solidFill>
+              </a:rPr>
+              <a:t>2</a:t>
+            </a:r>
+            <a:endParaRPr lang="de-DE" dirty="0">
+              <a:solidFill>
+                <a:schemeClr val="tx1"/>
+              </a:solidFill>
+            </a:endParaRPr>
+          </a:p>
+        </p:txBody>
+      </p:sp>
+      <p:sp>
+        <p:nvSpPr>
+          <p:cNvPr id="29" name="Pfeil: nach rechts 28">
+            <a:extLst>
+              <a:ext uri="{FF2B5EF4-FFF2-40B4-BE49-F238E27FC236}">
+                <a16:creationId xmlns:a16="http://schemas.microsoft.com/office/drawing/2014/main" id="{F61A29EC-1D46-ADFB-03A4-1719FE361F52}"/>
+              </a:ext>
+            </a:extLst>
+          </p:cNvPr>
+          <p:cNvSpPr>
+            <a:spLocks noGrp="1" noRot="1" noMove="1" noResize="1" noEditPoints="1" noAdjustHandles="1" noChangeArrowheads="1" noChangeShapeType="1"/>
+          </p:cNvSpPr>
+          <p:nvPr/>
+        </p:nvSpPr>
+        <p:spPr>
+          <a:xfrm>
+            <a:off x="9563446" y="578613"/>
+            <a:ext cx="231239" cy="223186"/>
+          </a:xfrm>
+          <a:prstGeom prst="rightArrow">
+            <a:avLst/>
+          </a:prstGeom>
+          <a:solidFill>
+            <a:schemeClr val="bg1"/>
+          </a:solidFill>
+          <a:ln w="25400">
+            <a:solidFill>
+              <a:schemeClr val="tx1"/>
+            </a:solidFill>
+          </a:ln>
+        </p:spPr>
+        <p:style>
+          <a:lnRef idx="2">
+            <a:schemeClr val="accent1">
+              <a:shade val="15000"/>
+            </a:schemeClr>
+          </a:lnRef>
+          <a:fillRef idx="1">
+            <a:schemeClr val="accent1"/>
+          </a:fillRef>
+          <a:effectRef idx="0">
+            <a:schemeClr val="accent1"/>
+          </a:effectRef>
+          <a:fontRef idx="minor">
+            <a:schemeClr val="lt1"/>
+          </a:fontRef>
+        </p:style>
+        <p:txBody>
+          <a:bodyPr rtlCol="0" anchor="ctr"/>
+          <a:lstStyle/>
+          <a:p>
+            <a:pPr algn="ctr"/>
+            <a:endParaRPr lang="de-DE" dirty="0"/>
+          </a:p>
+        </p:txBody>
+      </p:sp>
+      <p:sp>
+        <p:nvSpPr>
+          <p:cNvPr id="30" name="Pfeil: nach rechts 29">
+            <a:extLst>
+              <a:ext uri="{FF2B5EF4-FFF2-40B4-BE49-F238E27FC236}">
+                <a16:creationId xmlns:a16="http://schemas.microsoft.com/office/drawing/2014/main" id="{2BD53DAE-EA05-B13A-D3C2-12D3368EC6B0}"/>
+              </a:ext>
+            </a:extLst>
+          </p:cNvPr>
+          <p:cNvSpPr>
+            <a:spLocks noGrp="1" noRot="1" noMove="1" noResize="1" noEditPoints="1" noAdjustHandles="1" noChangeArrowheads="1" noChangeShapeType="1"/>
+          </p:cNvSpPr>
+          <p:nvPr/>
+        </p:nvSpPr>
+        <p:spPr>
+          <a:xfrm>
+            <a:off x="7732205" y="586804"/>
+            <a:ext cx="231239" cy="223186"/>
+          </a:xfrm>
+          <a:prstGeom prst="rightArrow">
+            <a:avLst/>
+          </a:prstGeom>
+          <a:solidFill>
+            <a:schemeClr val="bg1"/>
+          </a:solidFill>
+          <a:ln w="25400">
+            <a:solidFill>
+              <a:schemeClr val="tx1"/>
+            </a:solidFill>
+          </a:ln>
+        </p:spPr>
+        <p:style>
+          <a:lnRef idx="2">
+            <a:schemeClr val="accent1">
+              <a:shade val="15000"/>
+            </a:schemeClr>
+          </a:lnRef>
+          <a:fillRef idx="1">
+            <a:schemeClr val="accent1"/>
+          </a:fillRef>
+          <a:effectRef idx="0">
+            <a:schemeClr val="accent1"/>
+          </a:effectRef>
+          <a:fontRef idx="minor">
+            <a:schemeClr val="lt1"/>
+          </a:fontRef>
+        </p:style>
+        <p:txBody>
+          <a:bodyPr rtlCol="0" anchor="ctr"/>
+          <a:lstStyle/>
+          <a:p>
+            <a:pPr algn="ctr"/>
+            <a:endParaRPr lang="de-DE" dirty="0"/>
+          </a:p>
+        </p:txBody>
+      </p:sp>
+      <p:sp>
+        <p:nvSpPr>
+          <p:cNvPr id="34" name="Textfeld 33">
+            <a:extLst>
+              <a:ext uri="{FF2B5EF4-FFF2-40B4-BE49-F238E27FC236}">
+                <a16:creationId xmlns:a16="http://schemas.microsoft.com/office/drawing/2014/main" id="{FDF07A0C-436D-2DD2-BA2E-6981830728A4}"/>
+              </a:ext>
+            </a:extLst>
+          </p:cNvPr>
+          <p:cNvSpPr txBox="1"/>
+          <p:nvPr/>
+        </p:nvSpPr>
+        <p:spPr>
+          <a:xfrm>
+            <a:off x="5434243" y="0"/>
+            <a:ext cx="880369" cy="369332"/>
+          </a:xfrm>
+          <a:prstGeom prst="rect">
+            <a:avLst/>
+          </a:prstGeom>
+          <a:noFill/>
+        </p:spPr>
+        <p:txBody>
+          <a:bodyPr wrap="none" rtlCol="0">
+            <a:spAutoFit/>
+          </a:bodyPr>
+          <a:lstStyle/>
+          <a:p>
+            <a:r>
+              <a:rPr lang="en-US" b="1" dirty="0">
+                <a:solidFill>
+                  <a:schemeClr val="bg1"/>
+                </a:solidFill>
+              </a:rPr>
+              <a:t>Queue</a:t>
+            </a:r>
+            <a:endParaRPr lang="de-DE" b="1" dirty="0">
+              <a:solidFill>
+                <a:schemeClr val="bg1"/>
+              </a:solidFill>
+            </a:endParaRPr>
+          </a:p>
+        </p:txBody>
+      </p:sp>
+      <p:sp>
+        <p:nvSpPr>
+          <p:cNvPr id="35" name="Textfeld 34">
+            <a:extLst>
+              <a:ext uri="{FF2B5EF4-FFF2-40B4-BE49-F238E27FC236}">
+                <a16:creationId xmlns:a16="http://schemas.microsoft.com/office/drawing/2014/main" id="{C8AFB197-E480-F108-1AE4-AF79126286AD}"/>
+              </a:ext>
+            </a:extLst>
+          </p:cNvPr>
+          <p:cNvSpPr txBox="1"/>
+          <p:nvPr/>
+        </p:nvSpPr>
+        <p:spPr>
+          <a:xfrm>
+            <a:off x="5469256" y="1284912"/>
+            <a:ext cx="662173" cy="369332"/>
+          </a:xfrm>
+          <a:prstGeom prst="rect">
+            <a:avLst/>
+          </a:prstGeom>
+          <a:noFill/>
+        </p:spPr>
+        <p:txBody>
+          <a:bodyPr wrap="square" rtlCol="0">
+            <a:spAutoFit/>
+          </a:bodyPr>
+          <a:lstStyle/>
+          <a:p>
+            <a:r>
+              <a:rPr lang="en-US" b="1" dirty="0">
+                <a:solidFill>
+                  <a:schemeClr val="bg1"/>
+                </a:solidFill>
+              </a:rPr>
+              <a:t>List</a:t>
+            </a:r>
+            <a:endParaRPr lang="de-DE" b="1" dirty="0">
+              <a:solidFill>
+                <a:schemeClr val="bg1"/>
+              </a:solidFill>
+            </a:endParaRPr>
+          </a:p>
+        </p:txBody>
+      </p:sp>
+      <p:cxnSp>
+        <p:nvCxnSpPr>
+          <p:cNvPr id="36" name="Gerader Verbinder 35">
+            <a:extLst>
+              <a:ext uri="{FF2B5EF4-FFF2-40B4-BE49-F238E27FC236}">
+                <a16:creationId xmlns:a16="http://schemas.microsoft.com/office/drawing/2014/main" id="{8BD87AAF-2CFD-B5C6-1042-CA052E989D79}"/>
+              </a:ext>
+            </a:extLst>
+          </p:cNvPr>
+          <p:cNvCxnSpPr>
+            <a:cxnSpLocks noGrp="1" noRot="1" noMove="1" noResize="1" noEditPoints="1" noAdjustHandles="1" noChangeArrowheads="1" noChangeShapeType="1"/>
+          </p:cNvCxnSpPr>
+          <p:nvPr/>
+        </p:nvCxnSpPr>
+        <p:spPr>
+          <a:xfrm flipV="1">
+            <a:off x="10400745" y="2468035"/>
+            <a:ext cx="1212122" cy="8190"/>
+          </a:xfrm>
+          <a:prstGeom prst="line">
+            <a:avLst/>
+          </a:prstGeom>
+          <a:ln w="25400">
+            <a:solidFill>
+              <a:schemeClr val="tx1"/>
+            </a:solidFill>
+          </a:ln>
+        </p:spPr>
+        <p:style>
+          <a:lnRef idx="2">
+            <a:schemeClr val="accent1"/>
+          </a:lnRef>
+          <a:fillRef idx="0">
+            <a:schemeClr val="accent1"/>
+          </a:fillRef>
+          <a:effectRef idx="1">
+            <a:schemeClr val="accent1"/>
+          </a:effectRef>
+          <a:fontRef idx="minor">
+            <a:schemeClr val="tx1"/>
+          </a:fontRef>
+        </p:style>
+      </p:cxnSp>
+      <p:sp>
+        <p:nvSpPr>
+          <p:cNvPr id="37" name="Pfeil: nach rechts 36">
+            <a:extLst>
+              <a:ext uri="{FF2B5EF4-FFF2-40B4-BE49-F238E27FC236}">
+                <a16:creationId xmlns:a16="http://schemas.microsoft.com/office/drawing/2014/main" id="{F0FED3D8-9D4C-F09D-C8FD-40A833428E2C}"/>
+              </a:ext>
+            </a:extLst>
+          </p:cNvPr>
+          <p:cNvSpPr>
+            <a:spLocks noGrp="1" noRot="1" noMove="1" noResize="1" noEditPoints="1" noAdjustHandles="1" noChangeArrowheads="1" noChangeShapeType="1"/>
+          </p:cNvSpPr>
+          <p:nvPr/>
+        </p:nvSpPr>
+        <p:spPr>
+          <a:xfrm>
+            <a:off x="11381628" y="2356442"/>
+            <a:ext cx="231239" cy="223186"/>
+          </a:xfrm>
+          <a:prstGeom prst="rightArrow">
+            <a:avLst/>
+          </a:prstGeom>
+          <a:solidFill>
+            <a:schemeClr val="bg1"/>
+          </a:solidFill>
+          <a:ln w="25400">
+            <a:solidFill>
+              <a:schemeClr val="tx1"/>
+            </a:solidFill>
+          </a:ln>
+        </p:spPr>
+        <p:style>
+          <a:lnRef idx="2">
+            <a:schemeClr val="accent1">
+              <a:shade val="15000"/>
+            </a:schemeClr>
+          </a:lnRef>
+          <a:fillRef idx="1">
+            <a:schemeClr val="accent1"/>
+          </a:fillRef>
+          <a:effectRef idx="0">
+            <a:schemeClr val="accent1"/>
+          </a:effectRef>
+          <a:fontRef idx="minor">
+            <a:schemeClr val="lt1"/>
+          </a:fontRef>
+        </p:style>
+        <p:txBody>
+          <a:bodyPr rtlCol="0" anchor="ctr"/>
+          <a:lstStyle/>
+          <a:p>
+            <a:pPr algn="ctr"/>
+            <a:endParaRPr lang="de-DE" dirty="0"/>
+          </a:p>
+        </p:txBody>
+      </p:sp>
+      <p:cxnSp>
+        <p:nvCxnSpPr>
+          <p:cNvPr id="38" name="Gerader Verbinder 37">
+            <a:extLst>
+              <a:ext uri="{FF2B5EF4-FFF2-40B4-BE49-F238E27FC236}">
+                <a16:creationId xmlns:a16="http://schemas.microsoft.com/office/drawing/2014/main" id="{A1B093B3-F924-87EB-9B31-FFD15BBD3625}"/>
+              </a:ext>
+            </a:extLst>
+          </p:cNvPr>
+          <p:cNvCxnSpPr>
+            <a:cxnSpLocks noGrp="1" noRot="1" noMove="1" noResize="1" noEditPoints="1" noAdjustHandles="1" noChangeArrowheads="1" noChangeShapeType="1"/>
+            <a:stCxn id="40" idx="3"/>
+            <a:endCxn id="42" idx="1"/>
+          </p:cNvCxnSpPr>
+          <p:nvPr/>
+        </p:nvCxnSpPr>
+        <p:spPr>
+          <a:xfrm>
+            <a:off x="6751472" y="5612921"/>
+            <a:ext cx="1212122" cy="0"/>
+          </a:xfrm>
+          <a:prstGeom prst="line">
+            <a:avLst/>
+          </a:prstGeom>
+          <a:ln w="25400">
+            <a:solidFill>
+              <a:schemeClr val="tx1"/>
+            </a:solidFill>
+          </a:ln>
+        </p:spPr>
+        <p:style>
+          <a:lnRef idx="2">
+            <a:schemeClr val="accent1"/>
+          </a:lnRef>
+          <a:fillRef idx="0">
+            <a:schemeClr val="accent1"/>
+          </a:fillRef>
+          <a:effectRef idx="1">
+            <a:schemeClr val="accent1"/>
+          </a:effectRef>
+          <a:fontRef idx="minor">
+            <a:schemeClr val="tx1"/>
+          </a:fontRef>
+        </p:style>
+      </p:cxnSp>
+      <p:cxnSp>
+        <p:nvCxnSpPr>
+          <p:cNvPr id="39" name="Gerader Verbinder 38">
+            <a:extLst>
+              <a:ext uri="{FF2B5EF4-FFF2-40B4-BE49-F238E27FC236}">
+                <a16:creationId xmlns:a16="http://schemas.microsoft.com/office/drawing/2014/main" id="{57E1E8E4-28A6-9346-C8EE-DC1B28DE1DBC}"/>
+              </a:ext>
+            </a:extLst>
+          </p:cNvPr>
+          <p:cNvCxnSpPr>
+            <a:cxnSpLocks noGrp="1" noRot="1" noMove="1" noResize="1" noEditPoints="1" noAdjustHandles="1" noChangeArrowheads="1" noChangeShapeType="1"/>
+            <a:stCxn id="42" idx="3"/>
+            <a:endCxn id="41" idx="1"/>
+          </p:cNvCxnSpPr>
+          <p:nvPr/>
+        </p:nvCxnSpPr>
+        <p:spPr>
+          <a:xfrm flipV="1">
+            <a:off x="8583099" y="5604731"/>
+            <a:ext cx="1212122" cy="8190"/>
+          </a:xfrm>
+          <a:prstGeom prst="line">
+            <a:avLst/>
+          </a:prstGeom>
+          <a:ln w="25400">
+            <a:solidFill>
+              <a:schemeClr val="tx1"/>
+            </a:solidFill>
+          </a:ln>
+        </p:spPr>
+        <p:style>
+          <a:lnRef idx="2">
+            <a:schemeClr val="accent1"/>
+          </a:lnRef>
+          <a:fillRef idx="0">
+            <a:schemeClr val="accent1"/>
+          </a:fillRef>
+          <a:effectRef idx="1">
+            <a:schemeClr val="accent1"/>
+          </a:effectRef>
+          <a:fontRef idx="minor">
+            <a:schemeClr val="tx1"/>
+          </a:fontRef>
+        </p:style>
+      </p:cxnSp>
+      <p:sp>
+        <p:nvSpPr>
+          <p:cNvPr id="40" name="Rechteck 39">
+            <a:extLst>
+              <a:ext uri="{FF2B5EF4-FFF2-40B4-BE49-F238E27FC236}">
+                <a16:creationId xmlns:a16="http://schemas.microsoft.com/office/drawing/2014/main" id="{93CDD770-6271-16AA-C9C0-B1A040119E82}"/>
+              </a:ext>
+            </a:extLst>
+          </p:cNvPr>
+          <p:cNvSpPr>
+            <a:spLocks noGrp="1" noRot="1" noMove="1" noResize="1" noEditPoints="1" noAdjustHandles="1" noChangeArrowheads="1" noChangeShapeType="1"/>
+          </p:cNvSpPr>
+          <p:nvPr/>
+        </p:nvSpPr>
+        <p:spPr>
+          <a:xfrm>
+            <a:off x="6131967" y="5318064"/>
+            <a:ext cx="619505" cy="589714"/>
+          </a:xfrm>
+          <a:prstGeom prst="rect">
+            <a:avLst/>
+          </a:prstGeom>
+          <a:solidFill>
+            <a:schemeClr val="bg1"/>
+          </a:solidFill>
+          <a:ln w="25400">
+            <a:solidFill>
+              <a:schemeClr val="tx1"/>
+            </a:solidFill>
+          </a:ln>
+        </p:spPr>
+        <p:style>
+          <a:lnRef idx="2">
+            <a:schemeClr val="accent1">
+              <a:shade val="15000"/>
+            </a:schemeClr>
+          </a:lnRef>
+          <a:fillRef idx="1">
+            <a:schemeClr val="accent1"/>
+          </a:fillRef>
+          <a:effectRef idx="0">
+            <a:schemeClr val="accent1"/>
+          </a:effectRef>
+          <a:fontRef idx="minor">
+            <a:schemeClr val="lt1"/>
+          </a:fontRef>
+        </p:style>
+        <p:txBody>
+          <a:bodyPr rtlCol="0" anchor="ctr"/>
+          <a:lstStyle/>
+          <a:p>
+            <a:pPr algn="ctr"/>
+            <a:r>
+              <a:rPr lang="en-US" dirty="0">
+                <a:solidFill>
+                  <a:schemeClr val="tx1"/>
+                </a:solidFill>
+              </a:rPr>
+              <a:t>0</a:t>
+            </a:r>
+            <a:endParaRPr lang="de-DE" dirty="0">
+              <a:solidFill>
+                <a:schemeClr val="tx1"/>
+              </a:solidFill>
+            </a:endParaRPr>
+          </a:p>
+        </p:txBody>
+      </p:sp>
+      <p:sp>
+        <p:nvSpPr>
+          <p:cNvPr id="41" name="Rechteck 40">
+            <a:extLst>
+              <a:ext uri="{FF2B5EF4-FFF2-40B4-BE49-F238E27FC236}">
+                <a16:creationId xmlns:a16="http://schemas.microsoft.com/office/drawing/2014/main" id="{7F9B35DD-31ED-B981-DA57-628BFA1941EF}"/>
+              </a:ext>
+            </a:extLst>
+          </p:cNvPr>
+          <p:cNvSpPr>
+            <a:spLocks noGrp="1" noRot="1" noMove="1" noResize="1" noEditPoints="1" noAdjustHandles="1" noChangeArrowheads="1" noChangeShapeType="1"/>
+          </p:cNvSpPr>
+          <p:nvPr/>
+        </p:nvSpPr>
+        <p:spPr>
+          <a:xfrm>
+            <a:off x="9795221" y="5309874"/>
+            <a:ext cx="619505" cy="589714"/>
+          </a:xfrm>
+          <a:prstGeom prst="rect">
+            <a:avLst/>
+          </a:prstGeom>
+          <a:solidFill>
+            <a:schemeClr val="bg1"/>
+          </a:solidFill>
+          <a:ln w="25400">
+            <a:solidFill>
+              <a:schemeClr val="tx1"/>
+            </a:solidFill>
+          </a:ln>
+        </p:spPr>
+        <p:style>
+          <a:lnRef idx="2">
+            <a:schemeClr val="accent1">
+              <a:shade val="15000"/>
+            </a:schemeClr>
+          </a:lnRef>
+          <a:fillRef idx="1">
+            <a:schemeClr val="accent1"/>
+          </a:fillRef>
+          <a:effectRef idx="0">
+            <a:schemeClr val="accent1"/>
+          </a:effectRef>
+          <a:fontRef idx="minor">
+            <a:schemeClr val="lt1"/>
+          </a:fontRef>
+        </p:style>
+        <p:txBody>
+          <a:bodyPr rtlCol="0" anchor="ctr"/>
+          <a:lstStyle/>
+          <a:p>
+            <a:pPr algn="ctr"/>
+            <a:r>
+              <a:rPr lang="en-US" sz="1400" dirty="0">
+                <a:solidFill>
+                  <a:schemeClr val="tx1"/>
+                </a:solidFill>
+              </a:rPr>
+              <a:t>null</a:t>
+            </a:r>
+            <a:endParaRPr lang="de-DE" sz="1400" dirty="0">
+              <a:solidFill>
+                <a:schemeClr val="tx1"/>
+              </a:solidFill>
+            </a:endParaRPr>
+          </a:p>
+        </p:txBody>
+      </p:sp>
+      <p:sp>
+        <p:nvSpPr>
+          <p:cNvPr id="42" name="Rechteck 41">
+            <a:extLst>
+              <a:ext uri="{FF2B5EF4-FFF2-40B4-BE49-F238E27FC236}">
+                <a16:creationId xmlns:a16="http://schemas.microsoft.com/office/drawing/2014/main" id="{BCE88C06-11C4-EFCD-E991-A228C4F1113B}"/>
+              </a:ext>
+            </a:extLst>
+          </p:cNvPr>
+          <p:cNvSpPr>
+            <a:spLocks noGrp="1" noRot="1" noMove="1" noResize="1" noEditPoints="1" noAdjustHandles="1" noChangeArrowheads="1" noChangeShapeType="1"/>
+          </p:cNvSpPr>
+          <p:nvPr/>
+        </p:nvSpPr>
+        <p:spPr>
+          <a:xfrm>
+            <a:off x="7963594" y="5318064"/>
+            <a:ext cx="619505" cy="589714"/>
+          </a:xfrm>
+          <a:prstGeom prst="rect">
+            <a:avLst/>
+          </a:prstGeom>
+          <a:solidFill>
+            <a:schemeClr val="bg1"/>
+          </a:solidFill>
+          <a:ln w="25400">
+            <a:solidFill>
+              <a:schemeClr val="tx1"/>
+            </a:solidFill>
+          </a:ln>
+        </p:spPr>
+        <p:style>
+          <a:lnRef idx="2">
+            <a:schemeClr val="accent1">
+              <a:shade val="15000"/>
+            </a:schemeClr>
+          </a:lnRef>
+          <a:fillRef idx="1">
+            <a:schemeClr val="accent1"/>
+          </a:fillRef>
+          <a:effectRef idx="0">
+            <a:schemeClr val="accent1"/>
+          </a:effectRef>
+          <a:fontRef idx="minor">
+            <a:schemeClr val="lt1"/>
+          </a:fontRef>
+        </p:style>
+        <p:txBody>
+          <a:bodyPr rtlCol="0" anchor="ctr"/>
+          <a:lstStyle/>
+          <a:p>
+            <a:pPr algn="ctr"/>
+            <a:r>
+              <a:rPr lang="en-US" dirty="0">
+                <a:solidFill>
+                  <a:schemeClr val="tx1"/>
+                </a:solidFill>
+              </a:rPr>
+              <a:t>2</a:t>
+            </a:r>
+            <a:endParaRPr lang="de-DE" dirty="0">
+              <a:solidFill>
+                <a:schemeClr val="tx1"/>
+              </a:solidFill>
+            </a:endParaRPr>
+          </a:p>
+        </p:txBody>
+      </p:sp>
+      <p:sp>
+        <p:nvSpPr>
+          <p:cNvPr id="43" name="Pfeil: nach rechts 42">
+            <a:extLst>
+              <a:ext uri="{FF2B5EF4-FFF2-40B4-BE49-F238E27FC236}">
+                <a16:creationId xmlns:a16="http://schemas.microsoft.com/office/drawing/2014/main" id="{0D4D521C-A14C-B46B-368F-D0ADE29BE3AC}"/>
+              </a:ext>
+            </a:extLst>
+          </p:cNvPr>
+          <p:cNvSpPr>
+            <a:spLocks noGrp="1" noRot="1" noMove="1" noResize="1" noEditPoints="1" noAdjustHandles="1" noChangeArrowheads="1" noChangeShapeType="1"/>
+          </p:cNvSpPr>
+          <p:nvPr/>
+        </p:nvSpPr>
+        <p:spPr>
+          <a:xfrm>
+            <a:off x="9563982" y="5493137"/>
+            <a:ext cx="231239" cy="223186"/>
+          </a:xfrm>
+          <a:prstGeom prst="rightArrow">
+            <a:avLst/>
+          </a:prstGeom>
+          <a:solidFill>
+            <a:schemeClr val="bg1"/>
+          </a:solidFill>
+          <a:ln w="25400">
+            <a:solidFill>
+              <a:schemeClr val="tx1"/>
+            </a:solidFill>
+          </a:ln>
+        </p:spPr>
+        <p:style>
+          <a:lnRef idx="2">
+            <a:schemeClr val="accent1">
+              <a:shade val="15000"/>
+            </a:schemeClr>
+          </a:lnRef>
+          <a:fillRef idx="1">
+            <a:schemeClr val="accent1"/>
+          </a:fillRef>
+          <a:effectRef idx="0">
+            <a:schemeClr val="accent1"/>
+          </a:effectRef>
+          <a:fontRef idx="minor">
+            <a:schemeClr val="lt1"/>
+          </a:fontRef>
+        </p:style>
+        <p:txBody>
+          <a:bodyPr rtlCol="0" anchor="ctr"/>
+          <a:lstStyle/>
+          <a:p>
+            <a:pPr algn="ctr"/>
+            <a:endParaRPr lang="de-DE" dirty="0"/>
+          </a:p>
+        </p:txBody>
+      </p:sp>
+      <p:sp>
+        <p:nvSpPr>
+          <p:cNvPr id="44" name="Pfeil: nach rechts 43">
+            <a:extLst>
+              <a:ext uri="{FF2B5EF4-FFF2-40B4-BE49-F238E27FC236}">
+                <a16:creationId xmlns:a16="http://schemas.microsoft.com/office/drawing/2014/main" id="{43ADD92C-0969-C242-E4F6-FB3F023B01D6}"/>
+              </a:ext>
+            </a:extLst>
+          </p:cNvPr>
+          <p:cNvSpPr>
+            <a:spLocks noGrp="1" noRot="1" noMove="1" noResize="1" noEditPoints="1" noAdjustHandles="1" noChangeArrowheads="1" noChangeShapeType="1"/>
+          </p:cNvSpPr>
+          <p:nvPr/>
+        </p:nvSpPr>
+        <p:spPr>
+          <a:xfrm>
+            <a:off x="7732741" y="5501328"/>
+            <a:ext cx="231239" cy="223186"/>
+          </a:xfrm>
+          <a:prstGeom prst="rightArrow">
+            <a:avLst/>
+          </a:prstGeom>
+          <a:solidFill>
+            <a:schemeClr val="bg1"/>
+          </a:solidFill>
+          <a:ln w="25400">
+            <a:solidFill>
+              <a:schemeClr val="tx1"/>
+            </a:solidFill>
+          </a:ln>
+        </p:spPr>
+        <p:style>
+          <a:lnRef idx="2">
+            <a:schemeClr val="accent1">
+              <a:shade val="15000"/>
+            </a:schemeClr>
+          </a:lnRef>
+          <a:fillRef idx="1">
+            <a:schemeClr val="accent1"/>
+          </a:fillRef>
+          <a:effectRef idx="0">
+            <a:schemeClr val="accent1"/>
+          </a:effectRef>
+          <a:fontRef idx="minor">
+            <a:schemeClr val="lt1"/>
+          </a:fontRef>
+        </p:style>
+        <p:txBody>
+          <a:bodyPr rtlCol="0" anchor="ctr"/>
+          <a:lstStyle/>
+          <a:p>
+            <a:pPr algn="ctr"/>
+            <a:endParaRPr lang="de-DE" dirty="0"/>
+          </a:p>
+        </p:txBody>
+      </p:sp>
+      <p:grpSp>
+        <p:nvGrpSpPr>
+          <p:cNvPr id="45" name="Gruppieren 44">
+            <a:extLst>
+              <a:ext uri="{FF2B5EF4-FFF2-40B4-BE49-F238E27FC236}">
+                <a16:creationId xmlns:a16="http://schemas.microsoft.com/office/drawing/2014/main" id="{550302E6-CD3F-CC6E-A60C-C0ABC5209E32}"/>
+              </a:ext>
+            </a:extLst>
+          </p:cNvPr>
+          <p:cNvGrpSpPr>
+            <a:grpSpLocks noGrp="1" noUngrp="1" noRot="1" noMove="1" noResize="1"/>
+          </p:cNvGrpSpPr>
+          <p:nvPr/>
+        </p:nvGrpSpPr>
+        <p:grpSpPr>
+          <a:xfrm>
+            <a:off x="6287899" y="4627701"/>
+            <a:ext cx="309752" cy="647118"/>
+            <a:chOff x="-3502054" y="1723156"/>
+            <a:chExt cx="457200" cy="1003410"/>
+          </a:xfrm>
+        </p:grpSpPr>
+        <p:cxnSp>
+          <p:nvCxnSpPr>
+            <p:cNvPr id="46" name="Gerade Verbindung mit Pfeil 45">
+              <a:extLst>
+                <a:ext uri="{FF2B5EF4-FFF2-40B4-BE49-F238E27FC236}">
+                  <a16:creationId xmlns:a16="http://schemas.microsoft.com/office/drawing/2014/main" id="{616ABF4D-299D-B2D9-8F7B-0F75BB703DDD}"/>
+                </a:ext>
+              </a:extLst>
+            </p:cNvPr>
+            <p:cNvCxnSpPr>
+              <a:cxnSpLocks noGrp="1" noRot="1" noMove="1" noResize="1" noEditPoints="1" noAdjustHandles="1" noChangeArrowheads="1" noChangeShapeType="1"/>
+              <a:stCxn id="47" idx="2"/>
+            </p:cNvCxnSpPr>
+            <p:nvPr/>
+          </p:nvCxnSpPr>
+          <p:spPr>
+            <a:xfrm>
+              <a:off x="-3273445" y="2180358"/>
+              <a:ext cx="0" cy="546208"/>
+            </a:xfrm>
+            <a:prstGeom prst="straightConnector1">
+              <a:avLst/>
+            </a:prstGeom>
+            <a:ln w="31750">
+              <a:solidFill>
+                <a:schemeClr val="tx1"/>
+              </a:solidFill>
+              <a:tailEnd type="triangle"/>
+            </a:ln>
+          </p:spPr>
+          <p:style>
+            <a:lnRef idx="2">
+              <a:schemeClr val="accent1"/>
+            </a:lnRef>
+            <a:fillRef idx="0">
+              <a:schemeClr val="accent1"/>
+            </a:fillRef>
+            <a:effectRef idx="1">
+              <a:schemeClr val="accent1"/>
+            </a:effectRef>
+            <a:fontRef idx="minor">
+              <a:schemeClr val="tx1"/>
+            </a:fontRef>
+          </p:style>
+        </p:cxnSp>
+        <p:sp>
+          <p:nvSpPr>
+            <p:cNvPr id="47" name="Rechteck: abgerundete Ecken 46">
+              <a:extLst>
+                <a:ext uri="{FF2B5EF4-FFF2-40B4-BE49-F238E27FC236}">
+                  <a16:creationId xmlns:a16="http://schemas.microsoft.com/office/drawing/2014/main" id="{4C82E321-57C7-8A26-39BF-D5AC414E4EF7}"/>
+                </a:ext>
+              </a:extLst>
+            </p:cNvPr>
+            <p:cNvSpPr>
+              <a:spLocks noGrp="1" noRot="1" noMove="1" noResize="1" noEditPoints="1" noAdjustHandles="1" noChangeArrowheads="1" noChangeShapeType="1"/>
+            </p:cNvSpPr>
+            <p:nvPr/>
+          </p:nvSpPr>
+          <p:spPr>
+            <a:xfrm>
+              <a:off x="-3502054" y="1723156"/>
+              <a:ext cx="457200" cy="457200"/>
+            </a:xfrm>
+            <a:prstGeom prst="roundRect">
+              <a:avLst/>
+            </a:prstGeom>
+            <a:solidFill>
+              <a:schemeClr val="bg1"/>
+            </a:solidFill>
+            <a:ln w="25400">
+              <a:solidFill>
+                <a:schemeClr val="tx1"/>
+              </a:solidFill>
+            </a:ln>
+          </p:spPr>
+          <p:style>
+            <a:lnRef idx="2">
+              <a:schemeClr val="accent1">
+                <a:shade val="15000"/>
+              </a:schemeClr>
+            </a:lnRef>
+            <a:fillRef idx="1">
+              <a:schemeClr val="accent1"/>
+            </a:fillRef>
+            <a:effectRef idx="0">
+              <a:schemeClr val="accent1"/>
+            </a:effectRef>
+            <a:fontRef idx="minor">
+              <a:schemeClr val="lt1"/>
+            </a:fontRef>
+          </p:style>
+          <p:txBody>
+            <a:bodyPr rtlCol="0" anchor="ctr"/>
+            <a:lstStyle/>
+            <a:p>
+              <a:pPr algn="ctr"/>
+              <a:r>
+                <a:rPr lang="en-US" sz="500" dirty="0">
+                  <a:solidFill>
+                    <a:schemeClr val="tx1"/>
+                  </a:solidFill>
+                </a:rPr>
+                <a:t>it</a:t>
+              </a:r>
+              <a:endParaRPr lang="de-DE" sz="500" dirty="0">
+                <a:solidFill>
+                  <a:schemeClr val="tx1"/>
+                </a:solidFill>
+              </a:endParaRPr>
+            </a:p>
+          </p:txBody>
+        </p:sp>
+      </p:grpSp>
+      <p:cxnSp>
+        <p:nvCxnSpPr>
+          <p:cNvPr id="48" name="Gerader Verbinder 47">
+            <a:extLst>
+              <a:ext uri="{FF2B5EF4-FFF2-40B4-BE49-F238E27FC236}">
+                <a16:creationId xmlns:a16="http://schemas.microsoft.com/office/drawing/2014/main" id="{2696F0D8-72E1-0D84-B983-490861B4FDAD}"/>
+              </a:ext>
+            </a:extLst>
+          </p:cNvPr>
+          <p:cNvCxnSpPr>
+            <a:cxnSpLocks noGrp="1" noRot="1" noMove="1" noResize="1" noEditPoints="1" noAdjustHandles="1" noChangeArrowheads="1" noChangeShapeType="1"/>
+            <a:stCxn id="50" idx="3"/>
+            <a:endCxn id="52" idx="1"/>
+          </p:cNvCxnSpPr>
+          <p:nvPr/>
+        </p:nvCxnSpPr>
+        <p:spPr>
+          <a:xfrm flipV="1">
+            <a:off x="6734275" y="3826902"/>
+            <a:ext cx="1229320" cy="13332"/>
+          </a:xfrm>
+          <a:prstGeom prst="line">
+            <a:avLst/>
+          </a:prstGeom>
+          <a:ln w="25400">
+            <a:solidFill>
+              <a:schemeClr val="tx1"/>
+            </a:solidFill>
+          </a:ln>
+        </p:spPr>
+        <p:style>
+          <a:lnRef idx="2">
+            <a:schemeClr val="accent1"/>
+          </a:lnRef>
+          <a:fillRef idx="0">
+            <a:schemeClr val="accent1"/>
+          </a:fillRef>
+          <a:effectRef idx="1">
+            <a:schemeClr val="accent1"/>
+          </a:effectRef>
+          <a:fontRef idx="minor">
+            <a:schemeClr val="tx1"/>
+          </a:fontRef>
+        </p:style>
+      </p:cxnSp>
+      <p:cxnSp>
+        <p:nvCxnSpPr>
+          <p:cNvPr id="49" name="Gerader Verbinder 48">
+            <a:extLst>
+              <a:ext uri="{FF2B5EF4-FFF2-40B4-BE49-F238E27FC236}">
+                <a16:creationId xmlns:a16="http://schemas.microsoft.com/office/drawing/2014/main" id="{985FEB57-57F2-4E3E-B566-04B704E5C968}"/>
+              </a:ext>
+            </a:extLst>
+          </p:cNvPr>
+          <p:cNvCxnSpPr>
+            <a:cxnSpLocks noGrp="1" noRot="1" noMove="1" noResize="1" noEditPoints="1" noAdjustHandles="1" noChangeArrowheads="1" noChangeShapeType="1"/>
+            <a:stCxn id="52" idx="3"/>
+            <a:endCxn id="51" idx="1"/>
+          </p:cNvCxnSpPr>
+          <p:nvPr/>
+        </p:nvCxnSpPr>
+        <p:spPr>
+          <a:xfrm flipV="1">
+            <a:off x="8583100" y="3818712"/>
+            <a:ext cx="1212122" cy="8190"/>
+          </a:xfrm>
+          <a:prstGeom prst="line">
+            <a:avLst/>
+          </a:prstGeom>
+          <a:ln w="25400">
+            <a:solidFill>
+              <a:schemeClr val="tx1"/>
+            </a:solidFill>
+          </a:ln>
+        </p:spPr>
+        <p:style>
+          <a:lnRef idx="2">
+            <a:schemeClr val="accent1"/>
+          </a:lnRef>
+          <a:fillRef idx="0">
+            <a:schemeClr val="accent1"/>
+          </a:fillRef>
+          <a:effectRef idx="1">
+            <a:schemeClr val="accent1"/>
+          </a:effectRef>
+          <a:fontRef idx="minor">
+            <a:schemeClr val="tx1"/>
+          </a:fontRef>
+        </p:style>
+      </p:cxnSp>
+      <p:sp>
+        <p:nvSpPr>
+          <p:cNvPr id="50" name="Rechteck 49">
+            <a:extLst>
+              <a:ext uri="{FF2B5EF4-FFF2-40B4-BE49-F238E27FC236}">
+                <a16:creationId xmlns:a16="http://schemas.microsoft.com/office/drawing/2014/main" id="{8C88ACED-2428-C392-0240-27B242CF0E49}"/>
+              </a:ext>
+            </a:extLst>
+          </p:cNvPr>
+          <p:cNvSpPr>
+            <a:spLocks noGrp="1" noRot="1" noMove="1" noResize="1" noEditPoints="1" noAdjustHandles="1" noChangeArrowheads="1" noChangeShapeType="1"/>
+          </p:cNvSpPr>
+          <p:nvPr/>
+        </p:nvSpPr>
+        <p:spPr>
+          <a:xfrm>
+            <a:off x="6114770" y="3545377"/>
+            <a:ext cx="619505" cy="589714"/>
+          </a:xfrm>
+          <a:prstGeom prst="rect">
+            <a:avLst/>
+          </a:prstGeom>
+          <a:solidFill>
+            <a:schemeClr val="bg1"/>
+          </a:solidFill>
+          <a:ln w="57150">
+            <a:solidFill>
+              <a:srgbClr val="C00000"/>
+            </a:solidFill>
+          </a:ln>
+        </p:spPr>
+        <p:style>
+          <a:lnRef idx="2">
+            <a:schemeClr val="accent1">
+              <a:shade val="15000"/>
+            </a:schemeClr>
+          </a:lnRef>
+          <a:fillRef idx="1">
+            <a:schemeClr val="accent1"/>
+          </a:fillRef>
+          <a:effectRef idx="0">
+            <a:schemeClr val="accent1"/>
+          </a:effectRef>
+          <a:fontRef idx="minor">
+            <a:schemeClr val="lt1"/>
+          </a:fontRef>
+        </p:style>
+        <p:txBody>
+          <a:bodyPr rtlCol="0" anchor="ctr"/>
+          <a:lstStyle/>
+          <a:p>
+            <a:pPr algn="ctr"/>
+            <a:r>
+              <a:rPr lang="en-US" dirty="0">
+                <a:solidFill>
+                  <a:schemeClr val="tx1"/>
+                </a:solidFill>
+              </a:rPr>
+              <a:t>1</a:t>
+            </a:r>
+            <a:endParaRPr lang="de-DE" dirty="0">
+              <a:solidFill>
+                <a:schemeClr val="tx1"/>
+              </a:solidFill>
+            </a:endParaRPr>
+          </a:p>
+        </p:txBody>
+      </p:sp>
+      <p:sp>
+        <p:nvSpPr>
+          <p:cNvPr id="51" name="Rechteck 50">
+            <a:extLst>
+              <a:ext uri="{FF2B5EF4-FFF2-40B4-BE49-F238E27FC236}">
+                <a16:creationId xmlns:a16="http://schemas.microsoft.com/office/drawing/2014/main" id="{424A4A81-6497-3EA4-EE85-B2CE9973493A}"/>
+              </a:ext>
+            </a:extLst>
+          </p:cNvPr>
+          <p:cNvSpPr>
+            <a:spLocks noGrp="1" noRot="1" noMove="1" noResize="1" noEditPoints="1" noAdjustHandles="1" noChangeArrowheads="1" noChangeShapeType="1"/>
+          </p:cNvSpPr>
+          <p:nvPr/>
+        </p:nvSpPr>
+        <p:spPr>
+          <a:xfrm>
+            <a:off x="9795222" y="3523855"/>
+            <a:ext cx="619505" cy="589714"/>
+          </a:xfrm>
+          <a:prstGeom prst="rect">
+            <a:avLst/>
+          </a:prstGeom>
+          <a:solidFill>
+            <a:schemeClr val="bg1"/>
+          </a:solidFill>
+          <a:ln w="25400">
+            <a:solidFill>
+              <a:schemeClr val="tx1"/>
+            </a:solidFill>
+          </a:ln>
+        </p:spPr>
+        <p:style>
+          <a:lnRef idx="2">
+            <a:schemeClr val="accent1">
+              <a:shade val="15000"/>
+            </a:schemeClr>
+          </a:lnRef>
+          <a:fillRef idx="1">
+            <a:schemeClr val="accent1"/>
+          </a:fillRef>
+          <a:effectRef idx="0">
+            <a:schemeClr val="accent1"/>
+          </a:effectRef>
+          <a:fontRef idx="minor">
+            <a:schemeClr val="lt1"/>
+          </a:fontRef>
+        </p:style>
+        <p:txBody>
+          <a:bodyPr rtlCol="0" anchor="ctr"/>
+          <a:lstStyle/>
+          <a:p>
+            <a:pPr algn="ctr"/>
+            <a:r>
+              <a:rPr lang="en-US" sz="1400" dirty="0">
+                <a:solidFill>
+                  <a:schemeClr val="tx1"/>
+                </a:solidFill>
+              </a:rPr>
+              <a:t>null</a:t>
+            </a:r>
+            <a:endParaRPr lang="de-DE" sz="1400" dirty="0">
+              <a:solidFill>
+                <a:schemeClr val="tx1"/>
+              </a:solidFill>
+            </a:endParaRPr>
+          </a:p>
+        </p:txBody>
+      </p:sp>
+      <p:sp>
+        <p:nvSpPr>
+          <p:cNvPr id="52" name="Rechteck 51">
+            <a:extLst>
+              <a:ext uri="{FF2B5EF4-FFF2-40B4-BE49-F238E27FC236}">
+                <a16:creationId xmlns:a16="http://schemas.microsoft.com/office/drawing/2014/main" id="{51F56D54-9E85-01DE-0577-2D2E725B23D4}"/>
+              </a:ext>
+            </a:extLst>
+          </p:cNvPr>
+          <p:cNvSpPr>
+            <a:spLocks noGrp="1" noRot="1" noMove="1" noResize="1" noEditPoints="1" noAdjustHandles="1" noChangeArrowheads="1" noChangeShapeType="1"/>
+          </p:cNvSpPr>
+          <p:nvPr/>
+        </p:nvSpPr>
+        <p:spPr>
+          <a:xfrm>
+            <a:off x="7963595" y="3532045"/>
+            <a:ext cx="619505" cy="589714"/>
+          </a:xfrm>
+          <a:prstGeom prst="rect">
+            <a:avLst/>
+          </a:prstGeom>
+          <a:solidFill>
+            <a:schemeClr val="bg1"/>
+          </a:solidFill>
+          <a:ln w="25400">
+            <a:solidFill>
+              <a:schemeClr val="tx1"/>
+            </a:solidFill>
+          </a:ln>
+        </p:spPr>
+        <p:style>
+          <a:lnRef idx="2">
+            <a:schemeClr val="accent1">
+              <a:shade val="15000"/>
+            </a:schemeClr>
+          </a:lnRef>
+          <a:fillRef idx="1">
+            <a:schemeClr val="accent1"/>
+          </a:fillRef>
+          <a:effectRef idx="0">
+            <a:schemeClr val="accent1"/>
+          </a:effectRef>
+          <a:fontRef idx="minor">
+            <a:schemeClr val="lt1"/>
+          </a:fontRef>
+        </p:style>
+        <p:txBody>
+          <a:bodyPr rtlCol="0" anchor="ctr"/>
+          <a:lstStyle/>
+          <a:p>
+            <a:pPr algn="ctr"/>
+            <a:r>
+              <a:rPr lang="en-US" dirty="0">
+                <a:solidFill>
+                  <a:schemeClr val="tx1"/>
+                </a:solidFill>
+              </a:rPr>
+              <a:t>2</a:t>
+            </a:r>
+            <a:endParaRPr lang="de-DE" dirty="0">
+              <a:solidFill>
+                <a:schemeClr val="tx1"/>
+              </a:solidFill>
+            </a:endParaRPr>
+          </a:p>
+        </p:txBody>
+      </p:sp>
+      <p:sp>
+        <p:nvSpPr>
+          <p:cNvPr id="53" name="Pfeil: nach rechts 52">
+            <a:extLst>
+              <a:ext uri="{FF2B5EF4-FFF2-40B4-BE49-F238E27FC236}">
+                <a16:creationId xmlns:a16="http://schemas.microsoft.com/office/drawing/2014/main" id="{F7B9F9A0-91C1-4DBA-A057-62ECEFCA37C0}"/>
+              </a:ext>
+            </a:extLst>
+          </p:cNvPr>
+          <p:cNvSpPr>
+            <a:spLocks noGrp="1" noRot="1" noMove="1" noResize="1" noEditPoints="1" noAdjustHandles="1" noChangeArrowheads="1" noChangeShapeType="1"/>
+          </p:cNvSpPr>
+          <p:nvPr/>
+        </p:nvSpPr>
+        <p:spPr>
+          <a:xfrm>
+            <a:off x="9563983" y="3707118"/>
+            <a:ext cx="231239" cy="223186"/>
+          </a:xfrm>
+          <a:prstGeom prst="rightArrow">
+            <a:avLst/>
+          </a:prstGeom>
+          <a:solidFill>
+            <a:schemeClr val="bg1"/>
+          </a:solidFill>
+          <a:ln w="25400">
+            <a:solidFill>
+              <a:schemeClr val="tx1"/>
+            </a:solidFill>
+          </a:ln>
+        </p:spPr>
+        <p:style>
+          <a:lnRef idx="2">
+            <a:schemeClr val="accent1">
+              <a:shade val="15000"/>
+            </a:schemeClr>
+          </a:lnRef>
+          <a:fillRef idx="1">
+            <a:schemeClr val="accent1"/>
+          </a:fillRef>
+          <a:effectRef idx="0">
+            <a:schemeClr val="accent1"/>
+          </a:effectRef>
+          <a:fontRef idx="minor">
+            <a:schemeClr val="lt1"/>
+          </a:fontRef>
+        </p:style>
+        <p:txBody>
+          <a:bodyPr rtlCol="0" anchor="ctr"/>
+          <a:lstStyle/>
+          <a:p>
+            <a:pPr algn="ctr"/>
+            <a:endParaRPr lang="de-DE" dirty="0"/>
+          </a:p>
+        </p:txBody>
+      </p:sp>
+      <p:sp>
+        <p:nvSpPr>
+          <p:cNvPr id="54" name="Pfeil: nach rechts 53">
+            <a:extLst>
+              <a:ext uri="{FF2B5EF4-FFF2-40B4-BE49-F238E27FC236}">
+                <a16:creationId xmlns:a16="http://schemas.microsoft.com/office/drawing/2014/main" id="{9613FAE0-631A-AF50-DF79-FFB41BD7391C}"/>
+              </a:ext>
+            </a:extLst>
+          </p:cNvPr>
+          <p:cNvSpPr>
+            <a:spLocks noGrp="1" noRot="1" noMove="1" noResize="1" noEditPoints="1" noAdjustHandles="1" noChangeArrowheads="1" noChangeShapeType="1"/>
+          </p:cNvSpPr>
+          <p:nvPr/>
+        </p:nvSpPr>
+        <p:spPr>
+          <a:xfrm>
+            <a:off x="7732742" y="3715309"/>
+            <a:ext cx="231239" cy="223186"/>
+          </a:xfrm>
+          <a:prstGeom prst="rightArrow">
+            <a:avLst/>
+          </a:prstGeom>
+          <a:solidFill>
+            <a:schemeClr val="bg1"/>
+          </a:solidFill>
+          <a:ln w="25400">
+            <a:solidFill>
+              <a:schemeClr val="tx1"/>
+            </a:solidFill>
+          </a:ln>
+        </p:spPr>
+        <p:style>
+          <a:lnRef idx="2">
+            <a:schemeClr val="accent1">
+              <a:shade val="15000"/>
+            </a:schemeClr>
+          </a:lnRef>
+          <a:fillRef idx="1">
+            <a:schemeClr val="accent1"/>
+          </a:fillRef>
+          <a:effectRef idx="0">
+            <a:schemeClr val="accent1"/>
+          </a:effectRef>
+          <a:fontRef idx="minor">
+            <a:schemeClr val="lt1"/>
+          </a:fontRef>
+        </p:style>
+        <p:txBody>
+          <a:bodyPr rtlCol="0" anchor="ctr"/>
+          <a:lstStyle/>
+          <a:p>
+            <a:pPr algn="ctr"/>
+            <a:endParaRPr lang="de-DE" dirty="0"/>
+          </a:p>
+        </p:txBody>
+      </p:sp>
+      <p:cxnSp>
+        <p:nvCxnSpPr>
+          <p:cNvPr id="55" name="Gerader Verbinder 54">
+            <a:extLst>
+              <a:ext uri="{FF2B5EF4-FFF2-40B4-BE49-F238E27FC236}">
+                <a16:creationId xmlns:a16="http://schemas.microsoft.com/office/drawing/2014/main" id="{828A711C-9039-2CB0-AC44-93D14F96169F}"/>
+              </a:ext>
+            </a:extLst>
+          </p:cNvPr>
+          <p:cNvCxnSpPr>
+            <a:cxnSpLocks noGrp="1" noRot="1" noMove="1" noResize="1" noEditPoints="1" noAdjustHandles="1" noChangeArrowheads="1" noChangeShapeType="1"/>
+          </p:cNvCxnSpPr>
+          <p:nvPr/>
+        </p:nvCxnSpPr>
+        <p:spPr>
+          <a:xfrm flipV="1">
+            <a:off x="10401282" y="5596540"/>
+            <a:ext cx="1212122" cy="8190"/>
+          </a:xfrm>
+          <a:prstGeom prst="line">
+            <a:avLst/>
+          </a:prstGeom>
+          <a:ln w="25400">
+            <a:solidFill>
+              <a:schemeClr val="tx1"/>
+            </a:solidFill>
+          </a:ln>
+        </p:spPr>
+        <p:style>
+          <a:lnRef idx="2">
+            <a:schemeClr val="accent1"/>
+          </a:lnRef>
+          <a:fillRef idx="0">
+            <a:schemeClr val="accent1"/>
+          </a:fillRef>
+          <a:effectRef idx="1">
+            <a:schemeClr val="accent1"/>
+          </a:effectRef>
+          <a:fontRef idx="minor">
+            <a:schemeClr val="tx1"/>
+          </a:fontRef>
+        </p:style>
+      </p:cxnSp>
+      <p:sp>
+        <p:nvSpPr>
+          <p:cNvPr id="56" name="Pfeil: nach rechts 55">
+            <a:extLst>
+              <a:ext uri="{FF2B5EF4-FFF2-40B4-BE49-F238E27FC236}">
+                <a16:creationId xmlns:a16="http://schemas.microsoft.com/office/drawing/2014/main" id="{39836367-4F49-0FBD-4A7F-A9E10F8AED51}"/>
+              </a:ext>
+            </a:extLst>
+          </p:cNvPr>
+          <p:cNvSpPr>
+            <a:spLocks noGrp="1" noRot="1" noMove="1" noResize="1" noEditPoints="1" noAdjustHandles="1" noChangeArrowheads="1" noChangeShapeType="1"/>
+          </p:cNvSpPr>
+          <p:nvPr/>
+        </p:nvSpPr>
+        <p:spPr>
+          <a:xfrm>
+            <a:off x="11382165" y="5484947"/>
+            <a:ext cx="231239" cy="223186"/>
+          </a:xfrm>
+          <a:prstGeom prst="rightArrow">
+            <a:avLst/>
+          </a:prstGeom>
+          <a:solidFill>
+            <a:schemeClr val="bg1"/>
+          </a:solidFill>
+          <a:ln w="25400">
+            <a:solidFill>
+              <a:schemeClr val="tx1"/>
+            </a:solidFill>
+          </a:ln>
+        </p:spPr>
+        <p:style>
+          <a:lnRef idx="2">
+            <a:schemeClr val="accent1">
+              <a:shade val="15000"/>
+            </a:schemeClr>
+          </a:lnRef>
+          <a:fillRef idx="1">
+            <a:schemeClr val="accent1"/>
+          </a:fillRef>
+          <a:effectRef idx="0">
+            <a:schemeClr val="accent1"/>
+          </a:effectRef>
+          <a:fontRef idx="minor">
+            <a:schemeClr val="lt1"/>
+          </a:fontRef>
+        </p:style>
+        <p:txBody>
+          <a:bodyPr rtlCol="0" anchor="ctr"/>
+          <a:lstStyle/>
+          <a:p>
+            <a:pPr algn="ctr"/>
+            <a:endParaRPr lang="de-DE" dirty="0"/>
+          </a:p>
+        </p:txBody>
+      </p:sp>
+      <p:sp>
+        <p:nvSpPr>
+          <p:cNvPr id="59" name="Textfeld 58">
+            <a:extLst>
+              <a:ext uri="{FF2B5EF4-FFF2-40B4-BE49-F238E27FC236}">
+                <a16:creationId xmlns:a16="http://schemas.microsoft.com/office/drawing/2014/main" id="{40F8E075-3952-1A9C-5244-2DB31284D032}"/>
+              </a:ext>
+            </a:extLst>
+          </p:cNvPr>
+          <p:cNvSpPr txBox="1"/>
+          <p:nvPr/>
+        </p:nvSpPr>
+        <p:spPr>
+          <a:xfrm>
+            <a:off x="5484165" y="3081022"/>
+            <a:ext cx="880369" cy="369332"/>
+          </a:xfrm>
+          <a:prstGeom prst="rect">
+            <a:avLst/>
+          </a:prstGeom>
+          <a:noFill/>
+        </p:spPr>
+        <p:txBody>
+          <a:bodyPr wrap="none" rtlCol="0">
+            <a:spAutoFit/>
+          </a:bodyPr>
+          <a:lstStyle/>
+          <a:p>
+            <a:r>
+              <a:rPr lang="en-US" b="1" dirty="0">
+                <a:solidFill>
+                  <a:schemeClr val="bg1"/>
+                </a:solidFill>
+              </a:rPr>
+              <a:t>Queue</a:t>
+            </a:r>
+            <a:endParaRPr lang="de-DE" b="1" dirty="0">
+              <a:solidFill>
+                <a:schemeClr val="bg1"/>
+              </a:solidFill>
+            </a:endParaRPr>
+          </a:p>
+        </p:txBody>
+      </p:sp>
+      <p:sp>
+        <p:nvSpPr>
+          <p:cNvPr id="60" name="Textfeld 59">
+            <a:extLst>
+              <a:ext uri="{FF2B5EF4-FFF2-40B4-BE49-F238E27FC236}">
+                <a16:creationId xmlns:a16="http://schemas.microsoft.com/office/drawing/2014/main" id="{AEC4244B-5076-D1A7-54EF-31EFD063C617}"/>
+              </a:ext>
+            </a:extLst>
+          </p:cNvPr>
+          <p:cNvSpPr txBox="1"/>
+          <p:nvPr/>
+        </p:nvSpPr>
+        <p:spPr>
+          <a:xfrm>
+            <a:off x="5511676" y="4345931"/>
+            <a:ext cx="662173" cy="369332"/>
+          </a:xfrm>
+          <a:prstGeom prst="rect">
+            <a:avLst/>
+          </a:prstGeom>
+          <a:noFill/>
+        </p:spPr>
+        <p:txBody>
+          <a:bodyPr wrap="square" rtlCol="0">
+            <a:spAutoFit/>
+          </a:bodyPr>
+          <a:lstStyle/>
+          <a:p>
+            <a:r>
+              <a:rPr lang="en-US" b="1" dirty="0">
+                <a:solidFill>
+                  <a:schemeClr val="bg1"/>
+                </a:solidFill>
+              </a:rPr>
+              <a:t>List</a:t>
+            </a:r>
+            <a:endParaRPr lang="de-DE" b="1" dirty="0">
+              <a:solidFill>
+                <a:schemeClr val="bg1"/>
+              </a:solidFill>
+            </a:endParaRPr>
+          </a:p>
+        </p:txBody>
+      </p:sp>
+      <p:grpSp>
+        <p:nvGrpSpPr>
+          <p:cNvPr id="63" name="Gruppieren 62">
+            <a:extLst>
+              <a:ext uri="{FF2B5EF4-FFF2-40B4-BE49-F238E27FC236}">
+                <a16:creationId xmlns:a16="http://schemas.microsoft.com/office/drawing/2014/main" id="{7F4E1DBB-DF8D-A9E9-87AB-2224EC88A005}"/>
+              </a:ext>
+            </a:extLst>
+          </p:cNvPr>
+          <p:cNvGrpSpPr/>
+          <p:nvPr/>
+        </p:nvGrpSpPr>
+        <p:grpSpPr>
+          <a:xfrm>
+            <a:off x="5515176" y="0"/>
+            <a:ext cx="6686506" cy="6858000"/>
+            <a:chOff x="5505494" y="0"/>
+            <a:chExt cx="6686506" cy="6858000"/>
+          </a:xfrm>
+        </p:grpSpPr>
+        <p:sp>
+          <p:nvSpPr>
+            <p:cNvPr id="61" name="Rechteck 60">
+              <a:extLst>
+                <a:ext uri="{FF2B5EF4-FFF2-40B4-BE49-F238E27FC236}">
+                  <a16:creationId xmlns:a16="http://schemas.microsoft.com/office/drawing/2014/main" id="{B6B59C82-F4D7-4238-2052-7EE26D3739EE}"/>
+                </a:ext>
+              </a:extLst>
+            </p:cNvPr>
+            <p:cNvSpPr/>
+            <p:nvPr/>
+          </p:nvSpPr>
+          <p:spPr>
+            <a:xfrm>
+              <a:off x="5505494" y="0"/>
+              <a:ext cx="6686506" cy="6858000"/>
+            </a:xfrm>
+            <a:prstGeom prst="rect">
+              <a:avLst/>
+            </a:prstGeom>
+            <a:solidFill>
+              <a:schemeClr val="bg1">
+                <a:lumMod val="65000"/>
+              </a:schemeClr>
+            </a:solidFill>
+            <a:ln w="25400">
+              <a:solidFill>
+                <a:schemeClr val="bg1"/>
+              </a:solidFill>
+            </a:ln>
+          </p:spPr>
+          <p:style>
+            <a:lnRef idx="2">
+              <a:schemeClr val="accent1">
+                <a:shade val="15000"/>
+              </a:schemeClr>
+            </a:lnRef>
+            <a:fillRef idx="1">
+              <a:schemeClr val="accent1"/>
+            </a:fillRef>
+            <a:effectRef idx="0">
+              <a:schemeClr val="accent1"/>
+            </a:effectRef>
+            <a:fontRef idx="minor">
+              <a:schemeClr val="lt1"/>
+            </a:fontRef>
+          </p:style>
+          <p:txBody>
+            <a:bodyPr rtlCol="0" anchor="ctr"/>
+            <a:lstStyle/>
+            <a:p>
+              <a:pPr algn="ctr"/>
+              <a:endParaRPr lang="de-DE" dirty="0"/>
+            </a:p>
+          </p:txBody>
+        </p:sp>
+        <p:sp>
+          <p:nvSpPr>
+            <p:cNvPr id="62" name="Textfeld 61">
+              <a:extLst>
+                <a:ext uri="{FF2B5EF4-FFF2-40B4-BE49-F238E27FC236}">
+                  <a16:creationId xmlns:a16="http://schemas.microsoft.com/office/drawing/2014/main" id="{65B1AABA-CE4E-94DD-8B9E-AE732DE42ADC}"/>
+                </a:ext>
+              </a:extLst>
+            </p:cNvPr>
+            <p:cNvSpPr txBox="1"/>
+            <p:nvPr/>
+          </p:nvSpPr>
+          <p:spPr>
+            <a:xfrm>
+              <a:off x="5505494" y="58855"/>
+              <a:ext cx="1442976" cy="369332"/>
+            </a:xfrm>
+            <a:prstGeom prst="rect">
+              <a:avLst/>
+            </a:prstGeom>
+            <a:noFill/>
+          </p:spPr>
+          <p:txBody>
+            <a:bodyPr wrap="square" rtlCol="0">
+              <a:spAutoFit/>
+            </a:bodyPr>
+            <a:lstStyle/>
+            <a:p>
+              <a:r>
+                <a:rPr lang="en-US" dirty="0" err="1"/>
+                <a:t>Unsere</a:t>
+              </a:r>
+              <a:r>
+                <a:rPr lang="en-US" dirty="0"/>
+                <a:t> Idee</a:t>
+              </a:r>
+              <a:endParaRPr lang="de-DE" dirty="0"/>
+            </a:p>
+          </p:txBody>
+        </p:sp>
+      </p:grpSp>
+    </p:spTree>
+    <p:extLst>
+      <p:ext uri="{BB962C8B-B14F-4D97-AF65-F5344CB8AC3E}">
+        <p14:creationId xmlns:p14="http://schemas.microsoft.com/office/powerpoint/2010/main" val="1453039155"/>
+      </p:ext>
+    </p:extLst>
+  </p:cSld>
+  <p:clrMapOvr>
+    <a:masterClrMapping/>
+  </p:clrMapOvr>
+  <p:transition spd="slow">
+    <p:cover/>
+  </p:transition>
+  <p:timing>
+    <p:tnLst>
+      <p:par>
+        <p:cTn id="1" dur="indefinite" restart="never" nodeType="tmRoot">
+          <p:childTnLst>
+            <p:seq concurrent="1" nextAc="seek">
+              <p:cTn id="2" dur="indefinite" nodeType="mainSeq">
+                <p:childTnLst>
+                  <p:par>
+                    <p:cTn id="3" fill="hold">
+                      <p:stCondLst>
+                        <p:cond delay="indefinite"/>
+                      </p:stCondLst>
+                      <p:childTnLst>
+                        <p:par>
+                          <p:cTn id="4" fill="hold">
+                            <p:stCondLst>
+                              <p:cond delay="0"/>
+                            </p:stCondLst>
+                            <p:childTnLst>
+                              <p:par>
+                                <p:cTn id="5" presetID="22" presetClass="entr" presetSubtype="8" fill="hold" nodeType="clickEffect">
+                                  <p:stCondLst>
+                                    <p:cond delay="0"/>
+                                  </p:stCondLst>
+                                  <p:childTnLst>
+                                    <p:set>
+                                      <p:cBhvr>
+                                        <p:cTn id="6" dur="1" fill="hold">
+                                          <p:stCondLst>
+                                            <p:cond delay="0"/>
+                                          </p:stCondLst>
+                                        </p:cTn>
+                                        <p:tgtEl>
+                                          <p:spTgt spid="4"/>
+                                        </p:tgtEl>
+                                        <p:attrNameLst>
+                                          <p:attrName>style.visibility</p:attrName>
+                                        </p:attrNameLst>
+                                      </p:cBhvr>
+                                      <p:to>
+                                        <p:strVal val="visible"/>
+                                      </p:to>
+                                    </p:set>
+                                    <p:animEffect transition="in" filter="wipe(left)">
+                                      <p:cBhvr>
+                                        <p:cTn id="7" dur="500"/>
+                                        <p:tgtEl>
+                                          <p:spTgt spid="4"/>
+                                        </p:tgtEl>
+                                      </p:cBhvr>
+                                    </p:animEffect>
+                                  </p:childTnLst>
+                                </p:cTn>
+                              </p:par>
+                            </p:childTnLst>
+                          </p:cTn>
+                        </p:par>
+                      </p:childTnLst>
+                    </p:cTn>
+                  </p:par>
+                  <p:par>
+                    <p:cTn id="8" fill="hold">
+                      <p:stCondLst>
+                        <p:cond delay="indefinite"/>
+                      </p:stCondLst>
+                      <p:childTnLst>
+                        <p:par>
+                          <p:cTn id="9" fill="hold">
+                            <p:stCondLst>
+                              <p:cond delay="0"/>
+                            </p:stCondLst>
+                            <p:childTnLst>
+                              <p:par>
+                                <p:cTn id="10" presetID="42" presetClass="path" presetSubtype="0" accel="50000" decel="50000" fill="hold" nodeType="clickEffect">
+                                  <p:stCondLst>
+                                    <p:cond delay="0"/>
+                                  </p:stCondLst>
+                                  <p:childTnLst>
+                                    <p:animMotion origin="layout" path="M -2.5E-6 0 L -2.5E-6 0.45278 " pathEditMode="relative" rAng="0" ptsTypes="AA">
+                                      <p:cBhvr>
+                                        <p:cTn id="11" dur="2000" fill="hold"/>
+                                        <p:tgtEl>
+                                          <p:spTgt spid="63"/>
+                                        </p:tgtEl>
+                                        <p:attrNameLst>
+                                          <p:attrName>ppt_x</p:attrName>
+                                          <p:attrName>ppt_y</p:attrName>
+                                        </p:attrNameLst>
+                                      </p:cBhvr>
+                                      <p:rCtr x="0" y="22639"/>
+                                    </p:animMotion>
+                                  </p:childTnLst>
+                                </p:cTn>
+                              </p:par>
+                            </p:childTnLst>
+                          </p:cTn>
+                        </p:par>
+                      </p:childTnLst>
+                    </p:cTn>
+                  </p:par>
+                  <p:par>
+                    <p:cTn id="12" fill="hold">
+                      <p:stCondLst>
+                        <p:cond delay="indefinite"/>
+                      </p:stCondLst>
+                      <p:childTnLst>
+                        <p:par>
+                          <p:cTn id="13" fill="hold">
+                            <p:stCondLst>
+                              <p:cond delay="0"/>
+                            </p:stCondLst>
+                            <p:childTnLst>
+                              <p:par>
+                                <p:cTn id="14" presetID="63" presetClass="path" presetSubtype="0" accel="50000" decel="50000" fill="hold" nodeType="clickEffect">
+                                  <p:stCondLst>
+                                    <p:cond delay="0"/>
+                                  </p:stCondLst>
+                                  <p:childTnLst>
+                                    <p:animMotion origin="layout" path="M 4.58333E-6 -7.40741E-7 L 0.15026 -7.40741E-7 " pathEditMode="relative" rAng="0" ptsTypes="AA">
+                                      <p:cBhvr>
+                                        <p:cTn id="15" dur="2000" fill="hold"/>
+                                        <p:tgtEl>
+                                          <p:spTgt spid="15"/>
+                                        </p:tgtEl>
+                                        <p:attrNameLst>
+                                          <p:attrName>ppt_x</p:attrName>
+                                          <p:attrName>ppt_y</p:attrName>
+                                        </p:attrNameLst>
+                                      </p:cBhvr>
+                                      <p:rCtr x="7513" y="0"/>
+                                    </p:animMotion>
+                                  </p:childTnLst>
+                                </p:cTn>
+                              </p:par>
+                            </p:childTnLst>
+                          </p:cTn>
+                        </p:par>
+                      </p:childTnLst>
+                    </p:cTn>
+                  </p:par>
+                  <p:par>
+                    <p:cTn id="16" fill="hold">
+                      <p:stCondLst>
+                        <p:cond delay="indefinite"/>
+                      </p:stCondLst>
+                      <p:childTnLst>
+                        <p:par>
+                          <p:cTn id="17" fill="hold">
+                            <p:stCondLst>
+                              <p:cond delay="0"/>
+                            </p:stCondLst>
+                            <p:childTnLst>
+                              <p:par>
+                                <p:cTn id="18" presetID="10" presetClass="exit" presetSubtype="0" fill="hold" nodeType="clickEffect">
+                                  <p:stCondLst>
+                                    <p:cond delay="0"/>
+                                  </p:stCondLst>
+                                  <p:childTnLst>
+                                    <p:animEffect transition="out" filter="fade">
+                                      <p:cBhvr>
+                                        <p:cTn id="19" dur="500"/>
+                                        <p:tgtEl>
+                                          <p:spTgt spid="15"/>
+                                        </p:tgtEl>
+                                      </p:cBhvr>
+                                    </p:animEffect>
+                                    <p:set>
+                                      <p:cBhvr>
+                                        <p:cTn id="20" dur="1" fill="hold">
+                                          <p:stCondLst>
+                                            <p:cond delay="499"/>
+                                          </p:stCondLst>
+                                        </p:cTn>
+                                        <p:tgtEl>
+                                          <p:spTgt spid="15"/>
+                                        </p:tgtEl>
+                                        <p:attrNameLst>
+                                          <p:attrName>style.visibility</p:attrName>
+                                        </p:attrNameLst>
+                                      </p:cBhvr>
+                                      <p:to>
+                                        <p:strVal val="hidden"/>
+                                      </p:to>
+                                    </p:set>
+                                  </p:childTnLst>
+                                </p:cTn>
+                              </p:par>
+                            </p:childTnLst>
+                          </p:cTn>
+                        </p:par>
+                      </p:childTnLst>
+                    </p:cTn>
+                  </p:par>
+                  <p:par>
+                    <p:cTn id="21" fill="hold">
+                      <p:stCondLst>
+                        <p:cond delay="indefinite"/>
+                      </p:stCondLst>
+                      <p:childTnLst>
+                        <p:par>
+                          <p:cTn id="22" fill="hold">
+                            <p:stCondLst>
+                              <p:cond delay="0"/>
+                            </p:stCondLst>
+                            <p:childTnLst>
+                              <p:par>
+                                <p:cTn id="23" presetID="0" presetClass="path" presetSubtype="0" accel="50000" decel="50000" fill="hold" grpId="0" nodeType="clickEffect">
+                                  <p:stCondLst>
+                                    <p:cond delay="0"/>
+                                  </p:stCondLst>
+                                  <p:childTnLst>
+                                    <p:animMotion origin="layout" path="M -0.00013 -0.00185 L 0.30065 0.26065 " pathEditMode="relative" ptsTypes="AA">
+                                      <p:cBhvr>
+                                        <p:cTn id="24" dur="2000" fill="hold"/>
+                                        <p:tgtEl>
+                                          <p:spTgt spid="26"/>
+                                        </p:tgtEl>
+                                        <p:attrNameLst>
+                                          <p:attrName>ppt_x</p:attrName>
+                                          <p:attrName>ppt_y</p:attrName>
+                                        </p:attrNameLst>
+                                      </p:cBhvr>
+                                    </p:animMotion>
+                                  </p:childTnLst>
+                                </p:cTn>
+                              </p:par>
+                              <p:par>
+                                <p:cTn id="25" presetID="63" presetClass="path" presetSubtype="0" accel="50000" decel="50000" fill="hold" grpId="0" nodeType="withEffect">
+                                  <p:stCondLst>
+                                    <p:cond delay="0"/>
+                                  </p:stCondLst>
+                                  <p:childTnLst>
+                                    <p:animMotion origin="layout" path="M 3.95833E-6 -1.11111E-6 L 0.14466 -1.11111E-6 " pathEditMode="relative" rAng="0" ptsTypes="AA">
+                                      <p:cBhvr>
+                                        <p:cTn id="26" dur="2000" fill="hold"/>
+                                        <p:tgtEl>
+                                          <p:spTgt spid="9"/>
+                                        </p:tgtEl>
+                                        <p:attrNameLst>
+                                          <p:attrName>ppt_x</p:attrName>
+                                          <p:attrName>ppt_y</p:attrName>
+                                        </p:attrNameLst>
+                                      </p:cBhvr>
+                                      <p:rCtr x="7227" y="0"/>
+                                    </p:animMotion>
+                                  </p:childTnLst>
+                                </p:cTn>
+                              </p:par>
+                              <p:par>
+                                <p:cTn id="27" presetID="22" presetClass="exit" presetSubtype="8" fill="hold" nodeType="withEffect">
+                                  <p:stCondLst>
+                                    <p:cond delay="0"/>
+                                  </p:stCondLst>
+                                  <p:childTnLst>
+                                    <p:animEffect transition="out" filter="wipe(left)">
+                                      <p:cBhvr>
+                                        <p:cTn id="28" dur="500"/>
+                                        <p:tgtEl>
+                                          <p:spTgt spid="24"/>
+                                        </p:tgtEl>
+                                      </p:cBhvr>
+                                    </p:animEffect>
+                                    <p:set>
+                                      <p:cBhvr>
+                                        <p:cTn id="29" dur="1" fill="hold">
+                                          <p:stCondLst>
+                                            <p:cond delay="499"/>
+                                          </p:stCondLst>
+                                        </p:cTn>
+                                        <p:tgtEl>
+                                          <p:spTgt spid="24"/>
+                                        </p:tgtEl>
+                                        <p:attrNameLst>
+                                          <p:attrName>style.visibility</p:attrName>
+                                        </p:attrNameLst>
+                                      </p:cBhvr>
+                                      <p:to>
+                                        <p:strVal val="hidden"/>
+                                      </p:to>
+                                    </p:set>
+                                  </p:childTnLst>
+                                </p:cTn>
+                              </p:par>
+                              <p:par>
+                                <p:cTn id="30" presetID="22" presetClass="exit" presetSubtype="8" fill="hold" grpId="0" nodeType="withEffect">
+                                  <p:stCondLst>
+                                    <p:cond delay="0"/>
+                                  </p:stCondLst>
+                                  <p:childTnLst>
+                                    <p:animEffect transition="out" filter="wipe(left)">
+                                      <p:cBhvr>
+                                        <p:cTn id="31" dur="500"/>
+                                        <p:tgtEl>
+                                          <p:spTgt spid="30"/>
+                                        </p:tgtEl>
+                                      </p:cBhvr>
+                                    </p:animEffect>
+                                    <p:set>
+                                      <p:cBhvr>
+                                        <p:cTn id="32" dur="1" fill="hold">
+                                          <p:stCondLst>
+                                            <p:cond delay="499"/>
+                                          </p:stCondLst>
+                                        </p:cTn>
+                                        <p:tgtEl>
+                                          <p:spTgt spid="30"/>
+                                        </p:tgtEl>
+                                        <p:attrNameLst>
+                                          <p:attrName>style.visibility</p:attrName>
+                                        </p:attrNameLst>
+                                      </p:cBhvr>
+                                      <p:to>
+                                        <p:strVal val="hidden"/>
+                                      </p:to>
+                                    </p:set>
+                                  </p:childTnLst>
+                                </p:cTn>
+                              </p:par>
+                            </p:childTnLst>
+                          </p:cTn>
+                        </p:par>
+                        <p:par>
+                          <p:cTn id="33" fill="hold">
+                            <p:stCondLst>
+                              <p:cond delay="2000"/>
+                            </p:stCondLst>
+                            <p:childTnLst>
+                              <p:par>
+                                <p:cTn id="34" presetID="22" presetClass="entr" presetSubtype="8" fill="hold" nodeType="afterEffect">
+                                  <p:stCondLst>
+                                    <p:cond delay="0"/>
+                                  </p:stCondLst>
+                                  <p:childTnLst>
+                                    <p:set>
+                                      <p:cBhvr>
+                                        <p:cTn id="35" dur="1" fill="hold">
+                                          <p:stCondLst>
+                                            <p:cond delay="0"/>
+                                          </p:stCondLst>
+                                        </p:cTn>
+                                        <p:tgtEl>
+                                          <p:spTgt spid="36"/>
+                                        </p:tgtEl>
+                                        <p:attrNameLst>
+                                          <p:attrName>style.visibility</p:attrName>
+                                        </p:attrNameLst>
+                                      </p:cBhvr>
+                                      <p:to>
+                                        <p:strVal val="visible"/>
+                                      </p:to>
+                                    </p:set>
+                                    <p:animEffect transition="in" filter="wipe(left)">
+                                      <p:cBhvr>
+                                        <p:cTn id="36" dur="500"/>
+                                        <p:tgtEl>
+                                          <p:spTgt spid="36"/>
+                                        </p:tgtEl>
+                                      </p:cBhvr>
+                                    </p:animEffect>
+                                  </p:childTnLst>
+                                </p:cTn>
+                              </p:par>
+                            </p:childTnLst>
+                          </p:cTn>
+                        </p:par>
+                        <p:par>
+                          <p:cTn id="37" fill="hold">
+                            <p:stCondLst>
+                              <p:cond delay="2500"/>
+                            </p:stCondLst>
+                            <p:childTnLst>
+                              <p:par>
+                                <p:cTn id="38" presetID="22" presetClass="entr" presetSubtype="8" fill="hold" grpId="0" nodeType="afterEffect">
+                                  <p:stCondLst>
+                                    <p:cond delay="0"/>
+                                  </p:stCondLst>
+                                  <p:childTnLst>
+                                    <p:set>
+                                      <p:cBhvr>
+                                        <p:cTn id="39" dur="1" fill="hold">
+                                          <p:stCondLst>
+                                            <p:cond delay="0"/>
+                                          </p:stCondLst>
+                                        </p:cTn>
+                                        <p:tgtEl>
+                                          <p:spTgt spid="37"/>
+                                        </p:tgtEl>
+                                        <p:attrNameLst>
+                                          <p:attrName>style.visibility</p:attrName>
+                                        </p:attrNameLst>
+                                      </p:cBhvr>
+                                      <p:to>
+                                        <p:strVal val="visible"/>
+                                      </p:to>
+                                    </p:set>
+                                    <p:animEffect transition="in" filter="wipe(left)">
+                                      <p:cBhvr>
+                                        <p:cTn id="40" dur="500"/>
+                                        <p:tgtEl>
+                                          <p:spTgt spid="37"/>
+                                        </p:tgtEl>
+                                      </p:cBhvr>
+                                    </p:animEffect>
+                                  </p:childTnLst>
+                                </p:cTn>
+                              </p:par>
+                            </p:childTnLst>
+                          </p:cTn>
+                        </p:par>
+                      </p:childTnLst>
+                    </p:cTn>
+                  </p:par>
+                  <p:par>
+                    <p:cTn id="41" fill="hold">
+                      <p:stCondLst>
+                        <p:cond delay="indefinite"/>
+                      </p:stCondLst>
+                      <p:childTnLst>
+                        <p:par>
+                          <p:cTn id="42" fill="hold">
+                            <p:stCondLst>
+                              <p:cond delay="0"/>
+                            </p:stCondLst>
+                            <p:childTnLst>
+                              <p:par>
+                                <p:cTn id="43" presetID="2" presetClass="exit" presetSubtype="4" fill="hold" nodeType="clickEffect">
+                                  <p:stCondLst>
+                                    <p:cond delay="0"/>
+                                  </p:stCondLst>
+                                  <p:childTnLst>
+                                    <p:anim calcmode="lin" valueType="num">
+                                      <p:cBhvr additive="base">
+                                        <p:cTn id="44" dur="500"/>
+                                        <p:tgtEl>
+                                          <p:spTgt spid="63"/>
+                                        </p:tgtEl>
+                                        <p:attrNameLst>
+                                          <p:attrName>ppt_x</p:attrName>
+                                        </p:attrNameLst>
+                                      </p:cBhvr>
+                                      <p:tavLst>
+                                        <p:tav tm="0">
+                                          <p:val>
+                                            <p:strVal val="ppt_x"/>
+                                          </p:val>
+                                        </p:tav>
+                                        <p:tav tm="100000">
+                                          <p:val>
+                                            <p:strVal val="ppt_x"/>
+                                          </p:val>
+                                        </p:tav>
+                                      </p:tavLst>
+                                    </p:anim>
+                                    <p:anim calcmode="lin" valueType="num">
+                                      <p:cBhvr additive="base">
+                                        <p:cTn id="45" dur="500"/>
+                                        <p:tgtEl>
+                                          <p:spTgt spid="63"/>
+                                        </p:tgtEl>
+                                        <p:attrNameLst>
+                                          <p:attrName>ppt_y</p:attrName>
+                                        </p:attrNameLst>
+                                      </p:cBhvr>
+                                      <p:tavLst>
+                                        <p:tav tm="0">
+                                          <p:val>
+                                            <p:strVal val="ppt_y"/>
+                                          </p:val>
+                                        </p:tav>
+                                        <p:tav tm="100000">
+                                          <p:val>
+                                            <p:strVal val="1+ppt_h/2"/>
+                                          </p:val>
+                                        </p:tav>
+                                      </p:tavLst>
+                                    </p:anim>
+                                    <p:set>
+                                      <p:cBhvr>
+                                        <p:cTn id="46" dur="1" fill="hold">
+                                          <p:stCondLst>
+                                            <p:cond delay="499"/>
+                                          </p:stCondLst>
+                                        </p:cTn>
+                                        <p:tgtEl>
+                                          <p:spTgt spid="63"/>
+                                        </p:tgtEl>
+                                        <p:attrNameLst>
+                                          <p:attrName>style.visibility</p:attrName>
+                                        </p:attrNameLst>
+                                      </p:cBhvr>
+                                      <p:to>
+                                        <p:strVal val="hidden"/>
+                                      </p:to>
+                                    </p:set>
+                                  </p:childTnLst>
+                                </p:cTn>
+                              </p:par>
+                            </p:childTnLst>
+                          </p:cTn>
+                        </p:par>
+                      </p:childTnLst>
+                    </p:cTn>
+                  </p:par>
+                  <p:par>
+                    <p:cTn id="47" fill="hold">
+                      <p:stCondLst>
+                        <p:cond delay="indefinite"/>
+                      </p:stCondLst>
+                      <p:childTnLst>
+                        <p:par>
+                          <p:cTn id="48" fill="hold">
+                            <p:stCondLst>
+                              <p:cond delay="0"/>
+                            </p:stCondLst>
+                            <p:childTnLst>
+                              <p:par>
+                                <p:cTn id="49" presetID="63" presetClass="path" presetSubtype="0" accel="50000" decel="50000" fill="hold" nodeType="clickEffect">
+                                  <p:stCondLst>
+                                    <p:cond delay="0"/>
+                                  </p:stCondLst>
+                                  <p:childTnLst>
+                                    <p:animMotion origin="layout" path="M 4.58333E-6 -7.40741E-7 L 0.15026 -7.40741E-7 " pathEditMode="relative" rAng="0" ptsTypes="AA">
+                                      <p:cBhvr>
+                                        <p:cTn id="50" dur="2000" fill="hold"/>
+                                        <p:tgtEl>
+                                          <p:spTgt spid="45"/>
+                                        </p:tgtEl>
+                                        <p:attrNameLst>
+                                          <p:attrName>ppt_x</p:attrName>
+                                          <p:attrName>ppt_y</p:attrName>
+                                        </p:attrNameLst>
+                                      </p:cBhvr>
+                                      <p:rCtr x="7513" y="0"/>
+                                    </p:animMotion>
+                                  </p:childTnLst>
+                                </p:cTn>
+                              </p:par>
+                            </p:childTnLst>
+                          </p:cTn>
+                        </p:par>
+                      </p:childTnLst>
+                    </p:cTn>
+                  </p:par>
+                  <p:par>
+                    <p:cTn id="51" fill="hold">
+                      <p:stCondLst>
+                        <p:cond delay="indefinite"/>
+                      </p:stCondLst>
+                      <p:childTnLst>
+                        <p:par>
+                          <p:cTn id="52" fill="hold">
+                            <p:stCondLst>
+                              <p:cond delay="0"/>
+                            </p:stCondLst>
+                            <p:childTnLst>
+                              <p:par>
+                                <p:cTn id="53" presetID="0" presetClass="path" presetSubtype="0" accel="50000" decel="50000" fill="hold" grpId="0" nodeType="clickEffect">
+                                  <p:stCondLst>
+                                    <p:cond delay="0"/>
+                                  </p:stCondLst>
+                                  <p:childTnLst>
+                                    <p:animMotion origin="layout" path="M -0.00013 -0.00185 L 0.15352 0.25857 " pathEditMode="relative" rAng="0" ptsTypes="AA">
+                                      <p:cBhvr>
+                                        <p:cTn id="54" dur="2000" fill="hold"/>
+                                        <p:tgtEl>
+                                          <p:spTgt spid="50"/>
+                                        </p:tgtEl>
+                                        <p:attrNameLst>
+                                          <p:attrName>ppt_x</p:attrName>
+                                          <p:attrName>ppt_y</p:attrName>
+                                        </p:attrNameLst>
+                                      </p:cBhvr>
+                                      <p:rCtr x="7682" y="13009"/>
+                                    </p:animMotion>
+                                  </p:childTnLst>
+                                </p:cTn>
+                              </p:par>
+                              <p:par>
+                                <p:cTn id="55" presetID="63" presetClass="path" presetSubtype="0" accel="50000" decel="50000" fill="hold" nodeType="withEffect">
+                                  <p:stCondLst>
+                                    <p:cond delay="0"/>
+                                  </p:stCondLst>
+                                  <p:childTnLst>
+                                    <p:animMotion origin="layout" path="M 0.15026 -7.40741E-7 L 0.29817 -7.40741E-7 " pathEditMode="relative" rAng="0" ptsTypes="AA">
+                                      <p:cBhvr>
+                                        <p:cTn id="56" dur="2000" fill="hold"/>
+                                        <p:tgtEl>
+                                          <p:spTgt spid="45"/>
+                                        </p:tgtEl>
+                                        <p:attrNameLst>
+                                          <p:attrName>ppt_x</p:attrName>
+                                          <p:attrName>ppt_y</p:attrName>
+                                        </p:attrNameLst>
+                                      </p:cBhvr>
+                                      <p:rCtr x="7539" y="0"/>
+                                    </p:animMotion>
+                                  </p:childTnLst>
+                                </p:cTn>
+                              </p:par>
+                              <p:par>
+                                <p:cTn id="57" presetID="63" presetClass="path" presetSubtype="0" accel="50000" decel="50000" fill="hold" grpId="0" nodeType="withEffect">
+                                  <p:stCondLst>
+                                    <p:cond delay="0"/>
+                                  </p:stCondLst>
+                                  <p:childTnLst>
+                                    <p:animMotion origin="layout" path="M 4.375E-6 2.96296E-6 L 0.15026 -0.00115 " pathEditMode="relative" rAng="0" ptsTypes="AA">
+                                      <p:cBhvr>
+                                        <p:cTn id="58" dur="2000" fill="hold"/>
+                                        <p:tgtEl>
+                                          <p:spTgt spid="42"/>
+                                        </p:tgtEl>
+                                        <p:attrNameLst>
+                                          <p:attrName>ppt_x</p:attrName>
+                                          <p:attrName>ppt_y</p:attrName>
+                                        </p:attrNameLst>
+                                      </p:cBhvr>
+                                      <p:rCtr x="7552" y="0"/>
+                                    </p:animMotion>
+                                  </p:childTnLst>
+                                </p:cTn>
+                              </p:par>
+                              <p:par>
+                                <p:cTn id="59" presetID="63" presetClass="path" presetSubtype="0" accel="50000" decel="50000" fill="hold" grpId="0" nodeType="withEffect">
+                                  <p:stCondLst>
+                                    <p:cond delay="0"/>
+                                  </p:stCondLst>
+                                  <p:childTnLst>
+                                    <p:animMotion origin="layout" path="M 3.95833E-6 3.7037E-7 L 0.14466 3.7037E-7 " pathEditMode="relative" rAng="0" ptsTypes="AA">
+                                      <p:cBhvr>
+                                        <p:cTn id="60" dur="2000" fill="hold"/>
+                                        <p:tgtEl>
+                                          <p:spTgt spid="41"/>
+                                        </p:tgtEl>
+                                        <p:attrNameLst>
+                                          <p:attrName>ppt_x</p:attrName>
+                                          <p:attrName>ppt_y</p:attrName>
+                                        </p:attrNameLst>
+                                      </p:cBhvr>
+                                      <p:rCtr x="7227" y="0"/>
+                                    </p:animMotion>
+                                  </p:childTnLst>
+                                </p:cTn>
+                              </p:par>
+                              <p:par>
+                                <p:cTn id="61" presetID="22" presetClass="exit" presetSubtype="8" fill="hold" nodeType="withEffect">
+                                  <p:stCondLst>
+                                    <p:cond delay="0"/>
+                                  </p:stCondLst>
+                                  <p:childTnLst>
+                                    <p:animEffect transition="out" filter="wipe(left)">
+                                      <p:cBhvr>
+                                        <p:cTn id="62" dur="500"/>
+                                        <p:tgtEl>
+                                          <p:spTgt spid="48"/>
+                                        </p:tgtEl>
+                                      </p:cBhvr>
+                                    </p:animEffect>
+                                    <p:set>
+                                      <p:cBhvr>
+                                        <p:cTn id="63" dur="1" fill="hold">
+                                          <p:stCondLst>
+                                            <p:cond delay="499"/>
+                                          </p:stCondLst>
+                                        </p:cTn>
+                                        <p:tgtEl>
+                                          <p:spTgt spid="48"/>
+                                        </p:tgtEl>
+                                        <p:attrNameLst>
+                                          <p:attrName>style.visibility</p:attrName>
+                                        </p:attrNameLst>
+                                      </p:cBhvr>
+                                      <p:to>
+                                        <p:strVal val="hidden"/>
+                                      </p:to>
+                                    </p:set>
+                                  </p:childTnLst>
+                                </p:cTn>
+                              </p:par>
+                              <p:par>
+                                <p:cTn id="64" presetID="22" presetClass="exit" presetSubtype="8" fill="hold" grpId="0" nodeType="withEffect">
+                                  <p:stCondLst>
+                                    <p:cond delay="0"/>
+                                  </p:stCondLst>
+                                  <p:childTnLst>
+                                    <p:animEffect transition="out" filter="wipe(left)">
+                                      <p:cBhvr>
+                                        <p:cTn id="65" dur="500"/>
+                                        <p:tgtEl>
+                                          <p:spTgt spid="54"/>
+                                        </p:tgtEl>
+                                      </p:cBhvr>
+                                    </p:animEffect>
+                                    <p:set>
+                                      <p:cBhvr>
+                                        <p:cTn id="66" dur="1" fill="hold">
+                                          <p:stCondLst>
+                                            <p:cond delay="499"/>
+                                          </p:stCondLst>
+                                        </p:cTn>
+                                        <p:tgtEl>
+                                          <p:spTgt spid="54"/>
+                                        </p:tgtEl>
+                                        <p:attrNameLst>
+                                          <p:attrName>style.visibility</p:attrName>
+                                        </p:attrNameLst>
+                                      </p:cBhvr>
+                                      <p:to>
+                                        <p:strVal val="hidden"/>
+                                      </p:to>
+                                    </p:set>
+                                  </p:childTnLst>
+                                </p:cTn>
+                              </p:par>
+                            </p:childTnLst>
+                          </p:cTn>
+                        </p:par>
+                        <p:par>
+                          <p:cTn id="67" fill="hold">
+                            <p:stCondLst>
+                              <p:cond delay="2000"/>
+                            </p:stCondLst>
+                            <p:childTnLst>
+                              <p:par>
+                                <p:cTn id="68" presetID="22" presetClass="entr" presetSubtype="8" fill="hold" nodeType="afterEffect">
+                                  <p:stCondLst>
+                                    <p:cond delay="0"/>
+                                  </p:stCondLst>
+                                  <p:childTnLst>
+                                    <p:set>
+                                      <p:cBhvr>
+                                        <p:cTn id="69" dur="1" fill="hold">
+                                          <p:stCondLst>
+                                            <p:cond delay="0"/>
+                                          </p:stCondLst>
+                                        </p:cTn>
+                                        <p:tgtEl>
+                                          <p:spTgt spid="55"/>
+                                        </p:tgtEl>
+                                        <p:attrNameLst>
+                                          <p:attrName>style.visibility</p:attrName>
+                                        </p:attrNameLst>
+                                      </p:cBhvr>
+                                      <p:to>
+                                        <p:strVal val="visible"/>
+                                      </p:to>
+                                    </p:set>
+                                    <p:animEffect transition="in" filter="wipe(left)">
+                                      <p:cBhvr>
+                                        <p:cTn id="70" dur="500"/>
+                                        <p:tgtEl>
+                                          <p:spTgt spid="55"/>
+                                        </p:tgtEl>
+                                      </p:cBhvr>
+                                    </p:animEffect>
+                                  </p:childTnLst>
+                                </p:cTn>
+                              </p:par>
+                            </p:childTnLst>
+                          </p:cTn>
+                        </p:par>
+                        <p:par>
+                          <p:cTn id="71" fill="hold">
+                            <p:stCondLst>
+                              <p:cond delay="2500"/>
+                            </p:stCondLst>
+                            <p:childTnLst>
+                              <p:par>
+                                <p:cTn id="72" presetID="22" presetClass="entr" presetSubtype="8" fill="hold" grpId="0" nodeType="afterEffect">
+                                  <p:stCondLst>
+                                    <p:cond delay="0"/>
+                                  </p:stCondLst>
+                                  <p:childTnLst>
+                                    <p:set>
+                                      <p:cBhvr>
+                                        <p:cTn id="73" dur="1" fill="hold">
+                                          <p:stCondLst>
+                                            <p:cond delay="0"/>
+                                          </p:stCondLst>
+                                        </p:cTn>
+                                        <p:tgtEl>
+                                          <p:spTgt spid="56"/>
+                                        </p:tgtEl>
+                                        <p:attrNameLst>
+                                          <p:attrName>style.visibility</p:attrName>
+                                        </p:attrNameLst>
+                                      </p:cBhvr>
+                                      <p:to>
+                                        <p:strVal val="visible"/>
+                                      </p:to>
+                                    </p:set>
+                                    <p:animEffect transition="in" filter="wipe(left)">
+                                      <p:cBhvr>
+                                        <p:cTn id="74" dur="500"/>
+                                        <p:tgtEl>
+                                          <p:spTgt spid="56"/>
+                                        </p:tgtEl>
+                                      </p:cBhvr>
+                                    </p:animEffect>
+                                  </p:childTnLst>
+                                </p:cTn>
+                              </p:par>
+                            </p:childTnLst>
+                          </p:cTn>
+                        </p:par>
+                      </p:childTnLst>
+                    </p:cTn>
+                  </p:par>
+                </p:childTnLst>
+              </p:cTn>
+              <p:prevCondLst>
+                <p:cond evt="onPrev" delay="0">
+                  <p:tgtEl>
+                    <p:sldTgt/>
+                  </p:tgtEl>
+                </p:cond>
+              </p:prevCondLst>
+              <p:nextCondLst>
+                <p:cond evt="onNext" delay="0">
+                  <p:tgtEl>
+                    <p:sldTgt/>
+                  </p:tgtEl>
+                </p:cond>
+              </p:nextCondLst>
+            </p:seq>
+          </p:childTnLst>
+        </p:cTn>
+      </p:par>
+    </p:tnLst>
+    <p:bldLst>
+      <p:bldP spid="9" grpId="0" animBg="1"/>
+      <p:bldP spid="26" grpId="0" animBg="1"/>
+      <p:bldP spid="30" grpId="0" animBg="1"/>
+      <p:bldP spid="37" grpId="0" animBg="1"/>
+      <p:bldP spid="41" grpId="0" animBg="1"/>
+      <p:bldP spid="42" grpId="0" animBg="1"/>
+      <p:bldP spid="50" grpId="0" animBg="1"/>
+      <p:bldP spid="54" grpId="0" animBg="1"/>
+      <p:bldP spid="56" grpId="0" animBg="1"/>
+    </p:bldLst>
+  </p:timing>
+</p:sld>
+</file>
+
+<file path=ppt/slides/slide27.xml><?xml version="1.0" encoding="utf-8"?>
+<p:sld xmlns:a="http://schemas.openxmlformats.org/drawingml/2006/main" xmlns:r="http://schemas.openxmlformats.org/officeDocument/2006/relationships" xmlns:p="http://schemas.openxmlformats.org/presentationml/2006/main">
+  <p:cSld>
+    <p:bg>
+      <p:bgPr>
+        <a:solidFill>
+          <a:schemeClr val="tx1">
+            <a:lumMod val="75000"/>
+            <a:lumOff val="25000"/>
+          </a:schemeClr>
+        </a:solidFill>
+        <a:effectLst/>
+      </p:bgPr>
+    </p:bg>
+    <p:spTree>
+      <p:nvGrpSpPr>
+        <p:cNvPr id="1" name=""/>
+        <p:cNvGrpSpPr/>
+        <p:nvPr/>
+      </p:nvGrpSpPr>
+      <p:grpSpPr>
+        <a:xfrm>
+          <a:off x="0" y="0"/>
+          <a:ext cx="0" cy="0"/>
+          <a:chOff x="0" y="0"/>
+          <a:chExt cx="0" cy="0"/>
+        </a:xfrm>
+      </p:grpSpPr>
+      <p:pic>
+        <p:nvPicPr>
+          <p:cNvPr id="3" name="Grafik 2">
+            <a:extLst>
+              <a:ext uri="{FF2B5EF4-FFF2-40B4-BE49-F238E27FC236}">
+                <a16:creationId xmlns:a16="http://schemas.microsoft.com/office/drawing/2014/main" id="{B17D78C0-8320-615A-5522-FC84486D53EF}"/>
+              </a:ext>
+            </a:extLst>
+          </p:cNvPr>
+          <p:cNvPicPr>
+            <a:picLocks noChangeAspect="1"/>
+          </p:cNvPicPr>
+          <p:nvPr/>
+        </p:nvPicPr>
+        <p:blipFill>
+          <a:blip r:embed="rId2"/>
+          <a:stretch>
+            <a:fillRect/>
+          </a:stretch>
+        </p:blipFill>
+        <p:spPr>
+          <a:xfrm>
+            <a:off x="337904" y="2174031"/>
+            <a:ext cx="11516192" cy="2509938"/>
           </a:xfrm>
           <a:prstGeom prst="rect">
             <a:avLst/>
@@ -22329,7 +25639,7 @@
     </p:spTree>
     <p:extLst>
       <p:ext uri="{BB962C8B-B14F-4D97-AF65-F5344CB8AC3E}">
-        <p14:creationId xmlns:p14="http://schemas.microsoft.com/office/powerpoint/2010/main" val="1453039155"/>
+        <p14:creationId xmlns:p14="http://schemas.microsoft.com/office/powerpoint/2010/main" val="2665287813"/>
       </p:ext>
     </p:extLst>
   </p:cSld>
@@ -22342,7 +25652,7 @@
 </p:sld>
 </file>
 
-<file path=ppt/slides/slide27.xml><?xml version="1.0" encoding="utf-8"?>
+<file path=ppt/slides/slide28.xml><?xml version="1.0" encoding="utf-8"?>
 <p:sld xmlns:a="http://schemas.openxmlformats.org/drawingml/2006/main" xmlns:r="http://schemas.openxmlformats.org/officeDocument/2006/relationships" xmlns:p="http://schemas.openxmlformats.org/presentationml/2006/main">
   <p:cSld>
     <p:bg>
@@ -22384,8 +25694,8 @@
         </p:nvSpPr>
         <p:spPr>
           <a:xfrm>
-            <a:off x="1652587" y="797510"/>
-            <a:ext cx="8886825" cy="5262979"/>
+            <a:off x="1652587" y="1443841"/>
+            <a:ext cx="8886825" cy="3970318"/>
           </a:xfrm>
           <a:prstGeom prst="rect">
             <a:avLst/>
@@ -22406,7 +25716,7 @@
                 </a:solidFill>
                 <a:latin typeface="+mj-lt"/>
               </a:rPr>
-              <a:t>3.8 Implementieren Sie die Methode </a:t>
+              <a:t>3.9 Implementieren Sie die Methode </a:t>
             </a:r>
             <a:r>
               <a:rPr lang="de-DE" sz="2800" b="1" dirty="0" err="1">
@@ -22415,7 +25725,7 @@
                 </a:solidFill>
                 <a:latin typeface="+mj-lt"/>
               </a:rPr>
-              <a:t>ballOut</a:t>
+              <a:t>bonusScore</a:t>
             </a:r>
             <a:r>
               <a:rPr lang="de-DE" sz="2800" b="1" dirty="0">
@@ -22424,25 +25734,7 @@
                 </a:solidFill>
                 <a:latin typeface="+mj-lt"/>
               </a:rPr>
-              <a:t>, die das Einfügen aller Ereignisse der Queue </a:t>
-            </a:r>
-            <a:r>
-              <a:rPr lang="de-DE" sz="2800" b="1" dirty="0" err="1">
-                <a:solidFill>
-                  <a:schemeClr val="bg1"/>
-                </a:solidFill>
-                <a:latin typeface="+mj-lt"/>
-              </a:rPr>
-              <a:t>eventQueue</a:t>
-            </a:r>
-            <a:r>
-              <a:rPr lang="de-DE" sz="2800" b="1" dirty="0">
-                <a:solidFill>
-                  <a:schemeClr val="bg1"/>
-                </a:solidFill>
-                <a:latin typeface="+mj-lt"/>
-              </a:rPr>
-              <a:t> in die Liste </a:t>
+              <a:t>, die die Liste </a:t>
             </a:r>
             <a:r>
               <a:rPr lang="de-DE" sz="2800" b="1" dirty="0" err="1">
@@ -22460,7 +25752,7 @@
                 </a:solidFill>
                 <a:latin typeface="+mj-lt"/>
               </a:rPr>
-              <a:t> sortiert nach der </a:t>
+              <a:t> verarbeitet und die entsprechenden Bonuswerte zum Attribut score addiert. Sie können alle Methoden der Klasse List aus Anlage 4 als gegeben voraussetzen. Sie können eine nach der </a:t>
             </a:r>
             <a:r>
               <a:rPr lang="de-DE" sz="2800" b="1" dirty="0" err="1">
@@ -22469,7 +25761,7 @@
                 </a:solidFill>
                 <a:latin typeface="+mj-lt"/>
               </a:rPr>
-              <a:t>SensorGroupNumber</a:t>
+              <a:t>sensorGroupNumber</a:t>
             </a:r>
             <a:r>
               <a:rPr lang="de-DE" sz="2800" b="1" dirty="0">
@@ -22478,43 +25770,7 @@
                 </a:solidFill>
                 <a:latin typeface="+mj-lt"/>
               </a:rPr>
-              <a:t> realisiert. Das Element mit der kleinsten </a:t>
-            </a:r>
-            <a:r>
-              <a:rPr lang="de-DE" sz="2800" b="1" dirty="0" err="1">
-                <a:solidFill>
-                  <a:schemeClr val="bg1"/>
-                </a:solidFill>
-                <a:latin typeface="+mj-lt"/>
-              </a:rPr>
-              <a:t>SensorGroupNumber</a:t>
-            </a:r>
-            <a:r>
-              <a:rPr lang="de-DE" sz="2800" b="1" dirty="0">
-                <a:solidFill>
-                  <a:schemeClr val="bg1"/>
-                </a:solidFill>
-                <a:latin typeface="+mj-lt"/>
-              </a:rPr>
-              <a:t> soll dabei am Anfang der Liste stehen. Sie können alle Methoden der Klassen Queue und List (vgl. Anlagen 3 und 4) als gegeben voraussetzen und nutzen. Sie können davon ausgehen, dass die Liste bei Aufruf von </a:t>
-            </a:r>
-            <a:r>
-              <a:rPr lang="de-DE" sz="2800" b="1" dirty="0" err="1">
-                <a:solidFill>
-                  <a:schemeClr val="bg1"/>
-                </a:solidFill>
-                <a:latin typeface="+mj-lt"/>
-              </a:rPr>
-              <a:t>ballOut</a:t>
-            </a:r>
-            <a:r>
-              <a:rPr lang="de-DE" sz="2800" b="1" dirty="0">
-                <a:solidFill>
-                  <a:schemeClr val="bg1"/>
-                </a:solidFill>
-                <a:latin typeface="+mj-lt"/>
-              </a:rPr>
-              <a:t> leer ist. </a:t>
+              <a:t> aufsteigend sortierte Liste voraussetzen. </a:t>
             </a:r>
           </a:p>
           <a:p>
@@ -22527,58 +25783,8 @@
                 <a:effectLst/>
                 <a:latin typeface="+mj-lt"/>
               </a:rPr>
-              <a:t>(12 Punkte) – siehe </a:t>
-            </a:r>
-            <a:r>
-              <a:rPr lang="de-DE" sz="2800" b="1" i="0" dirty="0" err="1">
-                <a:solidFill>
-                  <a:schemeClr val="bg1"/>
-                </a:solidFill>
-                <a:effectLst/>
-                <a:latin typeface="+mj-lt"/>
-              </a:rPr>
-              <a:t>Abiturpruefung</a:t>
-            </a:r>
-            <a:r>
-              <a:rPr lang="de-DE" sz="2800" b="1" i="0" dirty="0">
-                <a:solidFill>
-                  <a:schemeClr val="bg1"/>
-                </a:solidFill>
-                <a:effectLst/>
-                <a:latin typeface="+mj-lt"/>
-              </a:rPr>
-              <a:t> </a:t>
-            </a:r>
-            <a:r>
-              <a:rPr lang="de-DE" sz="2800" b="1" i="0" dirty="0" err="1">
-                <a:solidFill>
-                  <a:schemeClr val="bg1"/>
-                </a:solidFill>
-                <a:effectLst/>
-                <a:latin typeface="+mj-lt"/>
-              </a:rPr>
-              <a:t>fuer</a:t>
-            </a:r>
-            <a:r>
-              <a:rPr lang="de-DE" sz="2800" b="1" i="0" dirty="0">
-                <a:solidFill>
-                  <a:schemeClr val="bg1"/>
-                </a:solidFill>
-                <a:effectLst/>
-                <a:latin typeface="+mj-lt"/>
-              </a:rPr>
-              <a:t> Kontext</a:t>
-            </a:r>
-          </a:p>
-          <a:p>
-            <a:pPr algn="ctr"/>
-            <a:endParaRPr lang="de-DE" sz="2800" b="1" i="0" dirty="0">
-              <a:solidFill>
-                <a:srgbClr val="DADADA"/>
-              </a:solidFill>
-              <a:effectLst/>
-              <a:latin typeface="+mj-lt"/>
-            </a:endParaRPr>
+              <a:t>(16 Punkte)</a:t>
+            </a:r>
           </a:p>
           <a:p>
             <a:pPr algn="ctr"/>
@@ -22596,6 +25802,85 @@
     <p:extLst>
       <p:ext uri="{BB962C8B-B14F-4D97-AF65-F5344CB8AC3E}">
         <p14:creationId xmlns:p14="http://schemas.microsoft.com/office/powerpoint/2010/main" val="3152956401"/>
+      </p:ext>
+    </p:extLst>
+  </p:cSld>
+  <p:clrMapOvr>
+    <a:masterClrMapping/>
+  </p:clrMapOvr>
+  <p:transition spd="slow">
+    <p:cover/>
+  </p:transition>
+</p:sld>
+</file>
+
+<file path=ppt/slides/slide29.xml><?xml version="1.0" encoding="utf-8"?>
+<p:sld xmlns:a="http://schemas.openxmlformats.org/drawingml/2006/main" xmlns:r="http://schemas.openxmlformats.org/officeDocument/2006/relationships" xmlns:p="http://schemas.openxmlformats.org/presentationml/2006/main">
+  <p:cSld>
+    <p:bg>
+      <p:bgPr>
+        <a:solidFill>
+          <a:schemeClr val="tx1">
+            <a:lumMod val="75000"/>
+            <a:lumOff val="25000"/>
+          </a:schemeClr>
+        </a:solidFill>
+        <a:effectLst/>
+      </p:bgPr>
+    </p:bg>
+    <p:spTree>
+      <p:nvGrpSpPr>
+        <p:cNvPr id="1" name=""/>
+        <p:cNvGrpSpPr/>
+        <p:nvPr/>
+      </p:nvGrpSpPr>
+      <p:grpSpPr>
+        <a:xfrm>
+          <a:off x="0" y="0"/>
+          <a:ext cx="0" cy="0"/>
+          <a:chOff x="0" y="0"/>
+          <a:chExt cx="0" cy="0"/>
+        </a:xfrm>
+      </p:grpSpPr>
+      <p:pic>
+        <p:nvPicPr>
+          <p:cNvPr id="3" name="Grafik 2">
+            <a:extLst>
+              <a:ext uri="{FF2B5EF4-FFF2-40B4-BE49-F238E27FC236}">
+                <a16:creationId xmlns:a16="http://schemas.microsoft.com/office/drawing/2014/main" id="{E08B1DD1-6225-8691-6B09-81EC603E3D99}"/>
+              </a:ext>
+            </a:extLst>
+          </p:cNvPr>
+          <p:cNvPicPr>
+            <a:picLocks noChangeAspect="1"/>
+          </p:cNvPicPr>
+          <p:nvPr/>
+        </p:nvPicPr>
+        <p:blipFill>
+          <a:blip r:embed="rId2"/>
+          <a:stretch>
+            <a:fillRect/>
+          </a:stretch>
+        </p:blipFill>
+        <p:spPr>
+          <a:xfrm>
+            <a:off x="3445621" y="0"/>
+            <a:ext cx="5300758" cy="6858000"/>
+          </a:xfrm>
+          <a:prstGeom prst="rect">
+            <a:avLst/>
+          </a:prstGeom>
+          <a:ln w="25400">
+            <a:solidFill>
+              <a:schemeClr val="bg1"/>
+            </a:solidFill>
+          </a:ln>
+        </p:spPr>
+      </p:pic>
+    </p:spTree>
+    <p:extLst>
+      <p:ext uri="{BB962C8B-B14F-4D97-AF65-F5344CB8AC3E}">
+        <p14:creationId xmlns:p14="http://schemas.microsoft.com/office/powerpoint/2010/main" val="3730149722"/>
       </p:ext>
     </p:extLst>
   </p:cSld>
@@ -23916,6 +27201,85 @@
       <p:bldP spid="5" grpId="1" animBg="1"/>
     </p:bldLst>
   </p:timing>
+</p:sld>
+</file>
+
+<file path=ppt/slides/slide30.xml><?xml version="1.0" encoding="utf-8"?>
+<p:sld xmlns:a="http://schemas.openxmlformats.org/drawingml/2006/main" xmlns:r="http://schemas.openxmlformats.org/officeDocument/2006/relationships" xmlns:p="http://schemas.openxmlformats.org/presentationml/2006/main">
+  <p:cSld>
+    <p:bg>
+      <p:bgPr>
+        <a:solidFill>
+          <a:schemeClr val="tx1">
+            <a:lumMod val="75000"/>
+            <a:lumOff val="25000"/>
+          </a:schemeClr>
+        </a:solidFill>
+        <a:effectLst/>
+      </p:bgPr>
+    </p:bg>
+    <p:spTree>
+      <p:nvGrpSpPr>
+        <p:cNvPr id="1" name=""/>
+        <p:cNvGrpSpPr/>
+        <p:nvPr/>
+      </p:nvGrpSpPr>
+      <p:grpSpPr>
+        <a:xfrm>
+          <a:off x="0" y="0"/>
+          <a:ext cx="0" cy="0"/>
+          <a:chOff x="0" y="0"/>
+          <a:chExt cx="0" cy="0"/>
+        </a:xfrm>
+      </p:grpSpPr>
+      <p:pic>
+        <p:nvPicPr>
+          <p:cNvPr id="3" name="Grafik 2">
+            <a:extLst>
+              <a:ext uri="{FF2B5EF4-FFF2-40B4-BE49-F238E27FC236}">
+                <a16:creationId xmlns:a16="http://schemas.microsoft.com/office/drawing/2014/main" id="{4F8054FD-8785-796D-3E0B-219FBCFA8587}"/>
+              </a:ext>
+            </a:extLst>
+          </p:cNvPr>
+          <p:cNvPicPr>
+            <a:picLocks noChangeAspect="1"/>
+          </p:cNvPicPr>
+          <p:nvPr/>
+        </p:nvPicPr>
+        <p:blipFill>
+          <a:blip r:embed="rId2"/>
+          <a:stretch>
+            <a:fillRect/>
+          </a:stretch>
+        </p:blipFill>
+        <p:spPr>
+          <a:xfrm>
+            <a:off x="150492" y="2050204"/>
+            <a:ext cx="11891015" cy="2757592"/>
+          </a:xfrm>
+          <a:prstGeom prst="rect">
+            <a:avLst/>
+          </a:prstGeom>
+          <a:ln w="25400">
+            <a:solidFill>
+              <a:schemeClr val="bg1"/>
+            </a:solidFill>
+          </a:ln>
+        </p:spPr>
+      </p:pic>
+    </p:spTree>
+    <p:extLst>
+      <p:ext uri="{BB962C8B-B14F-4D97-AF65-F5344CB8AC3E}">
+        <p14:creationId xmlns:p14="http://schemas.microsoft.com/office/powerpoint/2010/main" val="2253333155"/>
+      </p:ext>
+    </p:extLst>
+  </p:cSld>
+  <p:clrMapOvr>
+    <a:masterClrMapping/>
+  </p:clrMapOvr>
+  <p:transition spd="slow">
+    <p:cover/>
+  </p:transition>
 </p:sld>
 </file>
 

--- a/Informatik/Dynamische Datenstrukturen.pptx
+++ b/Informatik/Dynamische Datenstrukturen.pptx
@@ -226,7 +226,7 @@
           <a:p>
             <a:fld id="{956BC06E-4695-4D92-BAA8-C1984B21E568}" type="datetimeFigureOut">
               <a:rPr lang="de-DE" smtClean="0"/>
-              <a:t>31.01.2024</a:t>
+              <a:t>06.02.2024</a:t>
             </a:fld>
             <a:endParaRPr lang="de-DE"/>
           </a:p>
@@ -640,7 +640,7 @@
           <a:p>
             <a:fld id="{1C0C3597-A09E-44A0-A4B9-9253CC0B43A8}" type="datetimeFigureOut">
               <a:rPr lang="de-DE" smtClean="0"/>
-              <a:t>31.01.2024</a:t>
+              <a:t>06.02.2024</a:t>
             </a:fld>
             <a:endParaRPr lang="de-DE"/>
           </a:p>
@@ -838,7 +838,7 @@
           <a:p>
             <a:fld id="{1C0C3597-A09E-44A0-A4B9-9253CC0B43A8}" type="datetimeFigureOut">
               <a:rPr lang="de-DE" smtClean="0"/>
-              <a:t>31.01.2024</a:t>
+              <a:t>06.02.2024</a:t>
             </a:fld>
             <a:endParaRPr lang="de-DE"/>
           </a:p>
@@ -1046,7 +1046,7 @@
           <a:p>
             <a:fld id="{1C0C3597-A09E-44A0-A4B9-9253CC0B43A8}" type="datetimeFigureOut">
               <a:rPr lang="de-DE" smtClean="0"/>
-              <a:t>31.01.2024</a:t>
+              <a:t>06.02.2024</a:t>
             </a:fld>
             <a:endParaRPr lang="de-DE"/>
           </a:p>
@@ -1244,7 +1244,7 @@
           <a:p>
             <a:fld id="{1C0C3597-A09E-44A0-A4B9-9253CC0B43A8}" type="datetimeFigureOut">
               <a:rPr lang="de-DE" smtClean="0"/>
-              <a:t>31.01.2024</a:t>
+              <a:t>06.02.2024</a:t>
             </a:fld>
             <a:endParaRPr lang="de-DE"/>
           </a:p>
@@ -1519,7 +1519,7 @@
           <a:p>
             <a:fld id="{1C0C3597-A09E-44A0-A4B9-9253CC0B43A8}" type="datetimeFigureOut">
               <a:rPr lang="de-DE" smtClean="0"/>
-              <a:t>31.01.2024</a:t>
+              <a:t>06.02.2024</a:t>
             </a:fld>
             <a:endParaRPr lang="de-DE"/>
           </a:p>
@@ -1784,7 +1784,7 @@
           <a:p>
             <a:fld id="{1C0C3597-A09E-44A0-A4B9-9253CC0B43A8}" type="datetimeFigureOut">
               <a:rPr lang="de-DE" smtClean="0"/>
-              <a:t>31.01.2024</a:t>
+              <a:t>06.02.2024</a:t>
             </a:fld>
             <a:endParaRPr lang="de-DE"/>
           </a:p>
@@ -2196,7 +2196,7 @@
           <a:p>
             <a:fld id="{1C0C3597-A09E-44A0-A4B9-9253CC0B43A8}" type="datetimeFigureOut">
               <a:rPr lang="de-DE" smtClean="0"/>
-              <a:t>31.01.2024</a:t>
+              <a:t>06.02.2024</a:t>
             </a:fld>
             <a:endParaRPr lang="de-DE"/>
           </a:p>
@@ -2337,7 +2337,7 @@
           <a:p>
             <a:fld id="{1C0C3597-A09E-44A0-A4B9-9253CC0B43A8}" type="datetimeFigureOut">
               <a:rPr lang="de-DE" smtClean="0"/>
-              <a:t>31.01.2024</a:t>
+              <a:t>06.02.2024</a:t>
             </a:fld>
             <a:endParaRPr lang="de-DE"/>
           </a:p>
@@ -2450,7 +2450,7 @@
           <a:p>
             <a:fld id="{1C0C3597-A09E-44A0-A4B9-9253CC0B43A8}" type="datetimeFigureOut">
               <a:rPr lang="de-DE" smtClean="0"/>
-              <a:t>31.01.2024</a:t>
+              <a:t>06.02.2024</a:t>
             </a:fld>
             <a:endParaRPr lang="de-DE"/>
           </a:p>
@@ -2761,7 +2761,7 @@
           <a:p>
             <a:fld id="{1C0C3597-A09E-44A0-A4B9-9253CC0B43A8}" type="datetimeFigureOut">
               <a:rPr lang="de-DE" smtClean="0"/>
-              <a:t>31.01.2024</a:t>
+              <a:t>06.02.2024</a:t>
             </a:fld>
             <a:endParaRPr lang="de-DE"/>
           </a:p>
@@ -3049,7 +3049,7 @@
           <a:p>
             <a:fld id="{1C0C3597-A09E-44A0-A4B9-9253CC0B43A8}" type="datetimeFigureOut">
               <a:rPr lang="de-DE" smtClean="0"/>
-              <a:t>31.01.2024</a:t>
+              <a:t>06.02.2024</a:t>
             </a:fld>
             <a:endParaRPr lang="de-DE"/>
           </a:p>
@@ -3290,7 +3290,7 @@
           <a:p>
             <a:fld id="{1C0C3597-A09E-44A0-A4B9-9253CC0B43A8}" type="datetimeFigureOut">
               <a:rPr lang="de-DE" smtClean="0"/>
-              <a:t>31.01.2024</a:t>
+              <a:t>06.02.2024</a:t>
             </a:fld>
             <a:endParaRPr lang="de-DE"/>
           </a:p>
@@ -6435,44 +6435,6 @@
           <a:chExt cx="0" cy="0"/>
         </a:xfrm>
       </p:grpSpPr>
-      <p:pic>
-        <p:nvPicPr>
-          <p:cNvPr id="4" name="Grafik 3">
-            <a:extLst>
-              <a:ext uri="{FF2B5EF4-FFF2-40B4-BE49-F238E27FC236}">
-                <a16:creationId xmlns:a16="http://schemas.microsoft.com/office/drawing/2014/main" id="{18D780E0-E520-F5BF-7389-BCBC30EA5E8B}"/>
-              </a:ext>
-            </a:extLst>
-          </p:cNvPr>
-          <p:cNvPicPr>
-            <a:picLocks noChangeAspect="1"/>
-          </p:cNvPicPr>
-          <p:nvPr/>
-        </p:nvPicPr>
-        <p:blipFill>
-          <a:blip r:embed="rId2"/>
-          <a:stretch>
-            <a:fillRect/>
-          </a:stretch>
-        </p:blipFill>
-        <p:spPr>
-          <a:xfrm>
-            <a:off x="3004706" y="2266788"/>
-            <a:ext cx="6182588" cy="2324424"/>
-          </a:xfrm>
-          <a:prstGeom prst="rect">
-            <a:avLst/>
-          </a:prstGeom>
-          <a:ln w="25400">
-            <a:solidFill>
-              <a:schemeClr val="bg1"/>
-            </a:solidFill>
-          </a:ln>
-          <a:effectLst>
-            <a:reflection blurRad="6350" stA="50000" endA="300" endPos="55500" dist="50800" dir="5400000" sy="-100000" algn="bl" rotWithShape="0"/>
-          </a:effectLst>
-        </p:spPr>
-      </p:pic>
       <p:sp>
         <p:nvSpPr>
           <p:cNvPr id="6" name="Textfeld 5">
@@ -6525,6 +6487,44 @@
           </a:p>
         </p:txBody>
       </p:sp>
+      <p:pic>
+        <p:nvPicPr>
+          <p:cNvPr id="7" name="Grafik 6">
+            <a:extLst>
+              <a:ext uri="{FF2B5EF4-FFF2-40B4-BE49-F238E27FC236}">
+                <a16:creationId xmlns:a16="http://schemas.microsoft.com/office/drawing/2014/main" id="{16197CDD-2FA3-18E6-B357-D3393B4B4929}"/>
+              </a:ext>
+            </a:extLst>
+          </p:cNvPr>
+          <p:cNvPicPr>
+            <a:picLocks noChangeAspect="1"/>
+          </p:cNvPicPr>
+          <p:nvPr/>
+        </p:nvPicPr>
+        <p:blipFill>
+          <a:blip r:embed="rId2"/>
+          <a:stretch>
+            <a:fillRect/>
+          </a:stretch>
+        </p:blipFill>
+        <p:spPr>
+          <a:xfrm>
+            <a:off x="487839" y="1182526"/>
+            <a:ext cx="11216322" cy="4492947"/>
+          </a:xfrm>
+          <a:prstGeom prst="rect">
+            <a:avLst/>
+          </a:prstGeom>
+          <a:ln w="25400">
+            <a:solidFill>
+              <a:schemeClr val="bg1"/>
+            </a:solidFill>
+          </a:ln>
+          <a:effectLst>
+            <a:reflection blurRad="6350" stA="50000" endA="300" endPos="55000" dir="5400000" sy="-100000" algn="bl" rotWithShape="0"/>
+          </a:effectLst>
+        </p:spPr>
+      </p:pic>
     </p:spTree>
     <p:extLst>
       <p:ext uri="{BB962C8B-B14F-4D97-AF65-F5344CB8AC3E}">
@@ -27537,7 +27537,7 @@
                   <a:schemeClr val="bg1"/>
                 </a:solidFill>
               </a:rPr>
-              <a:t>funktionier</a:t>
+              <a:t>funktioniert</a:t>
             </a:r>
             <a:r>
               <a:rPr lang="en-US" sz="3200" b="1" dirty="0">
@@ -27775,7 +27775,7 @@
                   <a:schemeClr val="bg1"/>
                 </a:solidFill>
               </a:rPr>
-              <a:t>funktionier</a:t>
+              <a:t>funktioniert</a:t>
             </a:r>
             <a:r>
               <a:rPr lang="en-US" sz="3200" b="1" dirty="0">
@@ -29350,6 +29350,114 @@
           </a:fontRef>
         </p:style>
       </p:cxnSp>
+      <p:sp>
+        <p:nvSpPr>
+          <p:cNvPr id="3" name="Pfeil: nach rechts 2">
+            <a:extLst>
+              <a:ext uri="{FF2B5EF4-FFF2-40B4-BE49-F238E27FC236}">
+                <a16:creationId xmlns:a16="http://schemas.microsoft.com/office/drawing/2014/main" id="{47C69192-6DE3-7879-03DB-9B5BD5DBC1D7}"/>
+              </a:ext>
+            </a:extLst>
+          </p:cNvPr>
+          <p:cNvSpPr/>
+          <p:nvPr/>
+        </p:nvSpPr>
+        <p:spPr>
+          <a:xfrm>
+            <a:off x="5297487" y="2747965"/>
+            <a:ext cx="341313" cy="346069"/>
+          </a:xfrm>
+          <a:prstGeom prst="rightArrow">
+            <a:avLst/>
+          </a:prstGeom>
+          <a:solidFill>
+            <a:schemeClr val="bg1"/>
+          </a:solidFill>
+          <a:ln w="25400">
+            <a:solidFill>
+              <a:schemeClr val="tx1"/>
+            </a:solidFill>
+          </a:ln>
+        </p:spPr>
+        <p:style>
+          <a:lnRef idx="2">
+            <a:schemeClr val="accent1">
+              <a:shade val="15000"/>
+            </a:schemeClr>
+          </a:lnRef>
+          <a:fillRef idx="1">
+            <a:schemeClr val="accent1"/>
+          </a:fillRef>
+          <a:effectRef idx="0">
+            <a:schemeClr val="accent1"/>
+          </a:effectRef>
+          <a:fontRef idx="minor">
+            <a:schemeClr val="lt1"/>
+          </a:fontRef>
+        </p:style>
+        <p:txBody>
+          <a:bodyPr rtlCol="0" anchor="ctr"/>
+          <a:lstStyle/>
+          <a:p>
+            <a:pPr algn="ctr"/>
+            <a:endParaRPr lang="de-DE" dirty="0"/>
+          </a:p>
+        </p:txBody>
+      </p:sp>
+      <p:sp>
+        <p:nvSpPr>
+          <p:cNvPr id="4" name="Pfeil: nach rechts 3">
+            <a:extLst>
+              <a:ext uri="{FF2B5EF4-FFF2-40B4-BE49-F238E27FC236}">
+                <a16:creationId xmlns:a16="http://schemas.microsoft.com/office/drawing/2014/main" id="{75EC2ECF-B058-69E5-96D2-06C6A7B196A7}"/>
+              </a:ext>
+            </a:extLst>
+          </p:cNvPr>
+          <p:cNvSpPr/>
+          <p:nvPr/>
+        </p:nvSpPr>
+        <p:spPr>
+          <a:xfrm>
+            <a:off x="8001000" y="2747965"/>
+            <a:ext cx="341313" cy="346069"/>
+          </a:xfrm>
+          <a:prstGeom prst="rightArrow">
+            <a:avLst/>
+          </a:prstGeom>
+          <a:solidFill>
+            <a:schemeClr val="bg1"/>
+          </a:solidFill>
+          <a:ln w="25400">
+            <a:solidFill>
+              <a:schemeClr val="tx1"/>
+            </a:solidFill>
+          </a:ln>
+        </p:spPr>
+        <p:style>
+          <a:lnRef idx="2">
+            <a:schemeClr val="accent1">
+              <a:shade val="15000"/>
+            </a:schemeClr>
+          </a:lnRef>
+          <a:fillRef idx="1">
+            <a:schemeClr val="accent1"/>
+          </a:fillRef>
+          <a:effectRef idx="0">
+            <a:schemeClr val="accent1"/>
+          </a:effectRef>
+          <a:fontRef idx="minor">
+            <a:schemeClr val="lt1"/>
+          </a:fontRef>
+        </p:style>
+        <p:txBody>
+          <a:bodyPr rtlCol="0" anchor="ctr"/>
+          <a:lstStyle/>
+          <a:p>
+            <a:pPr algn="ctr"/>
+            <a:endParaRPr lang="de-DE" dirty="0"/>
+          </a:p>
+        </p:txBody>
+      </p:sp>
     </p:spTree>
     <p:extLst>
       <p:ext uri="{BB962C8B-B14F-4D97-AF65-F5344CB8AC3E}">
@@ -30325,6 +30433,103 @@
                       </p:childTnLst>
                     </p:cTn>
                   </p:par>
+                  <p:par>
+                    <p:cTn id="77" fill="hold">
+                      <p:stCondLst>
+                        <p:cond delay="indefinite"/>
+                      </p:stCondLst>
+                      <p:childTnLst>
+                        <p:par>
+                          <p:cTn id="78" fill="hold">
+                            <p:stCondLst>
+                              <p:cond delay="0"/>
+                            </p:stCondLst>
+                            <p:childTnLst>
+                              <p:par>
+                                <p:cTn id="79" presetID="22" presetClass="entr" presetSubtype="8" fill="hold" grpId="0" nodeType="clickEffect">
+                                  <p:stCondLst>
+                                    <p:cond delay="0"/>
+                                  </p:stCondLst>
+                                  <p:childTnLst>
+                                    <p:set>
+                                      <p:cBhvr>
+                                        <p:cTn id="80" dur="1" fill="hold">
+                                          <p:stCondLst>
+                                            <p:cond delay="0"/>
+                                          </p:stCondLst>
+                                        </p:cTn>
+                                        <p:tgtEl>
+                                          <p:spTgt spid="3"/>
+                                        </p:tgtEl>
+                                        <p:attrNameLst>
+                                          <p:attrName>style.visibility</p:attrName>
+                                        </p:attrNameLst>
+                                      </p:cBhvr>
+                                      <p:to>
+                                        <p:strVal val="visible"/>
+                                      </p:to>
+                                    </p:set>
+                                    <p:animEffect transition="in" filter="wipe(left)">
+                                      <p:cBhvr>
+                                        <p:cTn id="81" dur="500"/>
+                                        <p:tgtEl>
+                                          <p:spTgt spid="3"/>
+                                        </p:tgtEl>
+                                      </p:cBhvr>
+                                    </p:animEffect>
+                                  </p:childTnLst>
+                                </p:cTn>
+                              </p:par>
+                            </p:childTnLst>
+                          </p:cTn>
+                        </p:par>
+                        <p:par>
+                          <p:cTn id="82" fill="hold">
+                            <p:stCondLst>
+                              <p:cond delay="500"/>
+                            </p:stCondLst>
+                            <p:childTnLst>
+                              <p:par>
+                                <p:cTn id="83" presetID="22" presetClass="entr" presetSubtype="8" fill="hold" grpId="0" nodeType="afterEffect">
+                                  <p:stCondLst>
+                                    <p:cond delay="0"/>
+                                  </p:stCondLst>
+                                  <p:childTnLst>
+                                    <p:set>
+                                      <p:cBhvr>
+                                        <p:cTn id="84" dur="1" fill="hold">
+                                          <p:stCondLst>
+                                            <p:cond delay="0"/>
+                                          </p:stCondLst>
+                                        </p:cTn>
+                                        <p:tgtEl>
+                                          <p:spTgt spid="4"/>
+                                        </p:tgtEl>
+                                        <p:attrNameLst>
+                                          <p:attrName>style.visibility</p:attrName>
+                                        </p:attrNameLst>
+                                      </p:cBhvr>
+                                      <p:to>
+                                        <p:strVal val="visible"/>
+                                      </p:to>
+                                    </p:set>
+                                    <p:animEffect transition="in" filter="wipe(left)">
+                                      <p:cBhvr>
+                                        <p:cTn id="85" dur="500"/>
+                                        <p:tgtEl>
+                                          <p:spTgt spid="4"/>
+                                        </p:tgtEl>
+                                      </p:cBhvr>
+                                    </p:animEffect>
+                                  </p:childTnLst>
+                                </p:cTn>
+                              </p:par>
+                            </p:childTnLst>
+                          </p:cTn>
+                        </p:par>
+                      </p:childTnLst>
+                    </p:cTn>
+                  </p:par>
                 </p:childTnLst>
               </p:cTn>
               <p:prevCondLst>
@@ -30355,6 +30560,8 @@
       <p:bldP spid="30" grpId="0" animBg="1"/>
       <p:bldP spid="39" grpId="0"/>
       <p:bldP spid="40" grpId="0"/>
+      <p:bldP spid="3" grpId="0" animBg="1"/>
+      <p:bldP spid="4" grpId="0" animBg="1"/>
     </p:bldLst>
   </p:timing>
 </p:sld>
@@ -32242,7 +32449,7 @@
                             </p:stCondLst>
                             <p:childTnLst>
                               <p:par>
-                                <p:cTn id="5" presetID="22" presetClass="entr" presetSubtype="8" fill="hold" grpId="0" nodeType="clickEffect">
+                                <p:cTn id="5" presetID="22" presetClass="entr" presetSubtype="2" fill="hold" grpId="0" nodeType="clickEffect">
                                   <p:stCondLst>
                                     <p:cond delay="0"/>
                                   </p:stCondLst>
@@ -32250,59 +32457,6 @@
                                     <p:set>
                                       <p:cBhvr>
                                         <p:cTn id="6" dur="1" fill="hold">
-                                          <p:stCondLst>
-                                            <p:cond delay="0"/>
-                                          </p:stCondLst>
-                                        </p:cTn>
-                                        <p:tgtEl>
-                                          <p:spTgt spid="3"/>
-                                        </p:tgtEl>
-                                        <p:attrNameLst>
-                                          <p:attrName>style.visibility</p:attrName>
-                                        </p:attrNameLst>
-                                      </p:cBhvr>
-                                      <p:to>
-                                        <p:strVal val="visible"/>
-                                      </p:to>
-                                    </p:set>
-                                    <p:animEffect transition="in" filter="wipe(left)">
-                                      <p:cBhvr>
-                                        <p:cTn id="7" dur="500"/>
-                                        <p:tgtEl>
-                                          <p:spTgt spid="3"/>
-                                        </p:tgtEl>
-                                      </p:cBhvr>
-                                    </p:animEffect>
-                                  </p:childTnLst>
-                                </p:cTn>
-                              </p:par>
-                            </p:childTnLst>
-                          </p:cTn>
-                        </p:par>
-                      </p:childTnLst>
-                    </p:cTn>
-                  </p:par>
-                  <p:par>
-                    <p:cTn id="8" fill="hold">
-                      <p:stCondLst>
-                        <p:cond delay="indefinite"/>
-                      </p:stCondLst>
-                      <p:childTnLst>
-                        <p:par>
-                          <p:cTn id="9" fill="hold">
-                            <p:stCondLst>
-                              <p:cond delay="0"/>
-                            </p:stCondLst>
-                            <p:childTnLst>
-                              <p:par>
-                                <p:cTn id="10" presetID="22" presetClass="entr" presetSubtype="2" fill="hold" grpId="0" nodeType="clickEffect">
-                                  <p:stCondLst>
-                                    <p:cond delay="0"/>
-                                  </p:stCondLst>
-                                  <p:childTnLst>
-                                    <p:set>
-                                      <p:cBhvr>
-                                        <p:cTn id="11" dur="1" fill="hold">
                                           <p:stCondLst>
                                             <p:cond delay="0"/>
                                           </p:stCondLst>
@@ -32320,7 +32474,7 @@
                                     </p:set>
                                     <p:animEffect transition="in" filter="wipe(right)">
                                       <p:cBhvr>
-                                        <p:cTn id="12" dur="500"/>
+                                        <p:cTn id="7" dur="500"/>
                                         <p:tgtEl>
                                           <p:spTgt spid="4"/>
                                         </p:tgtEl>
@@ -32357,7 +32511,6 @@
       </p:par>
     </p:tnLst>
     <p:bldLst>
-      <p:bldP spid="3" grpId="0" animBg="1"/>
       <p:bldP spid="4" grpId="0" animBg="1"/>
     </p:bldLst>
   </p:timing>

--- a/Informatik/Dynamische Datenstrukturen.pptx
+++ b/Informatik/Dynamische Datenstrukturen.pptx
@@ -226,7 +226,7 @@
           <a:p>
             <a:fld id="{956BC06E-4695-4D92-BAA8-C1984B21E568}" type="datetimeFigureOut">
               <a:rPr lang="de-DE" smtClean="0"/>
-              <a:t>06.02.2024</a:t>
+              <a:t>07.02.2024</a:t>
             </a:fld>
             <a:endParaRPr lang="de-DE"/>
           </a:p>
@@ -640,7 +640,7 @@
           <a:p>
             <a:fld id="{1C0C3597-A09E-44A0-A4B9-9253CC0B43A8}" type="datetimeFigureOut">
               <a:rPr lang="de-DE" smtClean="0"/>
-              <a:t>06.02.2024</a:t>
+              <a:t>07.02.2024</a:t>
             </a:fld>
             <a:endParaRPr lang="de-DE"/>
           </a:p>
@@ -838,7 +838,7 @@
           <a:p>
             <a:fld id="{1C0C3597-A09E-44A0-A4B9-9253CC0B43A8}" type="datetimeFigureOut">
               <a:rPr lang="de-DE" smtClean="0"/>
-              <a:t>06.02.2024</a:t>
+              <a:t>07.02.2024</a:t>
             </a:fld>
             <a:endParaRPr lang="de-DE"/>
           </a:p>
@@ -1046,7 +1046,7 @@
           <a:p>
             <a:fld id="{1C0C3597-A09E-44A0-A4B9-9253CC0B43A8}" type="datetimeFigureOut">
               <a:rPr lang="de-DE" smtClean="0"/>
-              <a:t>06.02.2024</a:t>
+              <a:t>07.02.2024</a:t>
             </a:fld>
             <a:endParaRPr lang="de-DE"/>
           </a:p>
@@ -1244,7 +1244,7 @@
           <a:p>
             <a:fld id="{1C0C3597-A09E-44A0-A4B9-9253CC0B43A8}" type="datetimeFigureOut">
               <a:rPr lang="de-DE" smtClean="0"/>
-              <a:t>06.02.2024</a:t>
+              <a:t>07.02.2024</a:t>
             </a:fld>
             <a:endParaRPr lang="de-DE"/>
           </a:p>
@@ -1519,7 +1519,7 @@
           <a:p>
             <a:fld id="{1C0C3597-A09E-44A0-A4B9-9253CC0B43A8}" type="datetimeFigureOut">
               <a:rPr lang="de-DE" smtClean="0"/>
-              <a:t>06.02.2024</a:t>
+              <a:t>07.02.2024</a:t>
             </a:fld>
             <a:endParaRPr lang="de-DE"/>
           </a:p>
@@ -1784,7 +1784,7 @@
           <a:p>
             <a:fld id="{1C0C3597-A09E-44A0-A4B9-9253CC0B43A8}" type="datetimeFigureOut">
               <a:rPr lang="de-DE" smtClean="0"/>
-              <a:t>06.02.2024</a:t>
+              <a:t>07.02.2024</a:t>
             </a:fld>
             <a:endParaRPr lang="de-DE"/>
           </a:p>
@@ -2196,7 +2196,7 @@
           <a:p>
             <a:fld id="{1C0C3597-A09E-44A0-A4B9-9253CC0B43A8}" type="datetimeFigureOut">
               <a:rPr lang="de-DE" smtClean="0"/>
-              <a:t>06.02.2024</a:t>
+              <a:t>07.02.2024</a:t>
             </a:fld>
             <a:endParaRPr lang="de-DE"/>
           </a:p>
@@ -2337,7 +2337,7 @@
           <a:p>
             <a:fld id="{1C0C3597-A09E-44A0-A4B9-9253CC0B43A8}" type="datetimeFigureOut">
               <a:rPr lang="de-DE" smtClean="0"/>
-              <a:t>06.02.2024</a:t>
+              <a:t>07.02.2024</a:t>
             </a:fld>
             <a:endParaRPr lang="de-DE"/>
           </a:p>
@@ -2450,7 +2450,7 @@
           <a:p>
             <a:fld id="{1C0C3597-A09E-44A0-A4B9-9253CC0B43A8}" type="datetimeFigureOut">
               <a:rPr lang="de-DE" smtClean="0"/>
-              <a:t>06.02.2024</a:t>
+              <a:t>07.02.2024</a:t>
             </a:fld>
             <a:endParaRPr lang="de-DE"/>
           </a:p>
@@ -2761,7 +2761,7 @@
           <a:p>
             <a:fld id="{1C0C3597-A09E-44A0-A4B9-9253CC0B43A8}" type="datetimeFigureOut">
               <a:rPr lang="de-DE" smtClean="0"/>
-              <a:t>06.02.2024</a:t>
+              <a:t>07.02.2024</a:t>
             </a:fld>
             <a:endParaRPr lang="de-DE"/>
           </a:p>
@@ -3049,7 +3049,7 @@
           <a:p>
             <a:fld id="{1C0C3597-A09E-44A0-A4B9-9253CC0B43A8}" type="datetimeFigureOut">
               <a:rPr lang="de-DE" smtClean="0"/>
-              <a:t>06.02.2024</a:t>
+              <a:t>07.02.2024</a:t>
             </a:fld>
             <a:endParaRPr lang="de-DE"/>
           </a:p>
@@ -3290,7 +3290,7 @@
           <a:p>
             <a:fld id="{1C0C3597-A09E-44A0-A4B9-9253CC0B43A8}" type="datetimeFigureOut">
               <a:rPr lang="de-DE" smtClean="0"/>
-              <a:t>06.02.2024</a:t>
+              <a:t>07.02.2024</a:t>
             </a:fld>
             <a:endParaRPr lang="de-DE"/>
           </a:p>
@@ -4910,8 +4910,8 @@
         </p:blipFill>
         <p:spPr>
           <a:xfrm>
-            <a:off x="2899915" y="1147714"/>
-            <a:ext cx="6392167" cy="695422"/>
+            <a:off x="1396602" y="807784"/>
+            <a:ext cx="9398790" cy="1022521"/>
           </a:xfrm>
           <a:prstGeom prst="rect">
             <a:avLst/>
